--- a/2주차/SBS게임아카데미_UNITY주말4개월_2주차.pptx
+++ b/2주차/SBS게임아카데미_UNITY주말4개월_2주차.pptx
@@ -44,22 +44,22 @@
     <p:sldId id="282" r:id="rId32"/>
     <p:sldId id="281" r:id="rId33"/>
     <p:sldId id="333" r:id="rId34"/>
-    <p:sldId id="270" r:id="rId35"/>
-    <p:sldId id="287" r:id="rId36"/>
-    <p:sldId id="288" r:id="rId37"/>
-    <p:sldId id="289" r:id="rId38"/>
-    <p:sldId id="292" r:id="rId39"/>
-    <p:sldId id="291" r:id="rId40"/>
-    <p:sldId id="290" r:id="rId41"/>
-    <p:sldId id="293" r:id="rId42"/>
-    <p:sldId id="294" r:id="rId43"/>
-    <p:sldId id="321" r:id="rId44"/>
-    <p:sldId id="295" r:id="rId45"/>
-    <p:sldId id="296" r:id="rId46"/>
-    <p:sldId id="299" r:id="rId47"/>
-    <p:sldId id="298" r:id="rId48"/>
-    <p:sldId id="300" r:id="rId49"/>
-    <p:sldId id="301" r:id="rId50"/>
+    <p:sldId id="334" r:id="rId35"/>
+    <p:sldId id="335" r:id="rId36"/>
+    <p:sldId id="336" r:id="rId37"/>
+    <p:sldId id="337" r:id="rId38"/>
+    <p:sldId id="338" r:id="rId39"/>
+    <p:sldId id="339" r:id="rId40"/>
+    <p:sldId id="340" r:id="rId41"/>
+    <p:sldId id="341" r:id="rId42"/>
+    <p:sldId id="342" r:id="rId43"/>
+    <p:sldId id="270" r:id="rId44"/>
+    <p:sldId id="287" r:id="rId45"/>
+    <p:sldId id="288" r:id="rId46"/>
+    <p:sldId id="289" r:id="rId47"/>
+    <p:sldId id="292" r:id="rId48"/>
+    <p:sldId id="291" r:id="rId49"/>
+    <p:sldId id="290" r:id="rId50"/>
     <p:sldId id="304" r:id="rId51"/>
     <p:sldId id="302" r:id="rId52"/>
     <p:sldId id="306" r:id="rId53"/>
@@ -299,7 +299,7 @@
           <a:p>
             <a:fld id="{1FB181E3-7E76-4CD3-B309-144B2849763F}" type="datetimeFigureOut">
               <a:rPr lang="ko-KR" altLang="en-US" smtClean="0"/>
-              <a:t>2020-06-21</a:t>
+              <a:t>2020-06-28</a:t>
             </a:fld>
             <a:endParaRPr lang="ko-KR" altLang="en-US"/>
           </a:p>
@@ -476,7 +476,7 @@
           <a:p>
             <a:fld id="{2CAF56A3-FF6D-46D8-9921-264FC75D95C0}" type="datetimeFigureOut">
               <a:rPr lang="ko-KR" altLang="en-US" smtClean="0"/>
-              <a:t>2020-06-21</a:t>
+              <a:t>2020-06-28</a:t>
             </a:fld>
             <a:endParaRPr lang="ko-KR" altLang="en-US" dirty="0"/>
           </a:p>
@@ -1490,7 +1490,7 @@
           <a:p>
             <a:fld id="{B61477E7-4424-4D7B-8D2E-1CDEEC8E9338}" type="datetimeFigureOut">
               <a:rPr lang="ko-KR" altLang="en-US" smtClean="0"/>
-              <a:t>2020-06-21</a:t>
+              <a:t>2020-06-28</a:t>
             </a:fld>
             <a:endParaRPr lang="ko-KR" altLang="en-US" dirty="0"/>
           </a:p>
@@ -1688,7 +1688,7 @@
           <a:p>
             <a:fld id="{B61477E7-4424-4D7B-8D2E-1CDEEC8E9338}" type="datetimeFigureOut">
               <a:rPr lang="ko-KR" altLang="en-US" smtClean="0"/>
-              <a:t>2020-06-21</a:t>
+              <a:t>2020-06-28</a:t>
             </a:fld>
             <a:endParaRPr lang="ko-KR" altLang="en-US" dirty="0"/>
           </a:p>
@@ -1896,7 +1896,7 @@
           <a:p>
             <a:fld id="{B61477E7-4424-4D7B-8D2E-1CDEEC8E9338}" type="datetimeFigureOut">
               <a:rPr lang="ko-KR" altLang="en-US" smtClean="0"/>
-              <a:t>2020-06-21</a:t>
+              <a:t>2020-06-28</a:t>
             </a:fld>
             <a:endParaRPr lang="ko-KR" altLang="en-US" dirty="0"/>
           </a:p>
@@ -2180,7 +2180,7 @@
           <a:p>
             <a:fld id="{B61477E7-4424-4D7B-8D2E-1CDEEC8E9338}" type="datetimeFigureOut">
               <a:rPr lang="ko-KR" altLang="en-US" smtClean="0"/>
-              <a:t>2020-06-21</a:t>
+              <a:t>2020-06-28</a:t>
             </a:fld>
             <a:endParaRPr lang="ko-KR" altLang="en-US" dirty="0"/>
           </a:p>
@@ -2499,7 +2499,7 @@
           <a:p>
             <a:fld id="{B61477E7-4424-4D7B-8D2E-1CDEEC8E9338}" type="datetimeFigureOut">
               <a:rPr lang="ko-KR" altLang="en-US" smtClean="0"/>
-              <a:t>2020-06-21</a:t>
+              <a:t>2020-06-28</a:t>
             </a:fld>
             <a:endParaRPr lang="ko-KR" altLang="en-US" dirty="0"/>
           </a:p>
@@ -2764,7 +2764,7 @@
           <a:p>
             <a:fld id="{B61477E7-4424-4D7B-8D2E-1CDEEC8E9338}" type="datetimeFigureOut">
               <a:rPr lang="ko-KR" altLang="en-US" smtClean="0"/>
-              <a:t>2020-06-21</a:t>
+              <a:t>2020-06-28</a:t>
             </a:fld>
             <a:endParaRPr lang="ko-KR" altLang="en-US" dirty="0"/>
           </a:p>
@@ -3176,7 +3176,7 @@
           <a:p>
             <a:fld id="{B61477E7-4424-4D7B-8D2E-1CDEEC8E9338}" type="datetimeFigureOut">
               <a:rPr lang="ko-KR" altLang="en-US" smtClean="0"/>
-              <a:t>2020-06-21</a:t>
+              <a:t>2020-06-28</a:t>
             </a:fld>
             <a:endParaRPr lang="ko-KR" altLang="en-US" dirty="0"/>
           </a:p>
@@ -3317,7 +3317,7 @@
           <a:p>
             <a:fld id="{B61477E7-4424-4D7B-8D2E-1CDEEC8E9338}" type="datetimeFigureOut">
               <a:rPr lang="ko-KR" altLang="en-US" smtClean="0"/>
-              <a:t>2020-06-21</a:t>
+              <a:t>2020-06-28</a:t>
             </a:fld>
             <a:endParaRPr lang="ko-KR" altLang="en-US" dirty="0"/>
           </a:p>
@@ -3445,7 +3445,7 @@
           <a:p>
             <a:fld id="{B61477E7-4424-4D7B-8D2E-1CDEEC8E9338}" type="datetimeFigureOut">
               <a:rPr lang="ko-KR" altLang="en-US" smtClean="0"/>
-              <a:t>2020-06-21</a:t>
+              <a:t>2020-06-28</a:t>
             </a:fld>
             <a:endParaRPr lang="ko-KR" altLang="en-US" dirty="0"/>
           </a:p>
@@ -3756,7 +3756,7 @@
           <a:p>
             <a:fld id="{B61477E7-4424-4D7B-8D2E-1CDEEC8E9338}" type="datetimeFigureOut">
               <a:rPr lang="ko-KR" altLang="en-US" smtClean="0"/>
-              <a:t>2020-06-21</a:t>
+              <a:t>2020-06-28</a:t>
             </a:fld>
             <a:endParaRPr lang="ko-KR" altLang="en-US" dirty="0"/>
           </a:p>
@@ -4044,7 +4044,7 @@
           <a:p>
             <a:fld id="{B61477E7-4424-4D7B-8D2E-1CDEEC8E9338}" type="datetimeFigureOut">
               <a:rPr lang="ko-KR" altLang="en-US" smtClean="0"/>
-              <a:t>2020-06-21</a:t>
+              <a:t>2020-06-28</a:t>
             </a:fld>
             <a:endParaRPr lang="ko-KR" altLang="en-US" dirty="0"/>
           </a:p>
@@ -4294,7 +4294,7 @@
           <a:p>
             <a:fld id="{B61477E7-4424-4D7B-8D2E-1CDEEC8E9338}" type="datetimeFigureOut">
               <a:rPr lang="ko-KR" altLang="en-US" smtClean="0"/>
-              <a:t>2020-06-21</a:t>
+              <a:t>2020-06-28</a:t>
             </a:fld>
             <a:endParaRPr lang="ko-KR" altLang="en-US" dirty="0"/>
           </a:p>
@@ -14678,7 +14678,7 @@
           <p:cNvPr id="2" name="내용 개체 틀 1">
             <a:extLst>
               <a:ext uri="{FF2B5EF4-FFF2-40B4-BE49-F238E27FC236}">
-                <a16:creationId xmlns:a16="http://schemas.microsoft.com/office/drawing/2014/main" id="{0D421488-2A70-469F-8A22-F14364D6418D}"/>
+                <a16:creationId xmlns:a16="http://schemas.microsoft.com/office/drawing/2014/main" id="{2DE25E26-4D9E-46EA-A42D-5B2FD683B484}"/>
               </a:ext>
             </a:extLst>
           </p:cNvPr>
@@ -14689,49 +14689,198 @@
             <p:ph idx="1"/>
           </p:nvPr>
         </p:nvSpPr>
-        <p:spPr>
-          <a:xfrm>
-            <a:off x="401215" y="1253331"/>
-            <a:ext cx="11398451" cy="4830228"/>
-          </a:xfrm>
-        </p:spPr>
+        <p:spPr/>
         <p:txBody>
           <a:bodyPr/>
           <a:lstStyle/>
           <a:p>
-            <a:r>
-              <a:rPr lang="en-US" altLang="ko-KR" dirty="0"/>
-              <a:t>class </a:t>
-            </a:r>
-            <a:r>
-              <a:rPr lang="ko-KR" altLang="en-US" dirty="0"/>
-              <a:t>상속</a:t>
-            </a:r>
             <a:endParaRPr lang="en-US" altLang="ko-KR" dirty="0"/>
           </a:p>
           <a:p>
+            <a:endParaRPr lang="en-US" altLang="ko-KR" dirty="0"/>
+          </a:p>
+          <a:p>
+            <a:r>
+              <a:rPr lang="ko-KR" altLang="en-US" dirty="0" err="1"/>
+              <a:t>조건문</a:t>
+            </a:r>
+            <a:endParaRPr lang="en-US" altLang="ko-KR" dirty="0"/>
+          </a:p>
+          <a:p>
             <a:pPr lvl="1"/>
             <a:r>
-              <a:rPr lang="en-US" altLang="ko-KR" dirty="0"/>
-              <a:t>class</a:t>
-            </a:r>
-            <a:r>
-              <a:rPr lang="ko-KR" altLang="en-US" dirty="0"/>
-              <a:t>를 물려받는다</a:t>
-            </a:r>
-            <a:r>
-              <a:rPr lang="en-US" altLang="ko-KR" dirty="0"/>
-              <a:t>. </a:t>
-            </a:r>
-            <a:r>
-              <a:rPr lang="ko-KR" altLang="en-US" dirty="0"/>
-              <a:t>상속받는다</a:t>
-            </a:r>
-            <a:r>
-              <a:rPr lang="en-US" altLang="ko-KR" dirty="0"/>
-              <a:t>.</a:t>
-            </a:r>
-            <a:endParaRPr lang="ko-KR" altLang="en-US" dirty="0"/>
+              <a:rPr lang="ko-KR" altLang="en-US" dirty="0"/>
+              <a:t>말 그대로 조건을 따지는 구문 </a:t>
+            </a:r>
+            <a:r>
+              <a:rPr lang="en-US" altLang="ko-KR" dirty="0"/>
+              <a:t>(</a:t>
+            </a:r>
+            <a:r>
+              <a:rPr lang="ko-KR" altLang="en-US" dirty="0"/>
+              <a:t>영역</a:t>
+            </a:r>
+            <a:r>
+              <a:rPr lang="en-US" altLang="ko-KR" dirty="0"/>
+              <a:t>)</a:t>
+            </a:r>
+          </a:p>
+          <a:p>
+            <a:pPr lvl="2"/>
+            <a:r>
+              <a:rPr lang="en-US" altLang="ko-KR" dirty="0"/>
+              <a:t>if (</a:t>
+            </a:r>
+            <a:r>
+              <a:rPr lang="ko-KR" altLang="en-US" dirty="0"/>
+              <a:t>조건</a:t>
+            </a:r>
+            <a:r>
+              <a:rPr lang="en-US" altLang="ko-KR" dirty="0"/>
+              <a:t>) { ~ }</a:t>
+            </a:r>
+          </a:p>
+          <a:p>
+            <a:pPr lvl="2"/>
+            <a:r>
+              <a:rPr lang="en-US" altLang="ko-KR" dirty="0"/>
+              <a:t>if(</a:t>
+            </a:r>
+            <a:r>
+              <a:rPr lang="ko-KR" altLang="en-US" dirty="0"/>
+              <a:t>조건</a:t>
+            </a:r>
+            <a:r>
+              <a:rPr lang="en-US" altLang="ko-KR" dirty="0"/>
+              <a:t>) { ~ } , else if(</a:t>
+            </a:r>
+            <a:r>
+              <a:rPr lang="ko-KR" altLang="en-US" dirty="0"/>
+              <a:t>조건</a:t>
+            </a:r>
+            <a:r>
+              <a:rPr lang="en-US" altLang="ko-KR" dirty="0"/>
+              <a:t>) { ~ }, else</a:t>
+            </a:r>
+            <a:r>
+              <a:rPr lang="ko-KR" altLang="en-US" dirty="0"/>
+              <a:t> </a:t>
+            </a:r>
+            <a:r>
+              <a:rPr lang="en-US" altLang="ko-KR" dirty="0"/>
+              <a:t>{</a:t>
+            </a:r>
+            <a:r>
+              <a:rPr lang="ko-KR" altLang="en-US" dirty="0"/>
+              <a:t> </a:t>
+            </a:r>
+            <a:r>
+              <a:rPr lang="en-US" altLang="ko-KR" dirty="0"/>
+              <a:t>}</a:t>
+            </a:r>
+          </a:p>
+          <a:p>
+            <a:r>
+              <a:rPr lang="ko-KR" altLang="en-US" dirty="0" err="1"/>
+              <a:t>반복문</a:t>
+            </a:r>
+            <a:endParaRPr lang="en-US" altLang="ko-KR" dirty="0"/>
+          </a:p>
+          <a:p>
+            <a:pPr lvl="1"/>
+            <a:r>
+              <a:rPr lang="ko-KR" altLang="en-US" dirty="0"/>
+              <a:t>말 그대로 반복해주는 구문</a:t>
+            </a:r>
+            <a:endParaRPr lang="en-US" altLang="ko-KR" dirty="0"/>
+          </a:p>
+          <a:p>
+            <a:pPr lvl="2"/>
+            <a:r>
+              <a:rPr lang="en-US" altLang="ko-KR" dirty="0"/>
+              <a:t>while(</a:t>
+            </a:r>
+            <a:r>
+              <a:rPr lang="ko-KR" altLang="en-US" dirty="0"/>
+              <a:t>조건</a:t>
+            </a:r>
+            <a:r>
+              <a:rPr lang="en-US" altLang="ko-KR" dirty="0"/>
+              <a:t>) { ~ } </a:t>
+            </a:r>
+          </a:p>
+          <a:p>
+            <a:pPr lvl="2"/>
+            <a:r>
+              <a:rPr lang="en-US" altLang="ko-KR" dirty="0"/>
+              <a:t>for(int </a:t>
+            </a:r>
+            <a:r>
+              <a:rPr lang="en-US" altLang="ko-KR" dirty="0" err="1"/>
+              <a:t>i</a:t>
+            </a:r>
+            <a:r>
+              <a:rPr lang="en-US" altLang="ko-KR" dirty="0"/>
+              <a:t> = 0; </a:t>
+            </a:r>
+            <a:r>
+              <a:rPr lang="en-US" altLang="ko-KR" dirty="0" err="1"/>
+              <a:t>i</a:t>
+            </a:r>
+            <a:r>
+              <a:rPr lang="en-US" altLang="ko-KR" dirty="0"/>
+              <a:t> &lt; 10; </a:t>
+            </a:r>
+            <a:r>
+              <a:rPr lang="en-US" altLang="ko-KR" dirty="0" err="1"/>
+              <a:t>i</a:t>
+            </a:r>
+            <a:r>
+              <a:rPr lang="en-US" altLang="ko-KR" dirty="0"/>
+              <a:t>++) { ~ }</a:t>
+            </a:r>
+          </a:p>
+          <a:p>
+            <a:pPr lvl="2"/>
+            <a:r>
+              <a:rPr lang="en-US" altLang="ko-KR" dirty="0"/>
+              <a:t>do{ ~ } while(</a:t>
+            </a:r>
+            <a:r>
+              <a:rPr lang="ko-KR" altLang="en-US" dirty="0"/>
+              <a:t>조건</a:t>
+            </a:r>
+            <a:r>
+              <a:rPr lang="en-US" altLang="ko-KR" dirty="0"/>
+              <a:t>)</a:t>
+            </a:r>
+          </a:p>
+          <a:p>
+            <a:pPr lvl="2"/>
+            <a:r>
+              <a:rPr lang="en-US" altLang="ko-KR" dirty="0"/>
+              <a:t>foreach // </a:t>
+            </a:r>
+            <a:r>
+              <a:rPr lang="ko-KR" altLang="en-US" dirty="0"/>
+              <a:t>배열안에 요소 하나하나 불러와 구문실행 </a:t>
+            </a:r>
+            <a:r>
+              <a:rPr lang="en-US" altLang="ko-KR" dirty="0"/>
+              <a:t>-&gt; </a:t>
+            </a:r>
+            <a:r>
+              <a:rPr lang="ko-KR" altLang="en-US" dirty="0"/>
+              <a:t>배열</a:t>
+            </a:r>
+            <a:r>
+              <a:rPr lang="en-US" altLang="ko-KR" dirty="0"/>
+              <a:t> </a:t>
+            </a:r>
+            <a:r>
+              <a:rPr lang="ko-KR" altLang="en-US" dirty="0"/>
+              <a:t>파트에서 설명</a:t>
+            </a:r>
           </a:p>
         </p:txBody>
       </p:sp>
@@ -14740,7 +14889,7 @@
           <p:cNvPr id="3" name="내용 개체 틀 2">
             <a:extLst>
               <a:ext uri="{FF2B5EF4-FFF2-40B4-BE49-F238E27FC236}">
-                <a16:creationId xmlns:a16="http://schemas.microsoft.com/office/drawing/2014/main" id="{23052C98-3129-49A5-9830-E895D5E349FF}"/>
+                <a16:creationId xmlns:a16="http://schemas.microsoft.com/office/drawing/2014/main" id="{3388B577-7938-4657-936A-8651B058882B}"/>
               </a:ext>
             </a:extLst>
           </p:cNvPr>
@@ -14766,2499 +14915,20 @@
             </a:r>
             <a:r>
               <a:rPr lang="en-US" altLang="ko-KR" dirty="0"/>
-              <a:t>– class </a:t>
-            </a:r>
-            <a:r>
-              <a:rPr lang="ko-KR" altLang="en-US" dirty="0"/>
-              <a:t>상속</a:t>
-            </a:r>
-          </a:p>
-        </p:txBody>
-      </p:sp>
-      <p:sp>
-        <p:nvSpPr>
-          <p:cNvPr id="4" name="TextBox 3">
-            <a:extLst>
-              <a:ext uri="{FF2B5EF4-FFF2-40B4-BE49-F238E27FC236}">
-                <a16:creationId xmlns:a16="http://schemas.microsoft.com/office/drawing/2014/main" id="{B1748130-8A02-4B20-8AC1-F043AB6D56BD}"/>
-              </a:ext>
-            </a:extLst>
-          </p:cNvPr>
-          <p:cNvSpPr txBox="1"/>
-          <p:nvPr/>
-        </p:nvSpPr>
-        <p:spPr>
-          <a:xfrm>
-            <a:off x="401215" y="1857676"/>
-            <a:ext cx="4723928" cy="4377040"/>
-          </a:xfrm>
-          <a:prstGeom prst="rect">
-            <a:avLst/>
-          </a:prstGeom>
-          <a:noFill/>
-        </p:spPr>
-        <p:txBody>
-          <a:bodyPr wrap="square" rtlCol="0">
-            <a:spAutoFit/>
-          </a:bodyPr>
-          <a:lstStyle/>
-          <a:p>
-            <a:r>
-              <a:rPr lang="en-US" altLang="ko-KR" sz="2800" dirty="0">
-                <a:solidFill>
-                  <a:schemeClr val="accent6"/>
-                </a:solidFill>
-              </a:rPr>
-              <a:t>class </a:t>
-            </a:r>
-            <a:r>
-              <a:rPr lang="en-US" altLang="ko-KR" sz="2800" dirty="0">
-                <a:solidFill>
-                  <a:schemeClr val="accent1"/>
-                </a:solidFill>
-              </a:rPr>
-              <a:t>Creature  </a:t>
-            </a:r>
-            <a:r>
-              <a:rPr lang="en-US" altLang="ko-KR" sz="2800" dirty="0"/>
-              <a:t>// </a:t>
-            </a:r>
-            <a:r>
-              <a:rPr lang="ko-KR" altLang="en-US" sz="2800" dirty="0"/>
-              <a:t>생물</a:t>
-            </a:r>
-            <a:endParaRPr lang="en-US" altLang="ko-KR" sz="2800" dirty="0"/>
-          </a:p>
-          <a:p>
-            <a:r>
-              <a:rPr lang="en-US" altLang="ko-KR" sz="2800" dirty="0"/>
-              <a:t>{</a:t>
-            </a:r>
-          </a:p>
-          <a:p>
-            <a:r>
-              <a:rPr lang="en-US" altLang="ko-KR" sz="2800" dirty="0"/>
-              <a:t>    </a:t>
-            </a:r>
-            <a:r>
-              <a:rPr lang="en-US" altLang="ko-KR" sz="2800" dirty="0">
-                <a:solidFill>
-                  <a:schemeClr val="accent6"/>
-                </a:solidFill>
-              </a:rPr>
-              <a:t>int </a:t>
-            </a:r>
-            <a:r>
-              <a:rPr lang="en-US" altLang="ko-KR" sz="2800" dirty="0"/>
-              <a:t>lifetime; // </a:t>
-            </a:r>
-            <a:r>
-              <a:rPr lang="ko-KR" altLang="en-US" sz="2800" dirty="0"/>
-              <a:t>수명</a:t>
-            </a:r>
-            <a:endParaRPr lang="en-US" altLang="ko-KR" sz="2800" dirty="0"/>
-          </a:p>
-          <a:p>
-            <a:r>
-              <a:rPr lang="en-US" altLang="ko-KR" sz="2800" dirty="0"/>
-              <a:t>    </a:t>
-            </a:r>
-            <a:r>
-              <a:rPr lang="en-US" altLang="ko-KR" sz="2800" dirty="0">
-                <a:solidFill>
-                  <a:schemeClr val="accent1"/>
-                </a:solidFill>
-              </a:rPr>
-              <a:t>DNA</a:t>
-            </a:r>
-            <a:r>
-              <a:rPr lang="en-US" altLang="ko-KR" sz="2800" dirty="0"/>
-              <a:t> </a:t>
-            </a:r>
-            <a:r>
-              <a:rPr lang="en-US" altLang="ko-KR" sz="2800" dirty="0" err="1"/>
-              <a:t>dna</a:t>
-            </a:r>
-            <a:r>
-              <a:rPr lang="en-US" altLang="ko-KR" sz="2800" dirty="0"/>
-              <a:t>; // DNA</a:t>
-            </a:r>
-            <a:r>
-              <a:rPr lang="ko-KR" altLang="en-US" sz="2800" dirty="0"/>
-              <a:t>객체</a:t>
-            </a:r>
-            <a:endParaRPr lang="en-US" altLang="ko-KR" sz="2800" dirty="0"/>
-          </a:p>
-          <a:p>
-            <a:r>
-              <a:rPr lang="en-US" altLang="ko-KR" sz="2800" dirty="0"/>
-              <a:t>    </a:t>
-            </a:r>
-          </a:p>
-          <a:p>
-            <a:r>
-              <a:rPr lang="en-US" altLang="ko-KR" sz="2800" dirty="0"/>
-              <a:t>    void </a:t>
-            </a:r>
-            <a:r>
-              <a:rPr lang="ko-KR" altLang="en-US" sz="2800" dirty="0"/>
-              <a:t>호흡</a:t>
-            </a:r>
-            <a:r>
-              <a:rPr lang="en-US" altLang="ko-KR" sz="2800" dirty="0"/>
-              <a:t>()</a:t>
-            </a:r>
-          </a:p>
-          <a:p>
-            <a:r>
-              <a:rPr lang="en-US" altLang="ko-KR" sz="2800" dirty="0"/>
-              <a:t>    {</a:t>
-            </a:r>
-          </a:p>
-          <a:p>
-            <a:r>
-              <a:rPr lang="en-US" altLang="ko-KR" sz="2800" dirty="0"/>
-              <a:t>       lifetime = lifetime + 1;</a:t>
-            </a:r>
-          </a:p>
-          <a:p>
-            <a:r>
-              <a:rPr lang="en-US" altLang="ko-KR" sz="2800" dirty="0"/>
-              <a:t>    }</a:t>
-            </a:r>
-            <a:br>
-              <a:rPr lang="en-US" altLang="ko-KR" sz="2800" dirty="0"/>
-            </a:br>
-            <a:r>
-              <a:rPr lang="en-US" altLang="ko-KR" sz="2800" dirty="0"/>
-              <a:t>}</a:t>
-            </a:r>
-            <a:endParaRPr lang="ko-KR" altLang="en-US" sz="2800" dirty="0"/>
-          </a:p>
-        </p:txBody>
-      </p:sp>
-      <p:sp>
-        <p:nvSpPr>
-          <p:cNvPr id="9" name="TextBox 8">
-            <a:extLst>
-              <a:ext uri="{FF2B5EF4-FFF2-40B4-BE49-F238E27FC236}">
-                <a16:creationId xmlns:a16="http://schemas.microsoft.com/office/drawing/2014/main" id="{1E2510F3-2276-47A1-B7AF-D3B79BF98691}"/>
-              </a:ext>
-            </a:extLst>
-          </p:cNvPr>
-          <p:cNvSpPr txBox="1"/>
-          <p:nvPr/>
-        </p:nvSpPr>
-        <p:spPr>
-          <a:xfrm>
-            <a:off x="5726201" y="2000200"/>
-            <a:ext cx="5472407" cy="1815882"/>
-          </a:xfrm>
-          <a:prstGeom prst="rect">
-            <a:avLst/>
-          </a:prstGeom>
-          <a:noFill/>
-        </p:spPr>
-        <p:txBody>
-          <a:bodyPr wrap="square" rtlCol="0">
-            <a:spAutoFit/>
-          </a:bodyPr>
-          <a:lstStyle/>
-          <a:p>
-            <a:r>
-              <a:rPr lang="en-US" altLang="ko-KR" sz="2800" dirty="0">
-                <a:solidFill>
-                  <a:schemeClr val="accent6"/>
-                </a:solidFill>
-              </a:rPr>
-              <a:t>class </a:t>
-            </a:r>
-            <a:r>
-              <a:rPr lang="en-US" altLang="ko-KR" sz="2800" dirty="0">
-                <a:solidFill>
-                  <a:schemeClr val="accent1"/>
-                </a:solidFill>
-              </a:rPr>
-              <a:t>Human </a:t>
-            </a:r>
-            <a:r>
-              <a:rPr lang="en-US" altLang="ko-KR" sz="2800" dirty="0">
-                <a:solidFill>
-                  <a:srgbClr val="C00000"/>
-                </a:solidFill>
-              </a:rPr>
-              <a:t>:</a:t>
-            </a:r>
-            <a:r>
-              <a:rPr lang="en-US" altLang="ko-KR" sz="2800" dirty="0">
-                <a:solidFill>
-                  <a:schemeClr val="accent1"/>
-                </a:solidFill>
-              </a:rPr>
-              <a:t> Creature </a:t>
-            </a:r>
-            <a:r>
-              <a:rPr lang="en-US" altLang="ko-KR" sz="2800" dirty="0"/>
-              <a:t>// </a:t>
-            </a:r>
-            <a:r>
-              <a:rPr lang="ko-KR" altLang="en-US" sz="2800" dirty="0"/>
-              <a:t>사람</a:t>
-            </a:r>
-            <a:endParaRPr lang="en-US" altLang="ko-KR" sz="2800" dirty="0"/>
-          </a:p>
-          <a:p>
-            <a:r>
-              <a:rPr lang="en-US" altLang="ko-KR" sz="2800" dirty="0"/>
-              <a:t>{</a:t>
-            </a:r>
-          </a:p>
-          <a:p>
-            <a:r>
-              <a:rPr lang="en-US" altLang="ko-KR" sz="2800" dirty="0"/>
-              <a:t>	</a:t>
-            </a:r>
-            <a:r>
-              <a:rPr lang="en-US" altLang="ko-KR" sz="2800" dirty="0">
-                <a:solidFill>
-                  <a:schemeClr val="accent1"/>
-                </a:solidFill>
-              </a:rPr>
-              <a:t>Language</a:t>
-            </a:r>
-            <a:r>
-              <a:rPr lang="en-US" altLang="ko-KR" sz="2800" dirty="0"/>
-              <a:t> </a:t>
-            </a:r>
-            <a:r>
-              <a:rPr lang="en-US" altLang="ko-KR" sz="2800" dirty="0" err="1"/>
-              <a:t>lang</a:t>
-            </a:r>
-            <a:r>
-              <a:rPr lang="en-US" altLang="ko-KR" sz="2800" dirty="0"/>
-              <a:t>;</a:t>
-            </a:r>
-          </a:p>
-          <a:p>
-            <a:r>
-              <a:rPr lang="en-US" altLang="ko-KR" sz="2800" dirty="0"/>
-              <a:t>}</a:t>
-            </a:r>
-            <a:endParaRPr lang="ko-KR" altLang="en-US" sz="2800" dirty="0"/>
-          </a:p>
-        </p:txBody>
-      </p:sp>
-      <p:sp>
-        <p:nvSpPr>
-          <p:cNvPr id="10" name="TextBox 9">
-            <a:extLst>
-              <a:ext uri="{FF2B5EF4-FFF2-40B4-BE49-F238E27FC236}">
-                <a16:creationId xmlns:a16="http://schemas.microsoft.com/office/drawing/2014/main" id="{F8FE75E7-C3EA-45D4-B74A-68F9E35A89D3}"/>
-              </a:ext>
-            </a:extLst>
-          </p:cNvPr>
-          <p:cNvSpPr txBox="1"/>
-          <p:nvPr/>
-        </p:nvSpPr>
-        <p:spPr>
-          <a:xfrm>
-            <a:off x="5726201" y="4046196"/>
-            <a:ext cx="5472407" cy="1815882"/>
-          </a:xfrm>
-          <a:prstGeom prst="rect">
-            <a:avLst/>
-          </a:prstGeom>
-          <a:noFill/>
-        </p:spPr>
-        <p:txBody>
-          <a:bodyPr wrap="square" rtlCol="0">
-            <a:spAutoFit/>
-          </a:bodyPr>
-          <a:lstStyle/>
-          <a:p>
-            <a:r>
-              <a:rPr lang="en-US" altLang="ko-KR" sz="2800" dirty="0">
-                <a:solidFill>
-                  <a:schemeClr val="accent6"/>
-                </a:solidFill>
-              </a:rPr>
-              <a:t>class </a:t>
-            </a:r>
-            <a:r>
-              <a:rPr lang="en-US" altLang="ko-KR" sz="2800" dirty="0">
-                <a:solidFill>
-                  <a:schemeClr val="accent1"/>
-                </a:solidFill>
-              </a:rPr>
-              <a:t>Animal </a:t>
-            </a:r>
-            <a:r>
-              <a:rPr lang="en-US" altLang="ko-KR" sz="2800" dirty="0">
-                <a:solidFill>
-                  <a:srgbClr val="C00000"/>
-                </a:solidFill>
-              </a:rPr>
-              <a:t>:</a:t>
-            </a:r>
-            <a:r>
-              <a:rPr lang="en-US" altLang="ko-KR" sz="2800" dirty="0">
-                <a:solidFill>
-                  <a:schemeClr val="accent1"/>
-                </a:solidFill>
-              </a:rPr>
-              <a:t> Creature </a:t>
-            </a:r>
-            <a:r>
-              <a:rPr lang="en-US" altLang="ko-KR" sz="2800" dirty="0"/>
-              <a:t>// </a:t>
-            </a:r>
-            <a:r>
-              <a:rPr lang="ko-KR" altLang="en-US" sz="2800" dirty="0"/>
-              <a:t>동물</a:t>
-            </a:r>
-            <a:endParaRPr lang="en-US" altLang="ko-KR" sz="2800" dirty="0"/>
-          </a:p>
-          <a:p>
-            <a:r>
-              <a:rPr lang="en-US" altLang="ko-KR" sz="2800" dirty="0"/>
-              <a:t>{</a:t>
-            </a:r>
-          </a:p>
-          <a:p>
-            <a:r>
-              <a:rPr lang="en-US" altLang="ko-KR" sz="2800" dirty="0"/>
-              <a:t>	</a:t>
-            </a:r>
-            <a:r>
-              <a:rPr lang="en-US" altLang="ko-KR" sz="2800" dirty="0">
-                <a:solidFill>
-                  <a:schemeClr val="accent1"/>
-                </a:solidFill>
-              </a:rPr>
-              <a:t>Roar</a:t>
-            </a:r>
-            <a:r>
-              <a:rPr lang="en-US" altLang="ko-KR" sz="2800" dirty="0"/>
-              <a:t> </a:t>
-            </a:r>
-            <a:r>
-              <a:rPr lang="en-US" altLang="ko-KR" sz="2800" dirty="0" err="1"/>
-              <a:t>roar</a:t>
-            </a:r>
-            <a:r>
-              <a:rPr lang="en-US" altLang="ko-KR" sz="2800" dirty="0"/>
-              <a:t>;</a:t>
-            </a:r>
-          </a:p>
-          <a:p>
-            <a:r>
-              <a:rPr lang="en-US" altLang="ko-KR" sz="2800" dirty="0"/>
-              <a:t>}</a:t>
-            </a:r>
-            <a:endParaRPr lang="ko-KR" altLang="en-US" sz="2800" dirty="0"/>
+              <a:t>– </a:t>
+            </a:r>
+            <a:r>
+              <a:rPr lang="ko-KR" altLang="en-US" dirty="0" err="1"/>
+              <a:t>조건문</a:t>
+            </a:r>
+            <a:endParaRPr lang="ko-KR" altLang="en-US" dirty="0"/>
           </a:p>
         </p:txBody>
       </p:sp>
     </p:spTree>
     <p:extLst>
       <p:ext uri="{BB962C8B-B14F-4D97-AF65-F5344CB8AC3E}">
-        <p14:creationId xmlns:p14="http://schemas.microsoft.com/office/powerpoint/2010/main" val="503248099"/>
-      </p:ext>
-    </p:extLst>
-  </p:cSld>
-  <p:clrMapOvr>
-    <a:masterClrMapping/>
-  </p:clrMapOvr>
-  <p:timing>
-    <p:tnLst>
-      <p:par>
-        <p:cTn id="1" dur="indefinite" restart="never" nodeType="tmRoot">
-          <p:childTnLst>
-            <p:seq concurrent="1" nextAc="seek">
-              <p:cTn id="2" dur="indefinite" nodeType="mainSeq">
-                <p:childTnLst>
-                  <p:par>
-                    <p:cTn id="3" fill="hold">
-                      <p:stCondLst>
-                        <p:cond delay="indefinite"/>
-                      </p:stCondLst>
-                      <p:childTnLst>
-                        <p:par>
-                          <p:cTn id="4" fill="hold">
-                            <p:stCondLst>
-                              <p:cond delay="0"/>
-                            </p:stCondLst>
-                            <p:childTnLst>
-                              <p:par>
-                                <p:cTn id="5" presetID="1" presetClass="entr" presetSubtype="0" fill="hold" grpId="0" nodeType="clickEffect">
-                                  <p:stCondLst>
-                                    <p:cond delay="0"/>
-                                  </p:stCondLst>
-                                  <p:childTnLst>
-                                    <p:set>
-                                      <p:cBhvr>
-                                        <p:cTn id="6" dur="1" fill="hold">
-                                          <p:stCondLst>
-                                            <p:cond delay="0"/>
-                                          </p:stCondLst>
-                                        </p:cTn>
-                                        <p:tgtEl>
-                                          <p:spTgt spid="4"/>
-                                        </p:tgtEl>
-                                        <p:attrNameLst>
-                                          <p:attrName>style.visibility</p:attrName>
-                                        </p:attrNameLst>
-                                      </p:cBhvr>
-                                      <p:to>
-                                        <p:strVal val="visible"/>
-                                      </p:to>
-                                    </p:set>
-                                  </p:childTnLst>
-                                </p:cTn>
-                              </p:par>
-                            </p:childTnLst>
-                          </p:cTn>
-                        </p:par>
-                      </p:childTnLst>
-                    </p:cTn>
-                  </p:par>
-                  <p:par>
-                    <p:cTn id="7" fill="hold">
-                      <p:stCondLst>
-                        <p:cond delay="indefinite"/>
-                      </p:stCondLst>
-                      <p:childTnLst>
-                        <p:par>
-                          <p:cTn id="8" fill="hold">
-                            <p:stCondLst>
-                              <p:cond delay="0"/>
-                            </p:stCondLst>
-                            <p:childTnLst>
-                              <p:par>
-                                <p:cTn id="9" presetID="10" presetClass="entr" presetSubtype="0" fill="hold" grpId="0" nodeType="clickEffect">
-                                  <p:stCondLst>
-                                    <p:cond delay="0"/>
-                                  </p:stCondLst>
-                                  <p:childTnLst>
-                                    <p:set>
-                                      <p:cBhvr>
-                                        <p:cTn id="10" dur="1" fill="hold">
-                                          <p:stCondLst>
-                                            <p:cond delay="0"/>
-                                          </p:stCondLst>
-                                        </p:cTn>
-                                        <p:tgtEl>
-                                          <p:spTgt spid="9"/>
-                                        </p:tgtEl>
-                                        <p:attrNameLst>
-                                          <p:attrName>style.visibility</p:attrName>
-                                        </p:attrNameLst>
-                                      </p:cBhvr>
-                                      <p:to>
-                                        <p:strVal val="visible"/>
-                                      </p:to>
-                                    </p:set>
-                                    <p:animEffect transition="in" filter="fade">
-                                      <p:cBhvr>
-                                        <p:cTn id="11" dur="500"/>
-                                        <p:tgtEl>
-                                          <p:spTgt spid="9"/>
-                                        </p:tgtEl>
-                                      </p:cBhvr>
-                                    </p:animEffect>
-                                  </p:childTnLst>
-                                </p:cTn>
-                              </p:par>
-                              <p:par>
-                                <p:cTn id="12" presetID="10" presetClass="entr" presetSubtype="0" fill="hold" grpId="0" nodeType="withEffect">
-                                  <p:stCondLst>
-                                    <p:cond delay="0"/>
-                                  </p:stCondLst>
-                                  <p:childTnLst>
-                                    <p:set>
-                                      <p:cBhvr>
-                                        <p:cTn id="13" dur="1" fill="hold">
-                                          <p:stCondLst>
-                                            <p:cond delay="0"/>
-                                          </p:stCondLst>
-                                        </p:cTn>
-                                        <p:tgtEl>
-                                          <p:spTgt spid="10"/>
-                                        </p:tgtEl>
-                                        <p:attrNameLst>
-                                          <p:attrName>style.visibility</p:attrName>
-                                        </p:attrNameLst>
-                                      </p:cBhvr>
-                                      <p:to>
-                                        <p:strVal val="visible"/>
-                                      </p:to>
-                                    </p:set>
-                                    <p:animEffect transition="in" filter="fade">
-                                      <p:cBhvr>
-                                        <p:cTn id="14" dur="500"/>
-                                        <p:tgtEl>
-                                          <p:spTgt spid="10"/>
-                                        </p:tgtEl>
-                                      </p:cBhvr>
-                                    </p:animEffect>
-                                  </p:childTnLst>
-                                </p:cTn>
-                              </p:par>
-                            </p:childTnLst>
-                          </p:cTn>
-                        </p:par>
-                      </p:childTnLst>
-                    </p:cTn>
-                  </p:par>
-                </p:childTnLst>
-              </p:cTn>
-              <p:prevCondLst>
-                <p:cond evt="onPrev" delay="0">
-                  <p:tgtEl>
-                    <p:sldTgt/>
-                  </p:tgtEl>
-                </p:cond>
-              </p:prevCondLst>
-              <p:nextCondLst>
-                <p:cond evt="onNext" delay="0">
-                  <p:tgtEl>
-                    <p:sldTgt/>
-                  </p:tgtEl>
-                </p:cond>
-              </p:nextCondLst>
-            </p:seq>
-          </p:childTnLst>
-        </p:cTn>
-      </p:par>
-    </p:tnLst>
-    <p:bldLst>
-      <p:bldP spid="4" grpId="0"/>
-      <p:bldP spid="9" grpId="0"/>
-      <p:bldP spid="10" grpId="0"/>
-    </p:bldLst>
-  </p:timing>
-</p:sld>
-</file>
-
-<file path=ppt/slides/slide35.xml><?xml version="1.0" encoding="utf-8"?>
-<p:sld xmlns:a="http://schemas.openxmlformats.org/drawingml/2006/main" xmlns:r="http://schemas.openxmlformats.org/officeDocument/2006/relationships" xmlns:p="http://schemas.openxmlformats.org/presentationml/2006/main">
-  <p:cSld>
-    <p:spTree>
-      <p:nvGrpSpPr>
-        <p:cNvPr id="1" name=""/>
-        <p:cNvGrpSpPr/>
-        <p:nvPr/>
-      </p:nvGrpSpPr>
-      <p:grpSpPr>
-        <a:xfrm>
-          <a:off x="0" y="0"/>
-          <a:ext cx="0" cy="0"/>
-          <a:chOff x="0" y="0"/>
-          <a:chExt cx="0" cy="0"/>
-        </a:xfrm>
-      </p:grpSpPr>
-      <p:sp>
-        <p:nvSpPr>
-          <p:cNvPr id="3" name="내용 개체 틀 2">
-            <a:extLst>
-              <a:ext uri="{FF2B5EF4-FFF2-40B4-BE49-F238E27FC236}">
-                <a16:creationId xmlns:a16="http://schemas.microsoft.com/office/drawing/2014/main" id="{23052C98-3129-49A5-9830-E895D5E349FF}"/>
-              </a:ext>
-            </a:extLst>
-          </p:cNvPr>
-          <p:cNvSpPr>
-            <a:spLocks noGrp="1"/>
-          </p:cNvSpPr>
-          <p:nvPr>
-            <p:ph sz="quarter" idx="13"/>
-          </p:nvPr>
-        </p:nvSpPr>
-        <p:spPr/>
-        <p:txBody>
-          <a:bodyPr/>
-          <a:lstStyle/>
-          <a:p>
-            <a:r>
-              <a:rPr lang="en-US" altLang="ko-KR" dirty="0"/>
-              <a:t>C# </a:t>
-            </a:r>
-            <a:r>
-              <a:rPr lang="ko-KR" altLang="en-US" dirty="0"/>
-              <a:t>이론 </a:t>
-            </a:r>
-            <a:r>
-              <a:rPr lang="en-US" altLang="ko-KR" dirty="0"/>
-              <a:t>– </a:t>
-            </a:r>
-            <a:r>
-              <a:rPr lang="ko-KR" altLang="en-US" dirty="0"/>
-              <a:t>클래스 다중 상속이 안되는 이유</a:t>
-            </a:r>
-          </a:p>
-        </p:txBody>
-      </p:sp>
-      <p:sp>
-        <p:nvSpPr>
-          <p:cNvPr id="4" name="TextBox 3">
-            <a:extLst>
-              <a:ext uri="{FF2B5EF4-FFF2-40B4-BE49-F238E27FC236}">
-                <a16:creationId xmlns:a16="http://schemas.microsoft.com/office/drawing/2014/main" id="{B1748130-8A02-4B20-8AC1-F043AB6D56BD}"/>
-              </a:ext>
-            </a:extLst>
-          </p:cNvPr>
-          <p:cNvSpPr txBox="1"/>
-          <p:nvPr/>
-        </p:nvSpPr>
-        <p:spPr>
-          <a:xfrm>
-            <a:off x="623593" y="1409390"/>
-            <a:ext cx="5472407" cy="4401205"/>
-          </a:xfrm>
-          <a:prstGeom prst="rect">
-            <a:avLst/>
-          </a:prstGeom>
-          <a:noFill/>
-        </p:spPr>
-        <p:txBody>
-          <a:bodyPr wrap="square" rtlCol="0">
-            <a:spAutoFit/>
-          </a:bodyPr>
-          <a:lstStyle/>
-          <a:p>
-            <a:r>
-              <a:rPr lang="en-US" altLang="ko-KR" sz="2800" dirty="0">
-                <a:solidFill>
-                  <a:schemeClr val="accent6"/>
-                </a:solidFill>
-              </a:rPr>
-              <a:t>class </a:t>
-            </a:r>
-            <a:r>
-              <a:rPr lang="en-US" altLang="ko-KR" sz="2800" dirty="0">
-                <a:solidFill>
-                  <a:schemeClr val="accent1"/>
-                </a:solidFill>
-              </a:rPr>
-              <a:t>Creature  // </a:t>
-            </a:r>
-            <a:r>
-              <a:rPr lang="ko-KR" altLang="en-US" sz="2800" dirty="0">
-                <a:solidFill>
-                  <a:schemeClr val="accent1"/>
-                </a:solidFill>
-              </a:rPr>
-              <a:t>생물</a:t>
-            </a:r>
-            <a:endParaRPr lang="en-US" altLang="ko-KR" sz="2800" dirty="0">
-              <a:solidFill>
-                <a:schemeClr val="accent1"/>
-              </a:solidFill>
-            </a:endParaRPr>
-          </a:p>
-          <a:p>
-            <a:r>
-              <a:rPr lang="en-US" altLang="ko-KR" sz="2800" dirty="0"/>
-              <a:t>{</a:t>
-            </a:r>
-          </a:p>
-          <a:p>
-            <a:r>
-              <a:rPr lang="en-US" altLang="ko-KR" sz="2800" dirty="0"/>
-              <a:t>    int lifetime; // </a:t>
-            </a:r>
-            <a:r>
-              <a:rPr lang="ko-KR" altLang="en-US" sz="2800" dirty="0"/>
-              <a:t>수명</a:t>
-            </a:r>
-            <a:endParaRPr lang="en-US" altLang="ko-KR" sz="2800" dirty="0"/>
-          </a:p>
-          <a:p>
-            <a:r>
-              <a:rPr lang="en-US" altLang="ko-KR" sz="2800" dirty="0"/>
-              <a:t>    </a:t>
-            </a:r>
-            <a:r>
-              <a:rPr lang="en-US" altLang="ko-KR" sz="2800" dirty="0">
-                <a:solidFill>
-                  <a:schemeClr val="accent1"/>
-                </a:solidFill>
-              </a:rPr>
-              <a:t>DNA</a:t>
-            </a:r>
-            <a:r>
-              <a:rPr lang="en-US" altLang="ko-KR" sz="2800" dirty="0"/>
-              <a:t> </a:t>
-            </a:r>
-            <a:r>
-              <a:rPr lang="en-US" altLang="ko-KR" sz="2800" dirty="0" err="1"/>
-              <a:t>dna</a:t>
-            </a:r>
-            <a:r>
-              <a:rPr lang="en-US" altLang="ko-KR" sz="2800" dirty="0"/>
-              <a:t>; // DNA</a:t>
-            </a:r>
-            <a:r>
-              <a:rPr lang="ko-KR" altLang="en-US" sz="2800" dirty="0"/>
-              <a:t>객체</a:t>
-            </a:r>
-            <a:endParaRPr lang="en-US" altLang="ko-KR" sz="2800" dirty="0"/>
-          </a:p>
-          <a:p>
-            <a:r>
-              <a:rPr lang="en-US" altLang="ko-KR" sz="2800" dirty="0"/>
-              <a:t>    </a:t>
-            </a:r>
-          </a:p>
-          <a:p>
-            <a:r>
-              <a:rPr lang="en-US" altLang="ko-KR" sz="2800" dirty="0"/>
-              <a:t>    void </a:t>
-            </a:r>
-            <a:r>
-              <a:rPr lang="ko-KR" altLang="en-US" sz="2800" dirty="0"/>
-              <a:t>호흡</a:t>
-            </a:r>
-            <a:r>
-              <a:rPr lang="en-US" altLang="ko-KR" sz="2800" dirty="0"/>
-              <a:t>()</a:t>
-            </a:r>
-          </a:p>
-          <a:p>
-            <a:r>
-              <a:rPr lang="en-US" altLang="ko-KR" sz="2800" dirty="0"/>
-              <a:t>    {</a:t>
-            </a:r>
-          </a:p>
-          <a:p>
-            <a:r>
-              <a:rPr lang="en-US" altLang="ko-KR" sz="2800" dirty="0"/>
-              <a:t>       lifetime = lifetime + 1;</a:t>
-            </a:r>
-          </a:p>
-          <a:p>
-            <a:r>
-              <a:rPr lang="en-US" altLang="ko-KR" sz="2800" dirty="0"/>
-              <a:t>    }</a:t>
-            </a:r>
-            <a:br>
-              <a:rPr lang="en-US" altLang="ko-KR" sz="2800" dirty="0"/>
-            </a:br>
-            <a:r>
-              <a:rPr lang="en-US" altLang="ko-KR" sz="2800" dirty="0"/>
-              <a:t>}</a:t>
-            </a:r>
-            <a:endParaRPr lang="ko-KR" altLang="en-US" sz="2800" dirty="0"/>
-          </a:p>
-        </p:txBody>
-      </p:sp>
-      <p:sp>
-        <p:nvSpPr>
-          <p:cNvPr id="9" name="TextBox 8">
-            <a:extLst>
-              <a:ext uri="{FF2B5EF4-FFF2-40B4-BE49-F238E27FC236}">
-                <a16:creationId xmlns:a16="http://schemas.microsoft.com/office/drawing/2014/main" id="{1E2510F3-2276-47A1-B7AF-D3B79BF98691}"/>
-              </a:ext>
-            </a:extLst>
-          </p:cNvPr>
-          <p:cNvSpPr txBox="1"/>
-          <p:nvPr/>
-        </p:nvSpPr>
-        <p:spPr>
-          <a:xfrm>
-            <a:off x="6096000" y="1794111"/>
-            <a:ext cx="5472407" cy="1815882"/>
-          </a:xfrm>
-          <a:prstGeom prst="rect">
-            <a:avLst/>
-          </a:prstGeom>
-          <a:noFill/>
-        </p:spPr>
-        <p:txBody>
-          <a:bodyPr wrap="square" rtlCol="0">
-            <a:spAutoFit/>
-          </a:bodyPr>
-          <a:lstStyle/>
-          <a:p>
-            <a:r>
-              <a:rPr lang="en-US" altLang="ko-KR" sz="2800" dirty="0">
-                <a:solidFill>
-                  <a:schemeClr val="accent6"/>
-                </a:solidFill>
-              </a:rPr>
-              <a:t>class </a:t>
-            </a:r>
-            <a:r>
-              <a:rPr lang="en-US" altLang="ko-KR" sz="2800" dirty="0">
-                <a:solidFill>
-                  <a:schemeClr val="accent1"/>
-                </a:solidFill>
-              </a:rPr>
-              <a:t>Human </a:t>
-            </a:r>
-            <a:r>
-              <a:rPr lang="en-US" altLang="ko-KR" sz="2800" dirty="0">
-                <a:solidFill>
-                  <a:srgbClr val="C00000"/>
-                </a:solidFill>
-              </a:rPr>
-              <a:t>:</a:t>
-            </a:r>
-            <a:r>
-              <a:rPr lang="en-US" altLang="ko-KR" sz="2800" dirty="0">
-                <a:solidFill>
-                  <a:schemeClr val="accent1"/>
-                </a:solidFill>
-              </a:rPr>
-              <a:t> Creature // </a:t>
-            </a:r>
-            <a:r>
-              <a:rPr lang="ko-KR" altLang="en-US" sz="2800" dirty="0">
-                <a:solidFill>
-                  <a:schemeClr val="accent1"/>
-                </a:solidFill>
-              </a:rPr>
-              <a:t>사람</a:t>
-            </a:r>
-            <a:endParaRPr lang="en-US" altLang="ko-KR" sz="2800" dirty="0">
-              <a:solidFill>
-                <a:schemeClr val="accent1"/>
-              </a:solidFill>
-            </a:endParaRPr>
-          </a:p>
-          <a:p>
-            <a:r>
-              <a:rPr lang="en-US" altLang="ko-KR" sz="2800" dirty="0"/>
-              <a:t>{</a:t>
-            </a:r>
-          </a:p>
-          <a:p>
-            <a:r>
-              <a:rPr lang="en-US" altLang="ko-KR" sz="2800" dirty="0"/>
-              <a:t>	</a:t>
-            </a:r>
-            <a:r>
-              <a:rPr lang="en-US" altLang="ko-KR" sz="2800" dirty="0">
-                <a:solidFill>
-                  <a:schemeClr val="accent1"/>
-                </a:solidFill>
-              </a:rPr>
-              <a:t>Language</a:t>
-            </a:r>
-            <a:r>
-              <a:rPr lang="en-US" altLang="ko-KR" sz="2800" dirty="0"/>
-              <a:t> </a:t>
-            </a:r>
-            <a:r>
-              <a:rPr lang="en-US" altLang="ko-KR" sz="2800" dirty="0" err="1"/>
-              <a:t>lang</a:t>
-            </a:r>
-            <a:r>
-              <a:rPr lang="en-US" altLang="ko-KR" sz="2800" dirty="0"/>
-              <a:t>;</a:t>
-            </a:r>
-          </a:p>
-          <a:p>
-            <a:r>
-              <a:rPr lang="en-US" altLang="ko-KR" sz="2800" dirty="0"/>
-              <a:t>}</a:t>
-            </a:r>
-            <a:endParaRPr lang="ko-KR" altLang="en-US" sz="2800" dirty="0"/>
-          </a:p>
-        </p:txBody>
-      </p:sp>
-      <p:sp>
-        <p:nvSpPr>
-          <p:cNvPr id="10" name="TextBox 9">
-            <a:extLst>
-              <a:ext uri="{FF2B5EF4-FFF2-40B4-BE49-F238E27FC236}">
-                <a16:creationId xmlns:a16="http://schemas.microsoft.com/office/drawing/2014/main" id="{F8FE75E7-C3EA-45D4-B74A-68F9E35A89D3}"/>
-              </a:ext>
-            </a:extLst>
-          </p:cNvPr>
-          <p:cNvSpPr txBox="1"/>
-          <p:nvPr/>
-        </p:nvSpPr>
-        <p:spPr>
-          <a:xfrm>
-            <a:off x="6096000" y="3994713"/>
-            <a:ext cx="5472407" cy="1384995"/>
-          </a:xfrm>
-          <a:prstGeom prst="rect">
-            <a:avLst/>
-          </a:prstGeom>
-          <a:noFill/>
-        </p:spPr>
-        <p:txBody>
-          <a:bodyPr wrap="square" rtlCol="0">
-            <a:spAutoFit/>
-          </a:bodyPr>
-          <a:lstStyle/>
-          <a:p>
-            <a:r>
-              <a:rPr lang="en-US" altLang="ko-KR" sz="2800" dirty="0">
-                <a:solidFill>
-                  <a:schemeClr val="accent6"/>
-                </a:solidFill>
-              </a:rPr>
-              <a:t>class </a:t>
-            </a:r>
-            <a:r>
-              <a:rPr lang="en-US" altLang="ko-KR" sz="2800" dirty="0">
-                <a:solidFill>
-                  <a:schemeClr val="accent1"/>
-                </a:solidFill>
-              </a:rPr>
-              <a:t>Animal </a:t>
-            </a:r>
-            <a:r>
-              <a:rPr lang="en-US" altLang="ko-KR" sz="2800" dirty="0">
-                <a:solidFill>
-                  <a:srgbClr val="C00000"/>
-                </a:solidFill>
-              </a:rPr>
-              <a:t>:</a:t>
-            </a:r>
-            <a:r>
-              <a:rPr lang="en-US" altLang="ko-KR" sz="2800" dirty="0">
-                <a:solidFill>
-                  <a:schemeClr val="accent1"/>
-                </a:solidFill>
-              </a:rPr>
-              <a:t> Creature // </a:t>
-            </a:r>
-            <a:r>
-              <a:rPr lang="ko-KR" altLang="en-US" sz="2800" dirty="0">
-                <a:solidFill>
-                  <a:schemeClr val="accent1"/>
-                </a:solidFill>
-              </a:rPr>
-              <a:t>동물</a:t>
-            </a:r>
-            <a:endParaRPr lang="en-US" altLang="ko-KR" sz="2800" dirty="0">
-              <a:solidFill>
-                <a:schemeClr val="accent1"/>
-              </a:solidFill>
-            </a:endParaRPr>
-          </a:p>
-          <a:p>
-            <a:r>
-              <a:rPr lang="en-US" altLang="ko-KR" sz="2800" dirty="0"/>
-              <a:t>{</a:t>
-            </a:r>
-          </a:p>
-          <a:p>
-            <a:r>
-              <a:rPr lang="en-US" altLang="ko-KR" sz="2800" dirty="0"/>
-              <a:t>}</a:t>
-            </a:r>
-            <a:endParaRPr lang="ko-KR" altLang="en-US" sz="2800" dirty="0"/>
-          </a:p>
-        </p:txBody>
-      </p:sp>
-    </p:spTree>
-    <p:extLst>
-      <p:ext uri="{BB962C8B-B14F-4D97-AF65-F5344CB8AC3E}">
-        <p14:creationId xmlns:p14="http://schemas.microsoft.com/office/powerpoint/2010/main" val="2648265930"/>
-      </p:ext>
-    </p:extLst>
-  </p:cSld>
-  <p:clrMapOvr>
-    <a:masterClrMapping/>
-  </p:clrMapOvr>
-</p:sld>
-</file>
-
-<file path=ppt/slides/slide36.xml><?xml version="1.0" encoding="utf-8"?>
-<p:sld xmlns:a="http://schemas.openxmlformats.org/drawingml/2006/main" xmlns:r="http://schemas.openxmlformats.org/officeDocument/2006/relationships" xmlns:p="http://schemas.openxmlformats.org/presentationml/2006/main">
-  <p:cSld>
-    <p:spTree>
-      <p:nvGrpSpPr>
-        <p:cNvPr id="1" name=""/>
-        <p:cNvGrpSpPr/>
-        <p:nvPr/>
-      </p:nvGrpSpPr>
-      <p:grpSpPr>
-        <a:xfrm>
-          <a:off x="0" y="0"/>
-          <a:ext cx="0" cy="0"/>
-          <a:chOff x="0" y="0"/>
-          <a:chExt cx="0" cy="0"/>
-        </a:xfrm>
-      </p:grpSpPr>
-      <p:sp>
-        <p:nvSpPr>
-          <p:cNvPr id="3" name="내용 개체 틀 2">
-            <a:extLst>
-              <a:ext uri="{FF2B5EF4-FFF2-40B4-BE49-F238E27FC236}">
-                <a16:creationId xmlns:a16="http://schemas.microsoft.com/office/drawing/2014/main" id="{23052C98-3129-49A5-9830-E895D5E349FF}"/>
-              </a:ext>
-            </a:extLst>
-          </p:cNvPr>
-          <p:cNvSpPr>
-            <a:spLocks noGrp="1"/>
-          </p:cNvSpPr>
-          <p:nvPr>
-            <p:ph sz="quarter" idx="13"/>
-          </p:nvPr>
-        </p:nvSpPr>
-        <p:spPr/>
-        <p:txBody>
-          <a:bodyPr/>
-          <a:lstStyle/>
-          <a:p>
-            <a:r>
-              <a:rPr lang="en-US" altLang="ko-KR" dirty="0"/>
-              <a:t>C# </a:t>
-            </a:r>
-            <a:r>
-              <a:rPr lang="ko-KR" altLang="en-US" dirty="0"/>
-              <a:t>이론 </a:t>
-            </a:r>
-            <a:r>
-              <a:rPr lang="en-US" altLang="ko-KR" dirty="0"/>
-              <a:t>– </a:t>
-            </a:r>
-            <a:r>
-              <a:rPr lang="ko-KR" altLang="en-US" dirty="0"/>
-              <a:t>클래스 다중 상속이 안되는 이유</a:t>
-            </a:r>
-          </a:p>
-        </p:txBody>
-      </p:sp>
-      <p:sp>
-        <p:nvSpPr>
-          <p:cNvPr id="2" name="사각형: 둥근 모서리 1">
-            <a:extLst>
-              <a:ext uri="{FF2B5EF4-FFF2-40B4-BE49-F238E27FC236}">
-                <a16:creationId xmlns:a16="http://schemas.microsoft.com/office/drawing/2014/main" id="{BE011148-2115-4BDA-8C53-87BD170D6AA4}"/>
-              </a:ext>
-            </a:extLst>
-          </p:cNvPr>
-          <p:cNvSpPr/>
-          <p:nvPr/>
-        </p:nvSpPr>
-        <p:spPr>
-          <a:xfrm>
-            <a:off x="4493622" y="1358536"/>
-            <a:ext cx="2386148" cy="1210491"/>
-          </a:xfrm>
-          <a:prstGeom prst="roundRect">
-            <a:avLst/>
-          </a:prstGeom>
-        </p:spPr>
-        <p:style>
-          <a:lnRef idx="2">
-            <a:schemeClr val="accent1">
-              <a:shade val="50000"/>
-            </a:schemeClr>
-          </a:lnRef>
-          <a:fillRef idx="1">
-            <a:schemeClr val="accent1"/>
-          </a:fillRef>
-          <a:effectRef idx="0">
-            <a:schemeClr val="accent1"/>
-          </a:effectRef>
-          <a:fontRef idx="minor">
-            <a:schemeClr val="lt1"/>
-          </a:fontRef>
-        </p:style>
-        <p:txBody>
-          <a:bodyPr rtlCol="0" anchor="ctr"/>
-          <a:lstStyle/>
-          <a:p>
-            <a:pPr algn="ctr"/>
-            <a:r>
-              <a:rPr lang="en-US" altLang="ko-KR" dirty="0"/>
-              <a:t>Creature</a:t>
-            </a:r>
-            <a:endParaRPr lang="ko-KR" altLang="en-US" dirty="0"/>
-          </a:p>
-        </p:txBody>
-      </p:sp>
-      <p:sp>
-        <p:nvSpPr>
-          <p:cNvPr id="7" name="사각형: 둥근 모서리 6">
-            <a:extLst>
-              <a:ext uri="{FF2B5EF4-FFF2-40B4-BE49-F238E27FC236}">
-                <a16:creationId xmlns:a16="http://schemas.microsoft.com/office/drawing/2014/main" id="{8462D2ED-7F08-47E8-BB07-46540BE5CB96}"/>
-              </a:ext>
-            </a:extLst>
-          </p:cNvPr>
-          <p:cNvSpPr/>
-          <p:nvPr/>
-        </p:nvSpPr>
-        <p:spPr>
-          <a:xfrm>
-            <a:off x="3043645" y="2999013"/>
-            <a:ext cx="2386148" cy="1210491"/>
-          </a:xfrm>
-          <a:prstGeom prst="roundRect">
-            <a:avLst/>
-          </a:prstGeom>
-        </p:spPr>
-        <p:style>
-          <a:lnRef idx="2">
-            <a:schemeClr val="accent1">
-              <a:shade val="50000"/>
-            </a:schemeClr>
-          </a:lnRef>
-          <a:fillRef idx="1">
-            <a:schemeClr val="accent1"/>
-          </a:fillRef>
-          <a:effectRef idx="0">
-            <a:schemeClr val="accent1"/>
-          </a:effectRef>
-          <a:fontRef idx="minor">
-            <a:schemeClr val="lt1"/>
-          </a:fontRef>
-        </p:style>
-        <p:txBody>
-          <a:bodyPr rtlCol="0" anchor="ctr"/>
-          <a:lstStyle/>
-          <a:p>
-            <a:pPr algn="ctr"/>
-            <a:r>
-              <a:rPr lang="en-US" altLang="ko-KR" dirty="0"/>
-              <a:t>Human</a:t>
-            </a:r>
-            <a:endParaRPr lang="ko-KR" altLang="en-US" dirty="0"/>
-          </a:p>
-        </p:txBody>
-      </p:sp>
-      <p:sp>
-        <p:nvSpPr>
-          <p:cNvPr id="8" name="사각형: 둥근 모서리 7">
-            <a:extLst>
-              <a:ext uri="{FF2B5EF4-FFF2-40B4-BE49-F238E27FC236}">
-                <a16:creationId xmlns:a16="http://schemas.microsoft.com/office/drawing/2014/main" id="{C4D9A3F8-FABE-4379-9D3F-075AF0E40828}"/>
-              </a:ext>
-            </a:extLst>
-          </p:cNvPr>
-          <p:cNvSpPr/>
-          <p:nvPr/>
-        </p:nvSpPr>
-        <p:spPr>
-          <a:xfrm>
-            <a:off x="6200502" y="2999013"/>
-            <a:ext cx="2386148" cy="1210491"/>
-          </a:xfrm>
-          <a:prstGeom prst="roundRect">
-            <a:avLst/>
-          </a:prstGeom>
-        </p:spPr>
-        <p:style>
-          <a:lnRef idx="2">
-            <a:schemeClr val="accent1">
-              <a:shade val="50000"/>
-            </a:schemeClr>
-          </a:lnRef>
-          <a:fillRef idx="1">
-            <a:schemeClr val="accent1"/>
-          </a:fillRef>
-          <a:effectRef idx="0">
-            <a:schemeClr val="accent1"/>
-          </a:effectRef>
-          <a:fontRef idx="minor">
-            <a:schemeClr val="lt1"/>
-          </a:fontRef>
-        </p:style>
-        <p:txBody>
-          <a:bodyPr rtlCol="0" anchor="ctr"/>
-          <a:lstStyle/>
-          <a:p>
-            <a:pPr algn="ctr"/>
-            <a:r>
-              <a:rPr lang="en-US" altLang="ko-KR" dirty="0"/>
-              <a:t>Animal</a:t>
-            </a:r>
-            <a:endParaRPr lang="ko-KR" altLang="en-US" dirty="0"/>
-          </a:p>
-        </p:txBody>
-      </p:sp>
-      <p:cxnSp>
-        <p:nvCxnSpPr>
-          <p:cNvPr id="6" name="직선 화살표 연결선 5">
-            <a:extLst>
-              <a:ext uri="{FF2B5EF4-FFF2-40B4-BE49-F238E27FC236}">
-                <a16:creationId xmlns:a16="http://schemas.microsoft.com/office/drawing/2014/main" id="{28CE7C98-3080-4C59-B51B-E3D9EE6B29E7}"/>
-              </a:ext>
-            </a:extLst>
-          </p:cNvPr>
-          <p:cNvCxnSpPr>
-            <a:cxnSpLocks/>
-            <a:stCxn id="2" idx="2"/>
-            <a:endCxn id="7" idx="0"/>
-          </p:cNvCxnSpPr>
-          <p:nvPr/>
-        </p:nvCxnSpPr>
-        <p:spPr>
-          <a:xfrm flipH="1">
-            <a:off x="4236719" y="2569027"/>
-            <a:ext cx="1449977" cy="429986"/>
-          </a:xfrm>
-          <a:prstGeom prst="straightConnector1">
-            <a:avLst/>
-          </a:prstGeom>
-          <a:ln>
-            <a:tailEnd type="triangle"/>
-          </a:ln>
-        </p:spPr>
-        <p:style>
-          <a:lnRef idx="1">
-            <a:schemeClr val="accent1"/>
-          </a:lnRef>
-          <a:fillRef idx="0">
-            <a:schemeClr val="accent1"/>
-          </a:fillRef>
-          <a:effectRef idx="0">
-            <a:schemeClr val="accent1"/>
-          </a:effectRef>
-          <a:fontRef idx="minor">
-            <a:schemeClr val="tx1"/>
-          </a:fontRef>
-        </p:style>
-      </p:cxnSp>
-      <p:cxnSp>
-        <p:nvCxnSpPr>
-          <p:cNvPr id="12" name="직선 화살표 연결선 11">
-            <a:extLst>
-              <a:ext uri="{FF2B5EF4-FFF2-40B4-BE49-F238E27FC236}">
-                <a16:creationId xmlns:a16="http://schemas.microsoft.com/office/drawing/2014/main" id="{80C0153D-7A45-4EFE-B560-0E2C10D623C9}"/>
-              </a:ext>
-            </a:extLst>
-          </p:cNvPr>
-          <p:cNvCxnSpPr>
-            <a:cxnSpLocks/>
-            <a:stCxn id="2" idx="2"/>
-            <a:endCxn id="8" idx="0"/>
-          </p:cNvCxnSpPr>
-          <p:nvPr/>
-        </p:nvCxnSpPr>
-        <p:spPr>
-          <a:xfrm>
-            <a:off x="5686696" y="2569027"/>
-            <a:ext cx="1706880" cy="429986"/>
-          </a:xfrm>
-          <a:prstGeom prst="straightConnector1">
-            <a:avLst/>
-          </a:prstGeom>
-          <a:ln>
-            <a:tailEnd type="triangle"/>
-          </a:ln>
-        </p:spPr>
-        <p:style>
-          <a:lnRef idx="1">
-            <a:schemeClr val="accent1"/>
-          </a:lnRef>
-          <a:fillRef idx="0">
-            <a:schemeClr val="accent1"/>
-          </a:fillRef>
-          <a:effectRef idx="0">
-            <a:schemeClr val="accent1"/>
-          </a:effectRef>
-          <a:fontRef idx="minor">
-            <a:schemeClr val="tx1"/>
-          </a:fontRef>
-        </p:style>
-      </p:cxnSp>
-      <p:sp>
-        <p:nvSpPr>
-          <p:cNvPr id="17" name="사각형: 둥근 모서리 16">
-            <a:extLst>
-              <a:ext uri="{FF2B5EF4-FFF2-40B4-BE49-F238E27FC236}">
-                <a16:creationId xmlns:a16="http://schemas.microsoft.com/office/drawing/2014/main" id="{9C4B873B-4523-434B-B0AB-3E95B10CE086}"/>
-              </a:ext>
-            </a:extLst>
-          </p:cNvPr>
-          <p:cNvSpPr/>
-          <p:nvPr/>
-        </p:nvSpPr>
-        <p:spPr>
-          <a:xfrm>
-            <a:off x="4691744" y="4639490"/>
-            <a:ext cx="2386148" cy="1210491"/>
-          </a:xfrm>
-          <a:prstGeom prst="roundRect">
-            <a:avLst/>
-          </a:prstGeom>
-        </p:spPr>
-        <p:style>
-          <a:lnRef idx="2">
-            <a:schemeClr val="accent1">
-              <a:shade val="50000"/>
-            </a:schemeClr>
-          </a:lnRef>
-          <a:fillRef idx="1">
-            <a:schemeClr val="accent1"/>
-          </a:fillRef>
-          <a:effectRef idx="0">
-            <a:schemeClr val="accent1"/>
-          </a:effectRef>
-          <a:fontRef idx="minor">
-            <a:schemeClr val="lt1"/>
-          </a:fontRef>
-        </p:style>
-        <p:txBody>
-          <a:bodyPr rtlCol="0" anchor="ctr"/>
-          <a:lstStyle/>
-          <a:p>
-            <a:pPr algn="ctr"/>
-            <a:r>
-              <a:rPr lang="en-US" altLang="ko-KR" dirty="0"/>
-              <a:t>Mutant</a:t>
-            </a:r>
-            <a:endParaRPr lang="ko-KR" altLang="en-US" dirty="0"/>
-          </a:p>
-        </p:txBody>
-      </p:sp>
-      <p:pic>
-        <p:nvPicPr>
-          <p:cNvPr id="14338" name="Picture 2" descr="xman beast 이미지 검색결과">
-            <a:extLst>
-              <a:ext uri="{FF2B5EF4-FFF2-40B4-BE49-F238E27FC236}">
-                <a16:creationId xmlns:a16="http://schemas.microsoft.com/office/drawing/2014/main" id="{D94E06A5-E1CE-48C1-93F9-8CAD683C9494}"/>
-              </a:ext>
-            </a:extLst>
-          </p:cNvPr>
-          <p:cNvPicPr>
-            <a:picLocks noChangeAspect="1" noChangeArrowheads="1"/>
-          </p:cNvPicPr>
-          <p:nvPr/>
-        </p:nvPicPr>
-        <p:blipFill>
-          <a:blip r:embed="rId2">
-            <a:extLst>
-              <a:ext uri="{28A0092B-C50C-407E-A947-70E740481C1C}">
-                <a14:useLocalDpi xmlns:a14="http://schemas.microsoft.com/office/drawing/2010/main" val="0"/>
-              </a:ext>
-            </a:extLst>
-          </a:blip>
-          <a:srcRect/>
-          <a:stretch>
-            <a:fillRect/>
-          </a:stretch>
-        </p:blipFill>
-        <p:spPr bwMode="auto">
-          <a:xfrm>
-            <a:off x="9148355" y="1929494"/>
-            <a:ext cx="2249259" cy="2999012"/>
-          </a:xfrm>
-          <a:prstGeom prst="rect">
-            <a:avLst/>
-          </a:prstGeom>
-          <a:noFill/>
-          <a:extLst>
-            <a:ext uri="{909E8E84-426E-40DD-AFC4-6F175D3DCCD1}">
-              <a14:hiddenFill xmlns:a14="http://schemas.microsoft.com/office/drawing/2010/main">
-                <a:solidFill>
-                  <a:srgbClr val="FFFFFF"/>
-                </a:solidFill>
-              </a14:hiddenFill>
-            </a:ext>
-          </a:extLst>
-        </p:spPr>
-      </p:pic>
-      <p:cxnSp>
-        <p:nvCxnSpPr>
-          <p:cNvPr id="20" name="직선 화살표 연결선 19">
-            <a:extLst>
-              <a:ext uri="{FF2B5EF4-FFF2-40B4-BE49-F238E27FC236}">
-                <a16:creationId xmlns:a16="http://schemas.microsoft.com/office/drawing/2014/main" id="{CF8CB704-A17B-4292-B7A8-1EBEB5EFA997}"/>
-              </a:ext>
-            </a:extLst>
-          </p:cNvPr>
-          <p:cNvCxnSpPr>
-            <a:cxnSpLocks/>
-            <a:stCxn id="7" idx="2"/>
-            <a:endCxn id="17" idx="0"/>
-          </p:cNvCxnSpPr>
-          <p:nvPr/>
-        </p:nvCxnSpPr>
-        <p:spPr>
-          <a:xfrm>
-            <a:off x="4236719" y="4209504"/>
-            <a:ext cx="1648099" cy="429986"/>
-          </a:xfrm>
-          <a:prstGeom prst="straightConnector1">
-            <a:avLst/>
-          </a:prstGeom>
-          <a:ln>
-            <a:tailEnd type="triangle"/>
-          </a:ln>
-        </p:spPr>
-        <p:style>
-          <a:lnRef idx="1">
-            <a:schemeClr val="accent1"/>
-          </a:lnRef>
-          <a:fillRef idx="0">
-            <a:schemeClr val="accent1"/>
-          </a:fillRef>
-          <a:effectRef idx="0">
-            <a:schemeClr val="accent1"/>
-          </a:effectRef>
-          <a:fontRef idx="minor">
-            <a:schemeClr val="tx1"/>
-          </a:fontRef>
-        </p:style>
-      </p:cxnSp>
-      <p:cxnSp>
-        <p:nvCxnSpPr>
-          <p:cNvPr id="23" name="직선 화살표 연결선 22">
-            <a:extLst>
-              <a:ext uri="{FF2B5EF4-FFF2-40B4-BE49-F238E27FC236}">
-                <a16:creationId xmlns:a16="http://schemas.microsoft.com/office/drawing/2014/main" id="{6DB82D4E-561A-492D-B252-63E16721DE82}"/>
-              </a:ext>
-            </a:extLst>
-          </p:cNvPr>
-          <p:cNvCxnSpPr>
-            <a:cxnSpLocks/>
-            <a:stCxn id="8" idx="2"/>
-            <a:endCxn id="17" idx="0"/>
-          </p:cNvCxnSpPr>
-          <p:nvPr/>
-        </p:nvCxnSpPr>
-        <p:spPr>
-          <a:xfrm flipH="1">
-            <a:off x="5884818" y="4209504"/>
-            <a:ext cx="1508758" cy="429986"/>
-          </a:xfrm>
-          <a:prstGeom prst="straightConnector1">
-            <a:avLst/>
-          </a:prstGeom>
-          <a:ln>
-            <a:tailEnd type="triangle"/>
-          </a:ln>
-        </p:spPr>
-        <p:style>
-          <a:lnRef idx="1">
-            <a:schemeClr val="accent1"/>
-          </a:lnRef>
-          <a:fillRef idx="0">
-            <a:schemeClr val="accent1"/>
-          </a:fillRef>
-          <a:effectRef idx="0">
-            <a:schemeClr val="accent1"/>
-          </a:effectRef>
-          <a:fontRef idx="minor">
-            <a:schemeClr val="tx1"/>
-          </a:fontRef>
-        </p:style>
-      </p:cxnSp>
-    </p:spTree>
-    <p:extLst>
-      <p:ext uri="{BB962C8B-B14F-4D97-AF65-F5344CB8AC3E}">
-        <p14:creationId xmlns:p14="http://schemas.microsoft.com/office/powerpoint/2010/main" val="4046666292"/>
-      </p:ext>
-    </p:extLst>
-  </p:cSld>
-  <p:clrMapOvr>
-    <a:masterClrMapping/>
-  </p:clrMapOvr>
-  <p:timing>
-    <p:tnLst>
-      <p:par>
-        <p:cTn id="1" dur="indefinite" restart="never" nodeType="tmRoot">
-          <p:childTnLst>
-            <p:seq concurrent="1" nextAc="seek">
-              <p:cTn id="2" dur="indefinite" nodeType="mainSeq">
-                <p:childTnLst>
-                  <p:par>
-                    <p:cTn id="3" fill="hold">
-                      <p:stCondLst>
-                        <p:cond delay="indefinite"/>
-                      </p:stCondLst>
-                      <p:childTnLst>
-                        <p:par>
-                          <p:cTn id="4" fill="hold">
-                            <p:stCondLst>
-                              <p:cond delay="0"/>
-                            </p:stCondLst>
-                            <p:childTnLst>
-                              <p:par>
-                                <p:cTn id="5" presetID="10" presetClass="entr" presetSubtype="0" fill="hold" grpId="0" nodeType="clickEffect">
-                                  <p:stCondLst>
-                                    <p:cond delay="0"/>
-                                  </p:stCondLst>
-                                  <p:childTnLst>
-                                    <p:set>
-                                      <p:cBhvr>
-                                        <p:cTn id="6" dur="1" fill="hold">
-                                          <p:stCondLst>
-                                            <p:cond delay="0"/>
-                                          </p:stCondLst>
-                                        </p:cTn>
-                                        <p:tgtEl>
-                                          <p:spTgt spid="17"/>
-                                        </p:tgtEl>
-                                        <p:attrNameLst>
-                                          <p:attrName>style.visibility</p:attrName>
-                                        </p:attrNameLst>
-                                      </p:cBhvr>
-                                      <p:to>
-                                        <p:strVal val="visible"/>
-                                      </p:to>
-                                    </p:set>
-                                    <p:animEffect transition="in" filter="fade">
-                                      <p:cBhvr>
-                                        <p:cTn id="7" dur="500"/>
-                                        <p:tgtEl>
-                                          <p:spTgt spid="17"/>
-                                        </p:tgtEl>
-                                      </p:cBhvr>
-                                    </p:animEffect>
-                                  </p:childTnLst>
-                                </p:cTn>
-                              </p:par>
-                              <p:par>
-                                <p:cTn id="8" presetID="10" presetClass="entr" presetSubtype="0" fill="hold" nodeType="withEffect">
-                                  <p:stCondLst>
-                                    <p:cond delay="0"/>
-                                  </p:stCondLst>
-                                  <p:childTnLst>
-                                    <p:set>
-                                      <p:cBhvr>
-                                        <p:cTn id="9" dur="1" fill="hold">
-                                          <p:stCondLst>
-                                            <p:cond delay="0"/>
-                                          </p:stCondLst>
-                                        </p:cTn>
-                                        <p:tgtEl>
-                                          <p:spTgt spid="23"/>
-                                        </p:tgtEl>
-                                        <p:attrNameLst>
-                                          <p:attrName>style.visibility</p:attrName>
-                                        </p:attrNameLst>
-                                      </p:cBhvr>
-                                      <p:to>
-                                        <p:strVal val="visible"/>
-                                      </p:to>
-                                    </p:set>
-                                    <p:animEffect transition="in" filter="fade">
-                                      <p:cBhvr>
-                                        <p:cTn id="10" dur="500"/>
-                                        <p:tgtEl>
-                                          <p:spTgt spid="23"/>
-                                        </p:tgtEl>
-                                      </p:cBhvr>
-                                    </p:animEffect>
-                                  </p:childTnLst>
-                                </p:cTn>
-                              </p:par>
-                              <p:par>
-                                <p:cTn id="11" presetID="10" presetClass="entr" presetSubtype="0" fill="hold" nodeType="withEffect">
-                                  <p:stCondLst>
-                                    <p:cond delay="0"/>
-                                  </p:stCondLst>
-                                  <p:childTnLst>
-                                    <p:set>
-                                      <p:cBhvr>
-                                        <p:cTn id="12" dur="1" fill="hold">
-                                          <p:stCondLst>
-                                            <p:cond delay="0"/>
-                                          </p:stCondLst>
-                                        </p:cTn>
-                                        <p:tgtEl>
-                                          <p:spTgt spid="20"/>
-                                        </p:tgtEl>
-                                        <p:attrNameLst>
-                                          <p:attrName>style.visibility</p:attrName>
-                                        </p:attrNameLst>
-                                      </p:cBhvr>
-                                      <p:to>
-                                        <p:strVal val="visible"/>
-                                      </p:to>
-                                    </p:set>
-                                    <p:animEffect transition="in" filter="fade">
-                                      <p:cBhvr>
-                                        <p:cTn id="13" dur="500"/>
-                                        <p:tgtEl>
-                                          <p:spTgt spid="20"/>
-                                        </p:tgtEl>
-                                      </p:cBhvr>
-                                    </p:animEffect>
-                                  </p:childTnLst>
-                                </p:cTn>
-                              </p:par>
-                              <p:par>
-                                <p:cTn id="14" presetID="10" presetClass="entr" presetSubtype="0" fill="hold" nodeType="withEffect">
-                                  <p:stCondLst>
-                                    <p:cond delay="0"/>
-                                  </p:stCondLst>
-                                  <p:childTnLst>
-                                    <p:set>
-                                      <p:cBhvr>
-                                        <p:cTn id="15" dur="1" fill="hold">
-                                          <p:stCondLst>
-                                            <p:cond delay="0"/>
-                                          </p:stCondLst>
-                                        </p:cTn>
-                                        <p:tgtEl>
-                                          <p:spTgt spid="14338"/>
-                                        </p:tgtEl>
-                                        <p:attrNameLst>
-                                          <p:attrName>style.visibility</p:attrName>
-                                        </p:attrNameLst>
-                                      </p:cBhvr>
-                                      <p:to>
-                                        <p:strVal val="visible"/>
-                                      </p:to>
-                                    </p:set>
-                                    <p:animEffect transition="in" filter="fade">
-                                      <p:cBhvr>
-                                        <p:cTn id="16" dur="500"/>
-                                        <p:tgtEl>
-                                          <p:spTgt spid="14338"/>
-                                        </p:tgtEl>
-                                      </p:cBhvr>
-                                    </p:animEffect>
-                                  </p:childTnLst>
-                                </p:cTn>
-                              </p:par>
-                            </p:childTnLst>
-                          </p:cTn>
-                        </p:par>
-                      </p:childTnLst>
-                    </p:cTn>
-                  </p:par>
-                </p:childTnLst>
-              </p:cTn>
-              <p:prevCondLst>
-                <p:cond evt="onPrev" delay="0">
-                  <p:tgtEl>
-                    <p:sldTgt/>
-                  </p:tgtEl>
-                </p:cond>
-              </p:prevCondLst>
-              <p:nextCondLst>
-                <p:cond evt="onNext" delay="0">
-                  <p:tgtEl>
-                    <p:sldTgt/>
-                  </p:tgtEl>
-                </p:cond>
-              </p:nextCondLst>
-            </p:seq>
-          </p:childTnLst>
-        </p:cTn>
-      </p:par>
-    </p:tnLst>
-    <p:bldLst>
-      <p:bldP spid="17" grpId="0" animBg="1"/>
-    </p:bldLst>
-  </p:timing>
-</p:sld>
-</file>
-
-<file path=ppt/slides/slide37.xml><?xml version="1.0" encoding="utf-8"?>
-<p:sld xmlns:a="http://schemas.openxmlformats.org/drawingml/2006/main" xmlns:r="http://schemas.openxmlformats.org/officeDocument/2006/relationships" xmlns:p="http://schemas.openxmlformats.org/presentationml/2006/main">
-  <p:cSld>
-    <p:spTree>
-      <p:nvGrpSpPr>
-        <p:cNvPr id="1" name=""/>
-        <p:cNvGrpSpPr/>
-        <p:nvPr/>
-      </p:nvGrpSpPr>
-      <p:grpSpPr>
-        <a:xfrm>
-          <a:off x="0" y="0"/>
-          <a:ext cx="0" cy="0"/>
-          <a:chOff x="0" y="0"/>
-          <a:chExt cx="0" cy="0"/>
-        </a:xfrm>
-      </p:grpSpPr>
-      <p:sp>
-        <p:nvSpPr>
-          <p:cNvPr id="3" name="내용 개체 틀 2">
-            <a:extLst>
-              <a:ext uri="{FF2B5EF4-FFF2-40B4-BE49-F238E27FC236}">
-                <a16:creationId xmlns:a16="http://schemas.microsoft.com/office/drawing/2014/main" id="{23052C98-3129-49A5-9830-E895D5E349FF}"/>
-              </a:ext>
-            </a:extLst>
-          </p:cNvPr>
-          <p:cNvSpPr>
-            <a:spLocks noGrp="1"/>
-          </p:cNvSpPr>
-          <p:nvPr>
-            <p:ph sz="quarter" idx="13"/>
-          </p:nvPr>
-        </p:nvSpPr>
-        <p:spPr/>
-        <p:txBody>
-          <a:bodyPr/>
-          <a:lstStyle/>
-          <a:p>
-            <a:r>
-              <a:rPr lang="en-US" altLang="ko-KR" dirty="0"/>
-              <a:t>C# </a:t>
-            </a:r>
-            <a:r>
-              <a:rPr lang="ko-KR" altLang="en-US" dirty="0"/>
-              <a:t>이론 </a:t>
-            </a:r>
-            <a:r>
-              <a:rPr lang="en-US" altLang="ko-KR" dirty="0"/>
-              <a:t>– </a:t>
-            </a:r>
-            <a:r>
-              <a:rPr lang="ko-KR" altLang="en-US" dirty="0"/>
-              <a:t>클래스 다중 상속이 안되는 이유</a:t>
-            </a:r>
-          </a:p>
-        </p:txBody>
-      </p:sp>
-      <p:sp>
-        <p:nvSpPr>
-          <p:cNvPr id="2" name="사각형: 둥근 모서리 1">
-            <a:extLst>
-              <a:ext uri="{FF2B5EF4-FFF2-40B4-BE49-F238E27FC236}">
-                <a16:creationId xmlns:a16="http://schemas.microsoft.com/office/drawing/2014/main" id="{BE011148-2115-4BDA-8C53-87BD170D6AA4}"/>
-              </a:ext>
-            </a:extLst>
-          </p:cNvPr>
-          <p:cNvSpPr/>
-          <p:nvPr/>
-        </p:nvSpPr>
-        <p:spPr>
-          <a:xfrm>
-            <a:off x="3043645" y="1499505"/>
-            <a:ext cx="2486298" cy="793102"/>
-          </a:xfrm>
-          <a:prstGeom prst="roundRect">
-            <a:avLst/>
-          </a:prstGeom>
-        </p:spPr>
-        <p:style>
-          <a:lnRef idx="2">
-            <a:schemeClr val="accent1">
-              <a:shade val="50000"/>
-            </a:schemeClr>
-          </a:lnRef>
-          <a:fillRef idx="1">
-            <a:schemeClr val="accent1"/>
-          </a:fillRef>
-          <a:effectRef idx="0">
-            <a:schemeClr val="accent1"/>
-          </a:effectRef>
-          <a:fontRef idx="minor">
-            <a:schemeClr val="lt1"/>
-          </a:fontRef>
-        </p:style>
-        <p:txBody>
-          <a:bodyPr rtlCol="0" anchor="ctr"/>
-          <a:lstStyle/>
-          <a:p>
-            <a:pPr algn="ctr"/>
-            <a:r>
-              <a:rPr lang="en-US" altLang="ko-KR" dirty="0"/>
-              <a:t>Creature</a:t>
-            </a:r>
-            <a:endParaRPr lang="ko-KR" altLang="en-US" dirty="0"/>
-          </a:p>
-        </p:txBody>
-      </p:sp>
-      <p:sp>
-        <p:nvSpPr>
-          <p:cNvPr id="7" name="사각형: 둥근 모서리 6">
-            <a:extLst>
-              <a:ext uri="{FF2B5EF4-FFF2-40B4-BE49-F238E27FC236}">
-                <a16:creationId xmlns:a16="http://schemas.microsoft.com/office/drawing/2014/main" id="{8462D2ED-7F08-47E8-BB07-46540BE5CB96}"/>
-              </a:ext>
-            </a:extLst>
-          </p:cNvPr>
-          <p:cNvSpPr/>
-          <p:nvPr/>
-        </p:nvSpPr>
-        <p:spPr>
-          <a:xfrm>
-            <a:off x="3043645" y="2811156"/>
-            <a:ext cx="2486298" cy="793102"/>
-          </a:xfrm>
-          <a:prstGeom prst="roundRect">
-            <a:avLst/>
-          </a:prstGeom>
-        </p:spPr>
-        <p:style>
-          <a:lnRef idx="2">
-            <a:schemeClr val="accent1">
-              <a:shade val="50000"/>
-            </a:schemeClr>
-          </a:lnRef>
-          <a:fillRef idx="1">
-            <a:schemeClr val="accent1"/>
-          </a:fillRef>
-          <a:effectRef idx="0">
-            <a:schemeClr val="accent1"/>
-          </a:effectRef>
-          <a:fontRef idx="minor">
-            <a:schemeClr val="lt1"/>
-          </a:fontRef>
-        </p:style>
-        <p:txBody>
-          <a:bodyPr rtlCol="0" anchor="ctr"/>
-          <a:lstStyle/>
-          <a:p>
-            <a:pPr algn="ctr"/>
-            <a:r>
-              <a:rPr lang="en-US" altLang="ko-KR" dirty="0"/>
-              <a:t>Human</a:t>
-            </a:r>
-            <a:endParaRPr lang="ko-KR" altLang="en-US" dirty="0"/>
-          </a:p>
-        </p:txBody>
-      </p:sp>
-      <p:sp>
-        <p:nvSpPr>
-          <p:cNvPr id="8" name="사각형: 둥근 모서리 7">
-            <a:extLst>
-              <a:ext uri="{FF2B5EF4-FFF2-40B4-BE49-F238E27FC236}">
-                <a16:creationId xmlns:a16="http://schemas.microsoft.com/office/drawing/2014/main" id="{C4D9A3F8-FABE-4379-9D3F-075AF0E40828}"/>
-              </a:ext>
-            </a:extLst>
-          </p:cNvPr>
-          <p:cNvSpPr/>
-          <p:nvPr/>
-        </p:nvSpPr>
-        <p:spPr>
-          <a:xfrm>
-            <a:off x="6200502" y="2811156"/>
-            <a:ext cx="2486298" cy="793102"/>
-          </a:xfrm>
-          <a:prstGeom prst="roundRect">
-            <a:avLst/>
-          </a:prstGeom>
-        </p:spPr>
-        <p:style>
-          <a:lnRef idx="2">
-            <a:schemeClr val="accent1">
-              <a:shade val="50000"/>
-            </a:schemeClr>
-          </a:lnRef>
-          <a:fillRef idx="1">
-            <a:schemeClr val="accent1"/>
-          </a:fillRef>
-          <a:effectRef idx="0">
-            <a:schemeClr val="accent1"/>
-          </a:effectRef>
-          <a:fontRef idx="minor">
-            <a:schemeClr val="lt1"/>
-          </a:fontRef>
-        </p:style>
-        <p:txBody>
-          <a:bodyPr rtlCol="0" anchor="ctr"/>
-          <a:lstStyle/>
-          <a:p>
-            <a:pPr algn="ctr"/>
-            <a:r>
-              <a:rPr lang="en-US" altLang="ko-KR" dirty="0"/>
-              <a:t>Animal</a:t>
-            </a:r>
-            <a:endParaRPr lang="ko-KR" altLang="en-US" dirty="0"/>
-          </a:p>
-        </p:txBody>
-      </p:sp>
-      <p:cxnSp>
-        <p:nvCxnSpPr>
-          <p:cNvPr id="6" name="직선 화살표 연결선 5">
-            <a:extLst>
-              <a:ext uri="{FF2B5EF4-FFF2-40B4-BE49-F238E27FC236}">
-                <a16:creationId xmlns:a16="http://schemas.microsoft.com/office/drawing/2014/main" id="{28CE7C98-3080-4C59-B51B-E3D9EE6B29E7}"/>
-              </a:ext>
-            </a:extLst>
-          </p:cNvPr>
-          <p:cNvCxnSpPr>
-            <a:cxnSpLocks/>
-            <a:stCxn id="2" idx="2"/>
-            <a:endCxn id="7" idx="0"/>
-          </p:cNvCxnSpPr>
-          <p:nvPr/>
-        </p:nvCxnSpPr>
-        <p:spPr>
-          <a:xfrm>
-            <a:off x="4286794" y="2292607"/>
-            <a:ext cx="0" cy="518549"/>
-          </a:xfrm>
-          <a:prstGeom prst="straightConnector1">
-            <a:avLst/>
-          </a:prstGeom>
-          <a:ln>
-            <a:tailEnd type="triangle"/>
-          </a:ln>
-        </p:spPr>
-        <p:style>
-          <a:lnRef idx="1">
-            <a:schemeClr val="accent1"/>
-          </a:lnRef>
-          <a:fillRef idx="0">
-            <a:schemeClr val="accent1"/>
-          </a:fillRef>
-          <a:effectRef idx="0">
-            <a:schemeClr val="accent1"/>
-          </a:effectRef>
-          <a:fontRef idx="minor">
-            <a:schemeClr val="tx1"/>
-          </a:fontRef>
-        </p:style>
-      </p:cxnSp>
-      <p:cxnSp>
-        <p:nvCxnSpPr>
-          <p:cNvPr id="12" name="직선 화살표 연결선 11">
-            <a:extLst>
-              <a:ext uri="{FF2B5EF4-FFF2-40B4-BE49-F238E27FC236}">
-                <a16:creationId xmlns:a16="http://schemas.microsoft.com/office/drawing/2014/main" id="{80C0153D-7A45-4EFE-B560-0E2C10D623C9}"/>
-              </a:ext>
-            </a:extLst>
-          </p:cNvPr>
-          <p:cNvCxnSpPr>
-            <a:cxnSpLocks/>
-            <a:stCxn id="15" idx="2"/>
-            <a:endCxn id="8" idx="0"/>
-          </p:cNvCxnSpPr>
-          <p:nvPr/>
-        </p:nvCxnSpPr>
-        <p:spPr>
-          <a:xfrm>
-            <a:off x="7443651" y="2292607"/>
-            <a:ext cx="0" cy="518549"/>
-          </a:xfrm>
-          <a:prstGeom prst="straightConnector1">
-            <a:avLst/>
-          </a:prstGeom>
-          <a:ln>
-            <a:tailEnd type="triangle"/>
-          </a:ln>
-        </p:spPr>
-        <p:style>
-          <a:lnRef idx="1">
-            <a:schemeClr val="accent1"/>
-          </a:lnRef>
-          <a:fillRef idx="0">
-            <a:schemeClr val="accent1"/>
-          </a:fillRef>
-          <a:effectRef idx="0">
-            <a:schemeClr val="accent1"/>
-          </a:effectRef>
-          <a:fontRef idx="minor">
-            <a:schemeClr val="tx1"/>
-          </a:fontRef>
-        </p:style>
-      </p:cxnSp>
-      <p:sp>
-        <p:nvSpPr>
-          <p:cNvPr id="17" name="사각형: 둥근 모서리 16">
-            <a:extLst>
-              <a:ext uri="{FF2B5EF4-FFF2-40B4-BE49-F238E27FC236}">
-                <a16:creationId xmlns:a16="http://schemas.microsoft.com/office/drawing/2014/main" id="{9C4B873B-4523-434B-B0AB-3E95B10CE086}"/>
-              </a:ext>
-            </a:extLst>
-          </p:cNvPr>
-          <p:cNvSpPr/>
-          <p:nvPr/>
-        </p:nvSpPr>
-        <p:spPr>
-          <a:xfrm>
-            <a:off x="4691744" y="4055082"/>
-            <a:ext cx="2486298" cy="793102"/>
-          </a:xfrm>
-          <a:prstGeom prst="roundRect">
-            <a:avLst/>
-          </a:prstGeom>
-        </p:spPr>
-        <p:style>
-          <a:lnRef idx="2">
-            <a:schemeClr val="accent1">
-              <a:shade val="50000"/>
-            </a:schemeClr>
-          </a:lnRef>
-          <a:fillRef idx="1">
-            <a:schemeClr val="accent1"/>
-          </a:fillRef>
-          <a:effectRef idx="0">
-            <a:schemeClr val="accent1"/>
-          </a:effectRef>
-          <a:fontRef idx="minor">
-            <a:schemeClr val="lt1"/>
-          </a:fontRef>
-        </p:style>
-        <p:txBody>
-          <a:bodyPr rtlCol="0" anchor="ctr"/>
-          <a:lstStyle/>
-          <a:p>
-            <a:pPr algn="ctr"/>
-            <a:r>
-              <a:rPr lang="en-US" altLang="ko-KR" dirty="0"/>
-              <a:t>Mutant</a:t>
-            </a:r>
-            <a:endParaRPr lang="ko-KR" altLang="en-US" dirty="0"/>
-          </a:p>
-        </p:txBody>
-      </p:sp>
-      <p:cxnSp>
-        <p:nvCxnSpPr>
-          <p:cNvPr id="20" name="직선 화살표 연결선 19">
-            <a:extLst>
-              <a:ext uri="{FF2B5EF4-FFF2-40B4-BE49-F238E27FC236}">
-                <a16:creationId xmlns:a16="http://schemas.microsoft.com/office/drawing/2014/main" id="{CF8CB704-A17B-4292-B7A8-1EBEB5EFA997}"/>
-              </a:ext>
-            </a:extLst>
-          </p:cNvPr>
-          <p:cNvCxnSpPr>
-            <a:cxnSpLocks/>
-            <a:stCxn id="7" idx="2"/>
-            <a:endCxn id="17" idx="0"/>
-          </p:cNvCxnSpPr>
-          <p:nvPr/>
-        </p:nvCxnSpPr>
-        <p:spPr>
-          <a:xfrm>
-            <a:off x="4286794" y="3604258"/>
-            <a:ext cx="1648099" cy="450824"/>
-          </a:xfrm>
-          <a:prstGeom prst="straightConnector1">
-            <a:avLst/>
-          </a:prstGeom>
-          <a:ln>
-            <a:tailEnd type="triangle"/>
-          </a:ln>
-        </p:spPr>
-        <p:style>
-          <a:lnRef idx="1">
-            <a:schemeClr val="accent1"/>
-          </a:lnRef>
-          <a:fillRef idx="0">
-            <a:schemeClr val="accent1"/>
-          </a:fillRef>
-          <a:effectRef idx="0">
-            <a:schemeClr val="accent1"/>
-          </a:effectRef>
-          <a:fontRef idx="minor">
-            <a:schemeClr val="tx1"/>
-          </a:fontRef>
-        </p:style>
-      </p:cxnSp>
-      <p:cxnSp>
-        <p:nvCxnSpPr>
-          <p:cNvPr id="23" name="직선 화살표 연결선 22">
-            <a:extLst>
-              <a:ext uri="{FF2B5EF4-FFF2-40B4-BE49-F238E27FC236}">
-                <a16:creationId xmlns:a16="http://schemas.microsoft.com/office/drawing/2014/main" id="{6DB82D4E-561A-492D-B252-63E16721DE82}"/>
-              </a:ext>
-            </a:extLst>
-          </p:cNvPr>
-          <p:cNvCxnSpPr>
-            <a:cxnSpLocks/>
-            <a:stCxn id="8" idx="2"/>
-            <a:endCxn id="17" idx="0"/>
-          </p:cNvCxnSpPr>
-          <p:nvPr/>
-        </p:nvCxnSpPr>
-        <p:spPr>
-          <a:xfrm flipH="1">
-            <a:off x="5934893" y="3604258"/>
-            <a:ext cx="1508758" cy="450824"/>
-          </a:xfrm>
-          <a:prstGeom prst="straightConnector1">
-            <a:avLst/>
-          </a:prstGeom>
-          <a:ln>
-            <a:tailEnd type="triangle"/>
-          </a:ln>
-        </p:spPr>
-        <p:style>
-          <a:lnRef idx="1">
-            <a:schemeClr val="accent1"/>
-          </a:lnRef>
-          <a:fillRef idx="0">
-            <a:schemeClr val="accent1"/>
-          </a:fillRef>
-          <a:effectRef idx="0">
-            <a:schemeClr val="accent1"/>
-          </a:effectRef>
-          <a:fontRef idx="minor">
-            <a:schemeClr val="tx1"/>
-          </a:fontRef>
-        </p:style>
-      </p:cxnSp>
-      <p:sp>
-        <p:nvSpPr>
-          <p:cNvPr id="15" name="사각형: 둥근 모서리 14">
-            <a:extLst>
-              <a:ext uri="{FF2B5EF4-FFF2-40B4-BE49-F238E27FC236}">
-                <a16:creationId xmlns:a16="http://schemas.microsoft.com/office/drawing/2014/main" id="{93FD2D47-4B0C-44A2-B438-14800C73A316}"/>
-              </a:ext>
-            </a:extLst>
-          </p:cNvPr>
-          <p:cNvSpPr/>
-          <p:nvPr/>
-        </p:nvSpPr>
-        <p:spPr>
-          <a:xfrm>
-            <a:off x="6200502" y="1499505"/>
-            <a:ext cx="2486298" cy="793102"/>
-          </a:xfrm>
-          <a:prstGeom prst="roundRect">
-            <a:avLst/>
-          </a:prstGeom>
-        </p:spPr>
-        <p:style>
-          <a:lnRef idx="2">
-            <a:schemeClr val="accent1">
-              <a:shade val="50000"/>
-            </a:schemeClr>
-          </a:lnRef>
-          <a:fillRef idx="1">
-            <a:schemeClr val="accent1"/>
-          </a:fillRef>
-          <a:effectRef idx="0">
-            <a:schemeClr val="accent1"/>
-          </a:effectRef>
-          <a:fontRef idx="minor">
-            <a:schemeClr val="lt1"/>
-          </a:fontRef>
-        </p:style>
-        <p:txBody>
-          <a:bodyPr rtlCol="0" anchor="ctr"/>
-          <a:lstStyle/>
-          <a:p>
-            <a:pPr algn="ctr"/>
-            <a:r>
-              <a:rPr lang="en-US" altLang="ko-KR" dirty="0"/>
-              <a:t>Creature</a:t>
-            </a:r>
-            <a:endParaRPr lang="ko-KR" altLang="en-US" dirty="0"/>
-          </a:p>
-        </p:txBody>
-      </p:sp>
-      <p:sp>
-        <p:nvSpPr>
-          <p:cNvPr id="14" name="TextBox 13">
-            <a:extLst>
-              <a:ext uri="{FF2B5EF4-FFF2-40B4-BE49-F238E27FC236}">
-                <a16:creationId xmlns:a16="http://schemas.microsoft.com/office/drawing/2014/main" id="{2E6EA7AF-47FF-4E9F-8216-A6FA88C1167B}"/>
-              </a:ext>
-            </a:extLst>
-          </p:cNvPr>
-          <p:cNvSpPr txBox="1"/>
-          <p:nvPr/>
-        </p:nvSpPr>
-        <p:spPr>
-          <a:xfrm>
-            <a:off x="2514271" y="5105938"/>
-            <a:ext cx="6841243" cy="923330"/>
-          </a:xfrm>
-          <a:prstGeom prst="rect">
-            <a:avLst/>
-          </a:prstGeom>
-        </p:spPr>
-        <p:style>
-          <a:lnRef idx="2">
-            <a:schemeClr val="accent1"/>
-          </a:lnRef>
-          <a:fillRef idx="1">
-            <a:schemeClr val="lt1"/>
-          </a:fillRef>
-          <a:effectRef idx="0">
-            <a:schemeClr val="accent1"/>
-          </a:effectRef>
-          <a:fontRef idx="minor">
-            <a:schemeClr val="dk1"/>
-          </a:fontRef>
-        </p:style>
-        <p:txBody>
-          <a:bodyPr wrap="square" rtlCol="0">
-            <a:spAutoFit/>
-          </a:bodyPr>
-          <a:lstStyle/>
-          <a:p>
-            <a:pPr algn="ctr"/>
-            <a:r>
-              <a:rPr lang="en-US" altLang="ko-KR" dirty="0"/>
-              <a:t>C#</a:t>
-            </a:r>
-            <a:r>
-              <a:rPr lang="ko-KR" altLang="en-US" dirty="0"/>
-              <a:t>은 다중 상속이 구현될 경우</a:t>
-            </a:r>
-            <a:endParaRPr lang="en-US" altLang="ko-KR" dirty="0"/>
-          </a:p>
-          <a:p>
-            <a:pPr algn="ctr"/>
-            <a:r>
-              <a:rPr lang="ko-KR" altLang="en-US" dirty="0"/>
-              <a:t>부모 객체로 접근할 때 메모리 주소가 모호해져</a:t>
-            </a:r>
-            <a:endParaRPr lang="en-US" altLang="ko-KR" dirty="0"/>
-          </a:p>
-          <a:p>
-            <a:pPr algn="ctr"/>
-            <a:r>
-              <a:rPr lang="ko-KR" altLang="en-US" dirty="0"/>
-              <a:t>아예 막아 놨다</a:t>
-            </a:r>
-            <a:r>
-              <a:rPr lang="en-US" altLang="ko-KR" dirty="0"/>
-              <a:t>.</a:t>
-            </a:r>
-            <a:endParaRPr lang="ko-KR" altLang="en-US" dirty="0"/>
-          </a:p>
-        </p:txBody>
-      </p:sp>
-    </p:spTree>
-    <p:extLst>
-      <p:ext uri="{BB962C8B-B14F-4D97-AF65-F5344CB8AC3E}">
-        <p14:creationId xmlns:p14="http://schemas.microsoft.com/office/powerpoint/2010/main" val="3250366926"/>
-      </p:ext>
-    </p:extLst>
-  </p:cSld>
-  <p:clrMapOvr>
-    <a:masterClrMapping/>
-  </p:clrMapOvr>
-  <p:timing>
-    <p:tnLst>
-      <p:par>
-        <p:cTn id="1" dur="indefinite" restart="never" nodeType="tmRoot">
-          <p:childTnLst>
-            <p:seq concurrent="1" nextAc="seek">
-              <p:cTn id="2" dur="indefinite" nodeType="mainSeq">
-                <p:childTnLst>
-                  <p:par>
-                    <p:cTn id="3" fill="hold">
-                      <p:stCondLst>
-                        <p:cond delay="indefinite"/>
-                      </p:stCondLst>
-                      <p:childTnLst>
-                        <p:par>
-                          <p:cTn id="4" fill="hold">
-                            <p:stCondLst>
-                              <p:cond delay="0"/>
-                            </p:stCondLst>
-                            <p:childTnLst>
-                              <p:par>
-                                <p:cTn id="5" presetID="10" presetClass="entr" presetSubtype="0" fill="hold" grpId="0" nodeType="clickEffect">
-                                  <p:stCondLst>
-                                    <p:cond delay="0"/>
-                                  </p:stCondLst>
-                                  <p:childTnLst>
-                                    <p:set>
-                                      <p:cBhvr>
-                                        <p:cTn id="6" dur="1" fill="hold">
-                                          <p:stCondLst>
-                                            <p:cond delay="0"/>
-                                          </p:stCondLst>
-                                        </p:cTn>
-                                        <p:tgtEl>
-                                          <p:spTgt spid="14"/>
-                                        </p:tgtEl>
-                                        <p:attrNameLst>
-                                          <p:attrName>style.visibility</p:attrName>
-                                        </p:attrNameLst>
-                                      </p:cBhvr>
-                                      <p:to>
-                                        <p:strVal val="visible"/>
-                                      </p:to>
-                                    </p:set>
-                                    <p:animEffect transition="in" filter="fade">
-                                      <p:cBhvr>
-                                        <p:cTn id="7" dur="500"/>
-                                        <p:tgtEl>
-                                          <p:spTgt spid="14"/>
-                                        </p:tgtEl>
-                                      </p:cBhvr>
-                                    </p:animEffect>
-                                  </p:childTnLst>
-                                </p:cTn>
-                              </p:par>
-                            </p:childTnLst>
-                          </p:cTn>
-                        </p:par>
-                      </p:childTnLst>
-                    </p:cTn>
-                  </p:par>
-                </p:childTnLst>
-              </p:cTn>
-              <p:prevCondLst>
-                <p:cond evt="onPrev" delay="0">
-                  <p:tgtEl>
-                    <p:sldTgt/>
-                  </p:tgtEl>
-                </p:cond>
-              </p:prevCondLst>
-              <p:nextCondLst>
-                <p:cond evt="onNext" delay="0">
-                  <p:tgtEl>
-                    <p:sldTgt/>
-                  </p:tgtEl>
-                </p:cond>
-              </p:nextCondLst>
-            </p:seq>
-          </p:childTnLst>
-        </p:cTn>
-      </p:par>
-    </p:tnLst>
-    <p:bldLst>
-      <p:bldP spid="14" grpId="0" animBg="1"/>
-    </p:bldLst>
-  </p:timing>
-</p:sld>
-</file>
-
-<file path=ppt/slides/slide38.xml><?xml version="1.0" encoding="utf-8"?>
-<p:sld xmlns:a="http://schemas.openxmlformats.org/drawingml/2006/main" xmlns:r="http://schemas.openxmlformats.org/officeDocument/2006/relationships" xmlns:p="http://schemas.openxmlformats.org/presentationml/2006/main">
-  <p:cSld>
-    <p:spTree>
-      <p:nvGrpSpPr>
-        <p:cNvPr id="1" name=""/>
-        <p:cNvGrpSpPr/>
-        <p:nvPr/>
-      </p:nvGrpSpPr>
-      <p:grpSpPr>
-        <a:xfrm>
-          <a:off x="0" y="0"/>
-          <a:ext cx="0" cy="0"/>
-          <a:chOff x="0" y="0"/>
-          <a:chExt cx="0" cy="0"/>
-        </a:xfrm>
-      </p:grpSpPr>
-      <p:sp>
-        <p:nvSpPr>
-          <p:cNvPr id="2" name="내용 개체 틀 1">
-            <a:extLst>
-              <a:ext uri="{FF2B5EF4-FFF2-40B4-BE49-F238E27FC236}">
-                <a16:creationId xmlns:a16="http://schemas.microsoft.com/office/drawing/2014/main" id="{2027FEE9-6127-4645-AB7F-D14EA983793E}"/>
-              </a:ext>
-            </a:extLst>
-          </p:cNvPr>
-          <p:cNvSpPr>
-            <a:spLocks noGrp="1"/>
-          </p:cNvSpPr>
-          <p:nvPr>
-            <p:ph idx="1"/>
-          </p:nvPr>
-        </p:nvSpPr>
-        <p:spPr>
-          <a:xfrm>
-            <a:off x="401215" y="2409825"/>
-            <a:ext cx="11252719" cy="1981200"/>
-          </a:xfrm>
-        </p:spPr>
-        <p:txBody>
-          <a:bodyPr/>
-          <a:lstStyle/>
-          <a:p>
-            <a:r>
-              <a:rPr lang="en-US" altLang="ko-KR" dirty="0"/>
-              <a:t>Interface</a:t>
-            </a:r>
-            <a:r>
-              <a:rPr lang="ko-KR" altLang="en-US" dirty="0"/>
-              <a:t>란</a:t>
-            </a:r>
-            <a:r>
-              <a:rPr lang="en-US" altLang="ko-KR" dirty="0"/>
-              <a:t>?</a:t>
-            </a:r>
-          </a:p>
-          <a:p>
-            <a:pPr lvl="1"/>
-            <a:r>
-              <a:rPr lang="ko-KR" altLang="en-US" dirty="0"/>
-              <a:t>객체의 행동을 묶는 단위</a:t>
-            </a:r>
-            <a:endParaRPr lang="en-US" altLang="ko-KR" dirty="0"/>
-          </a:p>
-          <a:p>
-            <a:pPr lvl="1"/>
-            <a:r>
-              <a:rPr lang="ko-KR" altLang="en-US" dirty="0"/>
-              <a:t>상속과 달리 여러 개의 인터페이스를 상속받을 수 있다</a:t>
-            </a:r>
-            <a:r>
-              <a:rPr lang="en-US" altLang="ko-KR" dirty="0"/>
-              <a:t>.</a:t>
-            </a:r>
-          </a:p>
-          <a:p>
-            <a:pPr lvl="2"/>
-            <a:r>
-              <a:rPr lang="ko-KR" altLang="en-US" dirty="0"/>
-              <a:t>클래스는 다중 상속이 안된다</a:t>
-            </a:r>
-            <a:r>
-              <a:rPr lang="en-US" altLang="ko-KR" dirty="0"/>
-              <a:t>.</a:t>
-            </a:r>
-          </a:p>
-          <a:p>
-            <a:pPr lvl="1"/>
-            <a:r>
-              <a:rPr lang="ko-KR" altLang="en-US" dirty="0"/>
-              <a:t>인터페이스 끼리 묶어서 명령 할 수 있다</a:t>
-            </a:r>
-            <a:r>
-              <a:rPr lang="en-US" altLang="ko-KR" dirty="0"/>
-              <a:t>.</a:t>
-            </a:r>
-          </a:p>
-          <a:p>
-            <a:pPr lvl="1"/>
-            <a:r>
-              <a:rPr lang="ko-KR" altLang="en-US" dirty="0"/>
-              <a:t>생성은 못하고 참조만 할 수 있다</a:t>
-            </a:r>
-            <a:r>
-              <a:rPr lang="en-US" altLang="ko-KR" dirty="0"/>
-              <a:t>. (</a:t>
-            </a:r>
-            <a:r>
-              <a:rPr lang="ko-KR" altLang="en-US" dirty="0"/>
-              <a:t>메모리에 생성이 안된다</a:t>
-            </a:r>
-            <a:r>
-              <a:rPr lang="en-US" altLang="ko-KR" dirty="0"/>
-              <a:t>.)</a:t>
-            </a:r>
-          </a:p>
-        </p:txBody>
-      </p:sp>
-      <p:sp>
-        <p:nvSpPr>
-          <p:cNvPr id="3" name="내용 개체 틀 2">
-            <a:extLst>
-              <a:ext uri="{FF2B5EF4-FFF2-40B4-BE49-F238E27FC236}">
-                <a16:creationId xmlns:a16="http://schemas.microsoft.com/office/drawing/2014/main" id="{04D3FF16-40BD-4BEF-A58D-F93C47295BED}"/>
-              </a:ext>
-            </a:extLst>
-          </p:cNvPr>
-          <p:cNvSpPr>
-            <a:spLocks noGrp="1"/>
-          </p:cNvSpPr>
-          <p:nvPr>
-            <p:ph sz="quarter" idx="13"/>
-          </p:nvPr>
-        </p:nvSpPr>
-        <p:spPr/>
-        <p:txBody>
-          <a:bodyPr/>
-          <a:lstStyle/>
-          <a:p>
-            <a:r>
-              <a:rPr lang="en-US" altLang="ko-KR" dirty="0"/>
-              <a:t>C# </a:t>
-            </a:r>
-            <a:r>
-              <a:rPr lang="ko-KR" altLang="en-US" dirty="0"/>
-              <a:t>이론 </a:t>
-            </a:r>
-            <a:r>
-              <a:rPr lang="en-US" altLang="ko-KR" dirty="0"/>
-              <a:t>– Interface</a:t>
-            </a:r>
-            <a:endParaRPr lang="ko-KR" altLang="en-US" dirty="0"/>
-          </a:p>
-        </p:txBody>
-      </p:sp>
-    </p:spTree>
-    <p:extLst>
-      <p:ext uri="{BB962C8B-B14F-4D97-AF65-F5344CB8AC3E}">
-        <p14:creationId xmlns:p14="http://schemas.microsoft.com/office/powerpoint/2010/main" val="1037848803"/>
+        <p14:creationId xmlns:p14="http://schemas.microsoft.com/office/powerpoint/2010/main" val="3058294248"/>
       </p:ext>
     </p:extLst>
   </p:cSld>
@@ -17301,7 +14971,38 @@
                                         <p:tgtEl>
                                           <p:spTgt spid="2">
                                             <p:txEl>
-                                              <p:pRg st="0" end="0"/>
+                                              <p:pRg st="4" end="4"/>
+                                            </p:txEl>
+                                          </p:spTgt>
+                                        </p:tgtEl>
+                                        <p:attrNameLst>
+                                          <p:attrName>style.visibility</p:attrName>
+                                        </p:attrNameLst>
+                                      </p:cBhvr>
+                                      <p:to>
+                                        <p:strVal val="visible"/>
+                                      </p:to>
+                                    </p:set>
+                                  </p:childTnLst>
+                                </p:cTn>
+                              </p:par>
+                              <p:par>
+                                <p:cTn id="7" presetID="1" presetClass="entr" presetSubtype="0" fill="hold" nodeType="withEffect">
+                                  <p:stCondLst>
+                                    <p:cond delay="0"/>
+                                  </p:stCondLst>
+                                  <p:childTnLst>
+                                    <p:set>
+                                      <p:cBhvr>
+                                        <p:cTn id="8" dur="1" fill="hold">
+                                          <p:stCondLst>
+                                            <p:cond delay="0"/>
+                                          </p:stCondLst>
+                                        </p:cTn>
+                                        <p:tgtEl>
+                                          <p:spTgt spid="2">
+                                            <p:txEl>
+                                              <p:pRg st="5" end="5"/>
                                             </p:txEl>
                                           </p:spTgt>
                                         </p:tgtEl>
@@ -17323,26 +15024,26 @@
                     </p:cTn>
                   </p:par>
                   <p:par>
-                    <p:cTn id="7" fill="hold">
+                    <p:cTn id="9" fill="hold">
                       <p:stCondLst>
                         <p:cond delay="indefinite"/>
                       </p:stCondLst>
                       <p:childTnLst>
                         <p:par>
-                          <p:cTn id="8" fill="hold">
+                          <p:cTn id="10" fill="hold">
                             <p:stCondLst>
                               <p:cond delay="0"/>
                             </p:stCondLst>
                             <p:childTnLst>
                               <p:par>
-                                <p:cTn id="9" presetID="1" presetClass="entr" presetSubtype="0" fill="hold" nodeType="clickEffect">
+                                <p:cTn id="11" presetID="1" presetClass="entr" presetSubtype="0" fill="hold" nodeType="clickEffect">
                                   <p:stCondLst>
                                     <p:cond delay="0"/>
                                   </p:stCondLst>
                                   <p:childTnLst>
                                     <p:set>
                                       <p:cBhvr>
-                                        <p:cTn id="10" dur="1" fill="hold">
+                                        <p:cTn id="12" dur="1" fill="hold">
                                           <p:stCondLst>
                                             <p:cond delay="0"/>
                                           </p:stCondLst>
@@ -17350,7 +15051,7 @@
                                         <p:tgtEl>
                                           <p:spTgt spid="2">
                                             <p:txEl>
-                                              <p:pRg st="1" end="1"/>
+                                              <p:pRg st="8" end="8"/>
                                             </p:txEl>
                                           </p:spTgt>
                                         </p:tgtEl>
@@ -17365,26 +15066,8 @@
                                   </p:childTnLst>
                                 </p:cTn>
                               </p:par>
-                            </p:childTnLst>
-                          </p:cTn>
-                        </p:par>
-                      </p:childTnLst>
-                    </p:cTn>
-                  </p:par>
-                  <p:par>
-                    <p:cTn id="11" fill="hold">
-                      <p:stCondLst>
-                        <p:cond delay="indefinite"/>
-                      </p:stCondLst>
-                      <p:childTnLst>
-                        <p:par>
-                          <p:cTn id="12" fill="hold">
-                            <p:stCondLst>
-                              <p:cond delay="0"/>
-                            </p:stCondLst>
-                            <p:childTnLst>
                               <p:par>
-                                <p:cTn id="13" presetID="1" presetClass="entr" presetSubtype="0" fill="hold" nodeType="clickEffect">
+                                <p:cTn id="13" presetID="1" presetClass="entr" presetSubtype="0" fill="hold" nodeType="withEffect">
                                   <p:stCondLst>
                                     <p:cond delay="0"/>
                                   </p:stCondLst>
@@ -17399,7 +15082,7 @@
                                         <p:tgtEl>
                                           <p:spTgt spid="2">
                                             <p:txEl>
-                                              <p:pRg st="2" end="2"/>
+                                              <p:pRg st="9" end="9"/>
                                             </p:txEl>
                                           </p:spTgt>
                                         </p:tgtEl>
@@ -17430,7 +15113,7 @@
                                         <p:tgtEl>
                                           <p:spTgt spid="2">
                                             <p:txEl>
-                                              <p:pRg st="3" end="3"/>
+                                              <p:pRg st="10" end="10"/>
                                             </p:txEl>
                                           </p:spTgt>
                                         </p:tgtEl>
@@ -17445,33 +15128,15 @@
                                   </p:childTnLst>
                                 </p:cTn>
                               </p:par>
-                            </p:childTnLst>
-                          </p:cTn>
-                        </p:par>
-                      </p:childTnLst>
-                    </p:cTn>
-                  </p:par>
-                  <p:par>
-                    <p:cTn id="17" fill="hold">
-                      <p:stCondLst>
-                        <p:cond delay="indefinite"/>
-                      </p:stCondLst>
-                      <p:childTnLst>
-                        <p:par>
-                          <p:cTn id="18" fill="hold">
-                            <p:stCondLst>
-                              <p:cond delay="0"/>
-                            </p:stCondLst>
-                            <p:childTnLst>
                               <p:par>
-                                <p:cTn id="19" presetID="1" presetClass="entr" presetSubtype="0" fill="hold" nodeType="clickEffect">
+                                <p:cTn id="17" presetID="1" presetClass="entr" presetSubtype="0" fill="hold" nodeType="withEffect">
                                   <p:stCondLst>
                                     <p:cond delay="0"/>
                                   </p:stCondLst>
                                   <p:childTnLst>
                                     <p:set>
                                       <p:cBhvr>
-                                        <p:cTn id="20" dur="1" fill="hold">
+                                        <p:cTn id="18" dur="1" fill="hold">
                                           <p:stCondLst>
                                             <p:cond delay="0"/>
                                           </p:stCondLst>
@@ -17479,56 +15144,7 @@
                                         <p:tgtEl>
                                           <p:spTgt spid="2">
                                             <p:txEl>
-                                              <p:pRg st="4" end="4"/>
-                                            </p:txEl>
-                                          </p:spTgt>
-                                        </p:tgtEl>
-                                        <p:attrNameLst>
-                                          <p:attrName>style.visibility</p:attrName>
-                                        </p:attrNameLst>
-                                      </p:cBhvr>
-                                      <p:to>
-                                        <p:strVal val="visible"/>
-                                      </p:to>
-                                    </p:set>
-                                  </p:childTnLst>
-                                </p:cTn>
-                              </p:par>
-                            </p:childTnLst>
-                          </p:cTn>
-                        </p:par>
-                      </p:childTnLst>
-                    </p:cTn>
-                  </p:par>
-                  <p:par>
-                    <p:cTn id="21" fill="hold">
-                      <p:stCondLst>
-                        <p:cond delay="indefinite"/>
-                      </p:stCondLst>
-                      <p:childTnLst>
-                        <p:par>
-                          <p:cTn id="22" fill="hold">
-                            <p:stCondLst>
-                              <p:cond delay="0"/>
-                            </p:stCondLst>
-                            <p:childTnLst>
-                              <p:par>
-                                <p:cTn id="23" presetID="1" presetClass="entr" presetSubtype="0" fill="hold" nodeType="clickEffect">
-                                  <p:stCondLst>
-                                    <p:cond delay="0"/>
-                                  </p:stCondLst>
-                                  <p:childTnLst>
-                                    <p:set>
-                                      <p:cBhvr>
-                                        <p:cTn id="24" dur="1" fill="hold">
-                                          <p:stCondLst>
-                                            <p:cond delay="0"/>
-                                          </p:stCondLst>
-                                        </p:cTn>
-                                        <p:tgtEl>
-                                          <p:spTgt spid="2">
-                                            <p:txEl>
-                                              <p:pRg st="5" end="5"/>
+                                              <p:pRg st="11" end="11"/>
                                             </p:txEl>
                                           </p:spTgt>
                                         </p:tgtEl>
@@ -17574,6 +15190,610 @@
 </p:sld>
 </file>
 
+<file path=ppt/slides/slide35.xml><?xml version="1.0" encoding="utf-8"?>
+<p:sld xmlns:a="http://schemas.openxmlformats.org/drawingml/2006/main" xmlns:r="http://schemas.openxmlformats.org/officeDocument/2006/relationships" xmlns:p="http://schemas.openxmlformats.org/presentationml/2006/main">
+  <p:cSld>
+    <p:spTree>
+      <p:nvGrpSpPr>
+        <p:cNvPr id="1" name=""/>
+        <p:cNvGrpSpPr/>
+        <p:nvPr/>
+      </p:nvGrpSpPr>
+      <p:grpSpPr>
+        <a:xfrm>
+          <a:off x="0" y="0"/>
+          <a:ext cx="0" cy="0"/>
+          <a:chOff x="0" y="0"/>
+          <a:chExt cx="0" cy="0"/>
+        </a:xfrm>
+      </p:grpSpPr>
+      <p:sp>
+        <p:nvSpPr>
+          <p:cNvPr id="2" name="내용 개체 틀 1">
+            <a:extLst>
+              <a:ext uri="{FF2B5EF4-FFF2-40B4-BE49-F238E27FC236}">
+                <a16:creationId xmlns:a16="http://schemas.microsoft.com/office/drawing/2014/main" id="{2DE25E26-4D9E-46EA-A42D-5B2FD683B484}"/>
+              </a:ext>
+            </a:extLst>
+          </p:cNvPr>
+          <p:cNvSpPr>
+            <a:spLocks noGrp="1"/>
+          </p:cNvSpPr>
+          <p:nvPr>
+            <p:ph idx="1"/>
+          </p:nvPr>
+        </p:nvSpPr>
+        <p:spPr/>
+        <p:txBody>
+          <a:bodyPr/>
+          <a:lstStyle/>
+          <a:p>
+            <a:r>
+              <a:rPr lang="en-US" altLang="ko-KR" dirty="0"/>
+              <a:t>if(</a:t>
+            </a:r>
+            <a:r>
+              <a:rPr lang="ko-KR" altLang="en-US" dirty="0"/>
+              <a:t>조건</a:t>
+            </a:r>
+            <a:r>
+              <a:rPr lang="en-US" altLang="ko-KR" dirty="0"/>
+              <a:t>) { ~ } , else if(</a:t>
+            </a:r>
+            <a:r>
+              <a:rPr lang="ko-KR" altLang="en-US" dirty="0"/>
+              <a:t>조건</a:t>
+            </a:r>
+            <a:r>
+              <a:rPr lang="en-US" altLang="ko-KR" dirty="0"/>
+              <a:t>) { ~ }, else { }</a:t>
+            </a:r>
+          </a:p>
+        </p:txBody>
+      </p:sp>
+      <p:sp>
+        <p:nvSpPr>
+          <p:cNvPr id="3" name="내용 개체 틀 2">
+            <a:extLst>
+              <a:ext uri="{FF2B5EF4-FFF2-40B4-BE49-F238E27FC236}">
+                <a16:creationId xmlns:a16="http://schemas.microsoft.com/office/drawing/2014/main" id="{3388B577-7938-4657-936A-8651B058882B}"/>
+              </a:ext>
+            </a:extLst>
+          </p:cNvPr>
+          <p:cNvSpPr>
+            <a:spLocks noGrp="1"/>
+          </p:cNvSpPr>
+          <p:nvPr>
+            <p:ph sz="quarter" idx="13"/>
+          </p:nvPr>
+        </p:nvSpPr>
+        <p:spPr/>
+        <p:txBody>
+          <a:bodyPr/>
+          <a:lstStyle/>
+          <a:p>
+            <a:r>
+              <a:rPr lang="en-US" altLang="ko-KR" dirty="0"/>
+              <a:t>C# </a:t>
+            </a:r>
+            <a:r>
+              <a:rPr lang="ko-KR" altLang="en-US" dirty="0"/>
+              <a:t>이론 </a:t>
+            </a:r>
+            <a:r>
+              <a:rPr lang="en-US" altLang="ko-KR" dirty="0"/>
+              <a:t>- </a:t>
+            </a:r>
+            <a:r>
+              <a:rPr lang="ko-KR" altLang="en-US" dirty="0" err="1"/>
+              <a:t>조건문</a:t>
+            </a:r>
+            <a:endParaRPr lang="ko-KR" altLang="en-US" dirty="0"/>
+          </a:p>
+        </p:txBody>
+      </p:sp>
+      <p:pic>
+        <p:nvPicPr>
+          <p:cNvPr id="6" name="그림 5">
+            <a:extLst>
+              <a:ext uri="{FF2B5EF4-FFF2-40B4-BE49-F238E27FC236}">
+                <a16:creationId xmlns:a16="http://schemas.microsoft.com/office/drawing/2014/main" id="{D66DC82B-D42A-473D-A637-6791676C2454}"/>
+              </a:ext>
+            </a:extLst>
+          </p:cNvPr>
+          <p:cNvPicPr>
+            <a:picLocks noChangeAspect="1"/>
+          </p:cNvPicPr>
+          <p:nvPr/>
+        </p:nvPicPr>
+        <p:blipFill>
+          <a:blip r:embed="rId2"/>
+          <a:stretch>
+            <a:fillRect/>
+          </a:stretch>
+        </p:blipFill>
+        <p:spPr>
+          <a:xfrm>
+            <a:off x="2681313" y="1635893"/>
+            <a:ext cx="6992078" cy="4523474"/>
+          </a:xfrm>
+          <a:prstGeom prst="rect">
+            <a:avLst/>
+          </a:prstGeom>
+        </p:spPr>
+      </p:pic>
+    </p:spTree>
+    <p:extLst>
+      <p:ext uri="{BB962C8B-B14F-4D97-AF65-F5344CB8AC3E}">
+        <p14:creationId xmlns:p14="http://schemas.microsoft.com/office/powerpoint/2010/main" val="3087204171"/>
+      </p:ext>
+    </p:extLst>
+  </p:cSld>
+  <p:clrMapOvr>
+    <a:masterClrMapping/>
+  </p:clrMapOvr>
+</p:sld>
+</file>
+
+<file path=ppt/slides/slide36.xml><?xml version="1.0" encoding="utf-8"?>
+<p:sld xmlns:a="http://schemas.openxmlformats.org/drawingml/2006/main" xmlns:r="http://schemas.openxmlformats.org/officeDocument/2006/relationships" xmlns:p="http://schemas.openxmlformats.org/presentationml/2006/main">
+  <p:cSld>
+    <p:spTree>
+      <p:nvGrpSpPr>
+        <p:cNvPr id="1" name=""/>
+        <p:cNvGrpSpPr/>
+        <p:nvPr/>
+      </p:nvGrpSpPr>
+      <p:grpSpPr>
+        <a:xfrm>
+          <a:off x="0" y="0"/>
+          <a:ext cx="0" cy="0"/>
+          <a:chOff x="0" y="0"/>
+          <a:chExt cx="0" cy="0"/>
+        </a:xfrm>
+      </p:grpSpPr>
+      <p:sp>
+        <p:nvSpPr>
+          <p:cNvPr id="2" name="내용 개체 틀 1">
+            <a:extLst>
+              <a:ext uri="{FF2B5EF4-FFF2-40B4-BE49-F238E27FC236}">
+                <a16:creationId xmlns:a16="http://schemas.microsoft.com/office/drawing/2014/main" id="{A1CA48AD-1382-488B-9654-022420A3F39F}"/>
+              </a:ext>
+            </a:extLst>
+          </p:cNvPr>
+          <p:cNvSpPr>
+            <a:spLocks noGrp="1"/>
+          </p:cNvSpPr>
+          <p:nvPr>
+            <p:ph idx="1"/>
+          </p:nvPr>
+        </p:nvSpPr>
+        <p:spPr/>
+        <p:txBody>
+          <a:bodyPr/>
+          <a:lstStyle/>
+          <a:p>
+            <a:r>
+              <a:rPr lang="en-US" altLang="ko-KR" dirty="0"/>
+              <a:t>switch case</a:t>
+            </a:r>
+            <a:r>
+              <a:rPr lang="ko-KR" altLang="en-US" dirty="0"/>
+              <a:t>문</a:t>
+            </a:r>
+            <a:endParaRPr lang="en-US" altLang="ko-KR" dirty="0"/>
+          </a:p>
+          <a:p>
+            <a:pPr lvl="1"/>
+            <a:r>
+              <a:rPr lang="ko-KR" altLang="en-US" dirty="0" err="1"/>
+              <a:t>조건문이지만</a:t>
+            </a:r>
+            <a:r>
+              <a:rPr lang="ko-KR" altLang="en-US" dirty="0"/>
+              <a:t> 내부적으로 반복문으로 돌아가는 복잡한 녀석이다</a:t>
+            </a:r>
+            <a:r>
+              <a:rPr lang="en-US" altLang="ko-KR" dirty="0"/>
+              <a:t>.</a:t>
+            </a:r>
+          </a:p>
+          <a:p>
+            <a:pPr lvl="1"/>
+            <a:r>
+              <a:rPr lang="ko-KR" altLang="en-US" dirty="0"/>
+              <a:t>특정 값에 대응할 때 사용한다</a:t>
+            </a:r>
+            <a:r>
+              <a:rPr lang="en-US" altLang="ko-KR" dirty="0"/>
+              <a:t>.</a:t>
+            </a:r>
+          </a:p>
+          <a:p>
+            <a:endParaRPr lang="ko-KR" altLang="en-US" dirty="0"/>
+          </a:p>
+        </p:txBody>
+      </p:sp>
+      <p:sp>
+        <p:nvSpPr>
+          <p:cNvPr id="3" name="내용 개체 틀 2">
+            <a:extLst>
+              <a:ext uri="{FF2B5EF4-FFF2-40B4-BE49-F238E27FC236}">
+                <a16:creationId xmlns:a16="http://schemas.microsoft.com/office/drawing/2014/main" id="{F062CEC7-023D-44BC-94E0-9CDB42BE45A2}"/>
+              </a:ext>
+            </a:extLst>
+          </p:cNvPr>
+          <p:cNvSpPr>
+            <a:spLocks noGrp="1"/>
+          </p:cNvSpPr>
+          <p:nvPr>
+            <p:ph sz="quarter" idx="13"/>
+          </p:nvPr>
+        </p:nvSpPr>
+        <p:spPr/>
+        <p:txBody>
+          <a:bodyPr/>
+          <a:lstStyle/>
+          <a:p>
+            <a:r>
+              <a:rPr lang="en-US" altLang="ko-KR" dirty="0"/>
+              <a:t>C# </a:t>
+            </a:r>
+            <a:r>
+              <a:rPr lang="ko-KR" altLang="en-US" dirty="0"/>
+              <a:t>이론 </a:t>
+            </a:r>
+            <a:r>
+              <a:rPr lang="en-US" altLang="ko-KR" dirty="0"/>
+              <a:t>- </a:t>
+            </a:r>
+            <a:r>
+              <a:rPr lang="ko-KR" altLang="en-US" dirty="0" err="1"/>
+              <a:t>조건문</a:t>
+            </a:r>
+            <a:endParaRPr lang="ko-KR" altLang="en-US" dirty="0"/>
+          </a:p>
+        </p:txBody>
+      </p:sp>
+      <p:pic>
+        <p:nvPicPr>
+          <p:cNvPr id="4" name="그림 3">
+            <a:extLst>
+              <a:ext uri="{FF2B5EF4-FFF2-40B4-BE49-F238E27FC236}">
+                <a16:creationId xmlns:a16="http://schemas.microsoft.com/office/drawing/2014/main" id="{CAD98ECB-DCC8-469E-847F-BE9D66D1C516}"/>
+              </a:ext>
+            </a:extLst>
+          </p:cNvPr>
+          <p:cNvPicPr>
+            <a:picLocks noChangeAspect="1"/>
+          </p:cNvPicPr>
+          <p:nvPr/>
+        </p:nvPicPr>
+        <p:blipFill>
+          <a:blip r:embed="rId2"/>
+          <a:stretch>
+            <a:fillRect/>
+          </a:stretch>
+        </p:blipFill>
+        <p:spPr>
+          <a:xfrm>
+            <a:off x="2327705" y="2399481"/>
+            <a:ext cx="7536590" cy="3614582"/>
+          </a:xfrm>
+          <a:prstGeom prst="rect">
+            <a:avLst/>
+          </a:prstGeom>
+        </p:spPr>
+      </p:pic>
+    </p:spTree>
+    <p:extLst>
+      <p:ext uri="{BB962C8B-B14F-4D97-AF65-F5344CB8AC3E}">
+        <p14:creationId xmlns:p14="http://schemas.microsoft.com/office/powerpoint/2010/main" val="3314049040"/>
+      </p:ext>
+    </p:extLst>
+  </p:cSld>
+  <p:clrMapOvr>
+    <a:masterClrMapping/>
+  </p:clrMapOvr>
+</p:sld>
+</file>
+
+<file path=ppt/slides/slide37.xml><?xml version="1.0" encoding="utf-8"?>
+<p:sld xmlns:a="http://schemas.openxmlformats.org/drawingml/2006/main" xmlns:r="http://schemas.openxmlformats.org/officeDocument/2006/relationships" xmlns:p="http://schemas.openxmlformats.org/presentationml/2006/main">
+  <p:cSld>
+    <p:spTree>
+      <p:nvGrpSpPr>
+        <p:cNvPr id="1" name=""/>
+        <p:cNvGrpSpPr/>
+        <p:nvPr/>
+      </p:nvGrpSpPr>
+      <p:grpSpPr>
+        <a:xfrm>
+          <a:off x="0" y="0"/>
+          <a:ext cx="0" cy="0"/>
+          <a:chOff x="0" y="0"/>
+          <a:chExt cx="0" cy="0"/>
+        </a:xfrm>
+      </p:grpSpPr>
+      <p:sp>
+        <p:nvSpPr>
+          <p:cNvPr id="2" name="내용 개체 틀 1">
+            <a:extLst>
+              <a:ext uri="{FF2B5EF4-FFF2-40B4-BE49-F238E27FC236}">
+                <a16:creationId xmlns:a16="http://schemas.microsoft.com/office/drawing/2014/main" id="{2DE25E26-4D9E-46EA-A42D-5B2FD683B484}"/>
+              </a:ext>
+            </a:extLst>
+          </p:cNvPr>
+          <p:cNvSpPr>
+            <a:spLocks noGrp="1"/>
+          </p:cNvSpPr>
+          <p:nvPr>
+            <p:ph idx="1"/>
+          </p:nvPr>
+        </p:nvSpPr>
+        <p:spPr/>
+        <p:txBody>
+          <a:bodyPr/>
+          <a:lstStyle/>
+          <a:p>
+            <a:r>
+              <a:rPr lang="en-US" altLang="ko-KR" dirty="0"/>
+              <a:t>while(</a:t>
+            </a:r>
+            <a:r>
+              <a:rPr lang="ko-KR" altLang="en-US" dirty="0"/>
+              <a:t>조건</a:t>
+            </a:r>
+            <a:r>
+              <a:rPr lang="en-US" altLang="ko-KR" dirty="0"/>
+              <a:t>) { ~ }</a:t>
+            </a:r>
+          </a:p>
+        </p:txBody>
+      </p:sp>
+      <p:sp>
+        <p:nvSpPr>
+          <p:cNvPr id="3" name="내용 개체 틀 2">
+            <a:extLst>
+              <a:ext uri="{FF2B5EF4-FFF2-40B4-BE49-F238E27FC236}">
+                <a16:creationId xmlns:a16="http://schemas.microsoft.com/office/drawing/2014/main" id="{3388B577-7938-4657-936A-8651B058882B}"/>
+              </a:ext>
+            </a:extLst>
+          </p:cNvPr>
+          <p:cNvSpPr>
+            <a:spLocks noGrp="1"/>
+          </p:cNvSpPr>
+          <p:nvPr>
+            <p:ph sz="quarter" idx="13"/>
+          </p:nvPr>
+        </p:nvSpPr>
+        <p:spPr/>
+        <p:txBody>
+          <a:bodyPr/>
+          <a:lstStyle/>
+          <a:p>
+            <a:r>
+              <a:rPr lang="en-US" altLang="ko-KR" dirty="0"/>
+              <a:t>C# </a:t>
+            </a:r>
+            <a:r>
+              <a:rPr lang="ko-KR" altLang="en-US" dirty="0"/>
+              <a:t>이론 </a:t>
+            </a:r>
+            <a:r>
+              <a:rPr lang="en-US" altLang="ko-KR" dirty="0"/>
+              <a:t>- </a:t>
+            </a:r>
+            <a:r>
+              <a:rPr lang="ko-KR" altLang="en-US" dirty="0" err="1"/>
+              <a:t>반복문</a:t>
+            </a:r>
+            <a:endParaRPr lang="ko-KR" altLang="en-US" dirty="0"/>
+          </a:p>
+        </p:txBody>
+      </p:sp>
+      <p:pic>
+        <p:nvPicPr>
+          <p:cNvPr id="4" name="그림 3">
+            <a:extLst>
+              <a:ext uri="{FF2B5EF4-FFF2-40B4-BE49-F238E27FC236}">
+                <a16:creationId xmlns:a16="http://schemas.microsoft.com/office/drawing/2014/main" id="{F03AF217-1E6A-47EB-8512-FB2ED95089DB}"/>
+              </a:ext>
+            </a:extLst>
+          </p:cNvPr>
+          <p:cNvPicPr>
+            <a:picLocks noChangeAspect="1"/>
+          </p:cNvPicPr>
+          <p:nvPr/>
+        </p:nvPicPr>
+        <p:blipFill>
+          <a:blip r:embed="rId2"/>
+          <a:stretch>
+            <a:fillRect/>
+          </a:stretch>
+        </p:blipFill>
+        <p:spPr>
+          <a:xfrm>
+            <a:off x="810781" y="2481420"/>
+            <a:ext cx="5285218" cy="1753082"/>
+          </a:xfrm>
+          <a:prstGeom prst="rect">
+            <a:avLst/>
+          </a:prstGeom>
+        </p:spPr>
+      </p:pic>
+      <p:pic>
+        <p:nvPicPr>
+          <p:cNvPr id="5" name="그림 4">
+            <a:extLst>
+              <a:ext uri="{FF2B5EF4-FFF2-40B4-BE49-F238E27FC236}">
+                <a16:creationId xmlns:a16="http://schemas.microsoft.com/office/drawing/2014/main" id="{46B954C2-48D0-4BBF-8C03-279319663ABD}"/>
+              </a:ext>
+            </a:extLst>
+          </p:cNvPr>
+          <p:cNvPicPr>
+            <a:picLocks noChangeAspect="1"/>
+          </p:cNvPicPr>
+          <p:nvPr/>
+        </p:nvPicPr>
+        <p:blipFill>
+          <a:blip r:embed="rId3"/>
+          <a:stretch>
+            <a:fillRect/>
+          </a:stretch>
+        </p:blipFill>
+        <p:spPr>
+          <a:xfrm>
+            <a:off x="6231779" y="1686470"/>
+            <a:ext cx="5286375" cy="3676650"/>
+          </a:xfrm>
+          <a:prstGeom prst="rect">
+            <a:avLst/>
+          </a:prstGeom>
+        </p:spPr>
+      </p:pic>
+    </p:spTree>
+    <p:extLst>
+      <p:ext uri="{BB962C8B-B14F-4D97-AF65-F5344CB8AC3E}">
+        <p14:creationId xmlns:p14="http://schemas.microsoft.com/office/powerpoint/2010/main" val="1176567800"/>
+      </p:ext>
+    </p:extLst>
+  </p:cSld>
+  <p:clrMapOvr>
+    <a:masterClrMapping/>
+  </p:clrMapOvr>
+</p:sld>
+</file>
+
+<file path=ppt/slides/slide38.xml><?xml version="1.0" encoding="utf-8"?>
+<p:sld xmlns:a="http://schemas.openxmlformats.org/drawingml/2006/main" xmlns:r="http://schemas.openxmlformats.org/officeDocument/2006/relationships" xmlns:p="http://schemas.openxmlformats.org/presentationml/2006/main">
+  <p:cSld>
+    <p:spTree>
+      <p:nvGrpSpPr>
+        <p:cNvPr id="1" name=""/>
+        <p:cNvGrpSpPr/>
+        <p:nvPr/>
+      </p:nvGrpSpPr>
+      <p:grpSpPr>
+        <a:xfrm>
+          <a:off x="0" y="0"/>
+          <a:ext cx="0" cy="0"/>
+          <a:chOff x="0" y="0"/>
+          <a:chExt cx="0" cy="0"/>
+        </a:xfrm>
+      </p:grpSpPr>
+      <p:sp>
+        <p:nvSpPr>
+          <p:cNvPr id="2" name="내용 개체 틀 1">
+            <a:extLst>
+              <a:ext uri="{FF2B5EF4-FFF2-40B4-BE49-F238E27FC236}">
+                <a16:creationId xmlns:a16="http://schemas.microsoft.com/office/drawing/2014/main" id="{2DE25E26-4D9E-46EA-A42D-5B2FD683B484}"/>
+              </a:ext>
+            </a:extLst>
+          </p:cNvPr>
+          <p:cNvSpPr>
+            <a:spLocks noGrp="1"/>
+          </p:cNvSpPr>
+          <p:nvPr>
+            <p:ph idx="1"/>
+          </p:nvPr>
+        </p:nvSpPr>
+        <p:spPr/>
+        <p:txBody>
+          <a:bodyPr/>
+          <a:lstStyle/>
+          <a:p>
+            <a:r>
+              <a:rPr lang="nn-NO" altLang="ko-KR" dirty="0"/>
+              <a:t>for(int i = 0; i &lt; 10; i++) { ~ }</a:t>
+            </a:r>
+          </a:p>
+        </p:txBody>
+      </p:sp>
+      <p:sp>
+        <p:nvSpPr>
+          <p:cNvPr id="3" name="내용 개체 틀 2">
+            <a:extLst>
+              <a:ext uri="{FF2B5EF4-FFF2-40B4-BE49-F238E27FC236}">
+                <a16:creationId xmlns:a16="http://schemas.microsoft.com/office/drawing/2014/main" id="{3388B577-7938-4657-936A-8651B058882B}"/>
+              </a:ext>
+            </a:extLst>
+          </p:cNvPr>
+          <p:cNvSpPr>
+            <a:spLocks noGrp="1"/>
+          </p:cNvSpPr>
+          <p:nvPr>
+            <p:ph sz="quarter" idx="13"/>
+          </p:nvPr>
+        </p:nvSpPr>
+        <p:spPr/>
+        <p:txBody>
+          <a:bodyPr/>
+          <a:lstStyle/>
+          <a:p>
+            <a:r>
+              <a:rPr lang="en-US" altLang="ko-KR" dirty="0"/>
+              <a:t>C# </a:t>
+            </a:r>
+            <a:r>
+              <a:rPr lang="ko-KR" altLang="en-US" dirty="0"/>
+              <a:t>이론 </a:t>
+            </a:r>
+            <a:r>
+              <a:rPr lang="en-US" altLang="ko-KR" dirty="0"/>
+              <a:t>- </a:t>
+            </a:r>
+            <a:r>
+              <a:rPr lang="ko-KR" altLang="en-US" dirty="0" err="1"/>
+              <a:t>반복문</a:t>
+            </a:r>
+            <a:endParaRPr lang="ko-KR" altLang="en-US" dirty="0"/>
+          </a:p>
+        </p:txBody>
+      </p:sp>
+      <p:pic>
+        <p:nvPicPr>
+          <p:cNvPr id="8" name="그림 7">
+            <a:extLst>
+              <a:ext uri="{FF2B5EF4-FFF2-40B4-BE49-F238E27FC236}">
+                <a16:creationId xmlns:a16="http://schemas.microsoft.com/office/drawing/2014/main" id="{CDD7A59B-570B-4CD7-AB2B-40FE4A8861CF}"/>
+              </a:ext>
+            </a:extLst>
+          </p:cNvPr>
+          <p:cNvPicPr>
+            <a:picLocks noChangeAspect="1"/>
+          </p:cNvPicPr>
+          <p:nvPr/>
+        </p:nvPicPr>
+        <p:blipFill>
+          <a:blip r:embed="rId2"/>
+          <a:stretch>
+            <a:fillRect/>
+          </a:stretch>
+        </p:blipFill>
+        <p:spPr>
+          <a:xfrm>
+            <a:off x="1255549" y="1703420"/>
+            <a:ext cx="9544050" cy="4067175"/>
+          </a:xfrm>
+          <a:prstGeom prst="rect">
+            <a:avLst/>
+          </a:prstGeom>
+        </p:spPr>
+      </p:pic>
+    </p:spTree>
+    <p:extLst>
+      <p:ext uri="{BB962C8B-B14F-4D97-AF65-F5344CB8AC3E}">
+        <p14:creationId xmlns:p14="http://schemas.microsoft.com/office/powerpoint/2010/main" val="1279876863"/>
+      </p:ext>
+    </p:extLst>
+  </p:cSld>
+  <p:clrMapOvr>
+    <a:masterClrMapping/>
+  </p:clrMapOvr>
+</p:sld>
+</file>
+
 <file path=ppt/slides/slide39.xml><?xml version="1.0" encoding="utf-8"?>
 <p:sld xmlns:a="http://schemas.openxmlformats.org/drawingml/2006/main" xmlns:r="http://schemas.openxmlformats.org/officeDocument/2006/relationships" xmlns:p="http://schemas.openxmlformats.org/presentationml/2006/main">
   <p:cSld>
@@ -17593,10 +15813,38 @@
       </p:grpSpPr>
       <p:sp>
         <p:nvSpPr>
+          <p:cNvPr id="2" name="내용 개체 틀 1">
+            <a:extLst>
+              <a:ext uri="{FF2B5EF4-FFF2-40B4-BE49-F238E27FC236}">
+                <a16:creationId xmlns:a16="http://schemas.microsoft.com/office/drawing/2014/main" id="{2DE25E26-4D9E-46EA-A42D-5B2FD683B484}"/>
+              </a:ext>
+            </a:extLst>
+          </p:cNvPr>
+          <p:cNvSpPr>
+            <a:spLocks noGrp="1"/>
+          </p:cNvSpPr>
+          <p:nvPr>
+            <p:ph idx="1"/>
+          </p:nvPr>
+        </p:nvSpPr>
+        <p:spPr/>
+        <p:txBody>
+          <a:bodyPr/>
+          <a:lstStyle/>
+          <a:p>
+            <a:r>
+              <a:rPr lang="nn-NO" altLang="ko-KR" dirty="0"/>
+              <a:t>for(; i &lt; 10 ; i++) { ~ }</a:t>
+            </a:r>
+          </a:p>
+        </p:txBody>
+      </p:sp>
+      <p:sp>
+        <p:nvSpPr>
           <p:cNvPr id="3" name="내용 개체 틀 2">
             <a:extLst>
               <a:ext uri="{FF2B5EF4-FFF2-40B4-BE49-F238E27FC236}">
-                <a16:creationId xmlns:a16="http://schemas.microsoft.com/office/drawing/2014/main" id="{23052C98-3129-49A5-9830-E895D5E349FF}"/>
+                <a16:creationId xmlns:a16="http://schemas.microsoft.com/office/drawing/2014/main" id="{3388B577-7938-4657-936A-8651B058882B}"/>
               </a:ext>
             </a:extLst>
           </p:cNvPr>
@@ -17622,507 +15870,56 @@
             </a:r>
             <a:r>
               <a:rPr lang="en-US" altLang="ko-KR" dirty="0"/>
-              <a:t>– Interface</a:t>
-            </a:r>
-            <a:r>
-              <a:rPr lang="ko-KR" altLang="en-US" dirty="0"/>
-              <a:t>의 선언</a:t>
-            </a:r>
+              <a:t>- </a:t>
+            </a:r>
+            <a:r>
+              <a:rPr lang="ko-KR" altLang="en-US" dirty="0" err="1"/>
+              <a:t>반복문</a:t>
+            </a:r>
+            <a:endParaRPr lang="ko-KR" altLang="en-US" dirty="0"/>
           </a:p>
         </p:txBody>
       </p:sp>
-      <p:sp>
-        <p:nvSpPr>
-          <p:cNvPr id="4" name="TextBox 3">
-            <a:extLst>
-              <a:ext uri="{FF2B5EF4-FFF2-40B4-BE49-F238E27FC236}">
-                <a16:creationId xmlns:a16="http://schemas.microsoft.com/office/drawing/2014/main" id="{B1748130-8A02-4B20-8AC1-F043AB6D56BD}"/>
-              </a:ext>
-            </a:extLst>
-          </p:cNvPr>
-          <p:cNvSpPr txBox="1"/>
+      <p:pic>
+        <p:nvPicPr>
+          <p:cNvPr id="4" name="그림 3">
+            <a:extLst>
+              <a:ext uri="{FF2B5EF4-FFF2-40B4-BE49-F238E27FC236}">
+                <a16:creationId xmlns:a16="http://schemas.microsoft.com/office/drawing/2014/main" id="{D06FCBC9-6434-4869-8620-D35F1750FC11}"/>
+              </a:ext>
+            </a:extLst>
+          </p:cNvPr>
+          <p:cNvPicPr>
+            <a:picLocks noChangeAspect="1"/>
+          </p:cNvPicPr>
           <p:nvPr/>
-        </p:nvSpPr>
+        </p:nvPicPr>
+        <p:blipFill>
+          <a:blip r:embed="rId2"/>
+          <a:stretch>
+            <a:fillRect/>
+          </a:stretch>
+        </p:blipFill>
         <p:spPr>
           <a:xfrm>
-            <a:off x="397171" y="1478292"/>
-            <a:ext cx="5472407" cy="1815882"/>
+            <a:off x="854643" y="1993381"/>
+            <a:ext cx="8153400" cy="2466975"/>
           </a:xfrm>
           <a:prstGeom prst="rect">
             <a:avLst/>
           </a:prstGeom>
-          <a:noFill/>
         </p:spPr>
-        <p:txBody>
-          <a:bodyPr wrap="square" rtlCol="0">
-            <a:spAutoFit/>
-          </a:bodyPr>
-          <a:lstStyle/>
-          <a:p>
-            <a:r>
-              <a:rPr lang="en-US" altLang="ko-KR" sz="2800" dirty="0">
-                <a:solidFill>
-                  <a:schemeClr val="accent6"/>
-                </a:solidFill>
-              </a:rPr>
-              <a:t>interface </a:t>
-            </a:r>
-            <a:r>
-              <a:rPr lang="en-US" altLang="ko-KR" sz="2800" dirty="0" err="1">
-                <a:solidFill>
-                  <a:schemeClr val="accent6">
-                    <a:lumMod val="50000"/>
-                  </a:schemeClr>
-                </a:solidFill>
-              </a:rPr>
-              <a:t>iTwoLeggedWalker</a:t>
-            </a:r>
-            <a:endParaRPr lang="en-US" altLang="ko-KR" sz="2800" dirty="0">
-              <a:solidFill>
-                <a:schemeClr val="accent6">
-                  <a:lumMod val="50000"/>
-                </a:schemeClr>
-              </a:solidFill>
-            </a:endParaRPr>
-          </a:p>
-          <a:p>
-            <a:r>
-              <a:rPr lang="en-US" altLang="ko-KR" sz="2800" dirty="0"/>
-              <a:t>{</a:t>
-            </a:r>
-          </a:p>
-          <a:p>
-            <a:r>
-              <a:rPr lang="en-US" altLang="ko-KR" sz="2800" dirty="0"/>
-              <a:t>	void </a:t>
-            </a:r>
-            <a:r>
-              <a:rPr lang="ko-KR" altLang="en-US" sz="2800" dirty="0"/>
-              <a:t>이족보행</a:t>
-            </a:r>
-            <a:r>
-              <a:rPr lang="en-US" altLang="ko-KR" sz="2800" dirty="0"/>
-              <a:t>();</a:t>
-            </a:r>
-            <a:br>
-              <a:rPr lang="en-US" altLang="ko-KR" sz="2800" dirty="0"/>
-            </a:br>
-            <a:r>
-              <a:rPr lang="en-US" altLang="ko-KR" sz="2800" dirty="0"/>
-              <a:t>}</a:t>
-            </a:r>
-            <a:endParaRPr lang="ko-KR" altLang="en-US" sz="2800" dirty="0"/>
-          </a:p>
-        </p:txBody>
-      </p:sp>
-      <p:sp>
-        <p:nvSpPr>
-          <p:cNvPr id="9" name="TextBox 8">
-            <a:extLst>
-              <a:ext uri="{FF2B5EF4-FFF2-40B4-BE49-F238E27FC236}">
-                <a16:creationId xmlns:a16="http://schemas.microsoft.com/office/drawing/2014/main" id="{1E2510F3-2276-47A1-B7AF-D3B79BF98691}"/>
-              </a:ext>
-            </a:extLst>
-          </p:cNvPr>
-          <p:cNvSpPr txBox="1"/>
-          <p:nvPr/>
-        </p:nvSpPr>
-        <p:spPr>
-          <a:xfrm>
-            <a:off x="4615542" y="1993817"/>
-            <a:ext cx="7175863" cy="1384995"/>
-          </a:xfrm>
-          <a:prstGeom prst="rect">
-            <a:avLst/>
-          </a:prstGeom>
-          <a:noFill/>
-        </p:spPr>
-        <p:txBody>
-          <a:bodyPr wrap="square" rtlCol="0">
-            <a:spAutoFit/>
-          </a:bodyPr>
-          <a:lstStyle/>
-          <a:p>
-            <a:r>
-              <a:rPr lang="en-US" altLang="ko-KR" sz="2800" dirty="0">
-                <a:solidFill>
-                  <a:schemeClr val="accent6"/>
-                </a:solidFill>
-              </a:rPr>
-              <a:t>class </a:t>
-            </a:r>
-            <a:r>
-              <a:rPr lang="en-US" altLang="ko-KR" sz="2800" dirty="0">
-                <a:solidFill>
-                  <a:schemeClr val="accent1"/>
-                </a:solidFill>
-              </a:rPr>
-              <a:t>Human </a:t>
-            </a:r>
-            <a:r>
-              <a:rPr lang="en-US" altLang="ko-KR" sz="2800" dirty="0">
-                <a:solidFill>
-                  <a:srgbClr val="C00000"/>
-                </a:solidFill>
-              </a:rPr>
-              <a:t>:</a:t>
-            </a:r>
-            <a:r>
-              <a:rPr lang="en-US" altLang="ko-KR" sz="2800" dirty="0">
-                <a:solidFill>
-                  <a:schemeClr val="accent1"/>
-                </a:solidFill>
-              </a:rPr>
-              <a:t> Creature, </a:t>
-            </a:r>
-            <a:r>
-              <a:rPr lang="en-US" altLang="ko-KR" sz="2800" dirty="0" err="1">
-                <a:solidFill>
-                  <a:schemeClr val="accent6">
-                    <a:lumMod val="50000"/>
-                  </a:schemeClr>
-                </a:solidFill>
-              </a:rPr>
-              <a:t>iTwoLeggedWalker</a:t>
-            </a:r>
-            <a:endParaRPr lang="en-US" altLang="ko-KR" sz="2800" dirty="0">
-              <a:solidFill>
-                <a:schemeClr val="accent6">
-                  <a:lumMod val="50000"/>
-                </a:schemeClr>
-              </a:solidFill>
-            </a:endParaRPr>
-          </a:p>
-          <a:p>
-            <a:r>
-              <a:rPr lang="en-US" altLang="ko-KR" sz="2800" dirty="0"/>
-              <a:t>{</a:t>
-            </a:r>
-          </a:p>
-          <a:p>
-            <a:r>
-              <a:rPr lang="en-US" altLang="ko-KR" sz="2800" dirty="0"/>
-              <a:t>}</a:t>
-            </a:r>
-            <a:endParaRPr lang="ko-KR" altLang="en-US" sz="2800" dirty="0"/>
-          </a:p>
-        </p:txBody>
-      </p:sp>
-      <p:sp>
-        <p:nvSpPr>
-          <p:cNvPr id="10" name="TextBox 9">
-            <a:extLst>
-              <a:ext uri="{FF2B5EF4-FFF2-40B4-BE49-F238E27FC236}">
-                <a16:creationId xmlns:a16="http://schemas.microsoft.com/office/drawing/2014/main" id="{F8FE75E7-C3EA-45D4-B74A-68F9E35A89D3}"/>
-              </a:ext>
-            </a:extLst>
-          </p:cNvPr>
-          <p:cNvSpPr txBox="1"/>
-          <p:nvPr/>
-        </p:nvSpPr>
-        <p:spPr>
-          <a:xfrm>
-            <a:off x="4615542" y="4063613"/>
-            <a:ext cx="7266372" cy="1384995"/>
-          </a:xfrm>
-          <a:prstGeom prst="rect">
-            <a:avLst/>
-          </a:prstGeom>
-          <a:noFill/>
-        </p:spPr>
-        <p:txBody>
-          <a:bodyPr wrap="square" rtlCol="0">
-            <a:spAutoFit/>
-          </a:bodyPr>
-          <a:lstStyle/>
-          <a:p>
-            <a:r>
-              <a:rPr lang="en-US" altLang="ko-KR" sz="2800" dirty="0">
-                <a:solidFill>
-                  <a:schemeClr val="accent6"/>
-                </a:solidFill>
-              </a:rPr>
-              <a:t>class </a:t>
-            </a:r>
-            <a:r>
-              <a:rPr lang="ko-KR" altLang="en-US" sz="2800" dirty="0">
-                <a:solidFill>
-                  <a:schemeClr val="accent1"/>
-                </a:solidFill>
-              </a:rPr>
-              <a:t>타조</a:t>
-            </a:r>
-            <a:r>
-              <a:rPr lang="en-US" altLang="ko-KR" sz="2800" dirty="0">
-                <a:solidFill>
-                  <a:schemeClr val="accent1"/>
-                </a:solidFill>
-              </a:rPr>
-              <a:t> </a:t>
-            </a:r>
-            <a:r>
-              <a:rPr lang="en-US" altLang="ko-KR" sz="2800" dirty="0">
-                <a:solidFill>
-                  <a:srgbClr val="C00000"/>
-                </a:solidFill>
-              </a:rPr>
-              <a:t>:</a:t>
-            </a:r>
-            <a:r>
-              <a:rPr lang="en-US" altLang="ko-KR" sz="2800" dirty="0">
-                <a:solidFill>
-                  <a:schemeClr val="accent1"/>
-                </a:solidFill>
-              </a:rPr>
-              <a:t> Animal, </a:t>
-            </a:r>
-            <a:r>
-              <a:rPr lang="en-US" altLang="ko-KR" sz="2800" dirty="0" err="1">
-                <a:solidFill>
-                  <a:schemeClr val="accent6">
-                    <a:lumMod val="50000"/>
-                  </a:schemeClr>
-                </a:solidFill>
-              </a:rPr>
-              <a:t>iTwoLeggedWalker</a:t>
-            </a:r>
-            <a:endParaRPr lang="en-US" altLang="ko-KR" sz="2800" dirty="0">
-              <a:solidFill>
-                <a:schemeClr val="accent1"/>
-              </a:solidFill>
-            </a:endParaRPr>
-          </a:p>
-          <a:p>
-            <a:r>
-              <a:rPr lang="en-US" altLang="ko-KR" sz="2800" dirty="0"/>
-              <a:t>{</a:t>
-            </a:r>
-          </a:p>
-          <a:p>
-            <a:r>
-              <a:rPr lang="en-US" altLang="ko-KR" sz="2800" dirty="0"/>
-              <a:t>}</a:t>
-            </a:r>
-            <a:endParaRPr lang="ko-KR" altLang="en-US" sz="2800" dirty="0"/>
-          </a:p>
-        </p:txBody>
-      </p:sp>
-      <p:sp>
-        <p:nvSpPr>
-          <p:cNvPr id="6" name="TextBox 5">
-            <a:extLst>
-              <a:ext uri="{FF2B5EF4-FFF2-40B4-BE49-F238E27FC236}">
-                <a16:creationId xmlns:a16="http://schemas.microsoft.com/office/drawing/2014/main" id="{FEB36151-B0A5-4861-8411-DEBFEBF2FDE3}"/>
-              </a:ext>
-            </a:extLst>
-          </p:cNvPr>
-          <p:cNvSpPr txBox="1"/>
-          <p:nvPr/>
-        </p:nvSpPr>
-        <p:spPr>
-          <a:xfrm>
-            <a:off x="310086" y="3463450"/>
-            <a:ext cx="5472407" cy="1815882"/>
-          </a:xfrm>
-          <a:prstGeom prst="rect">
-            <a:avLst/>
-          </a:prstGeom>
-          <a:noFill/>
-        </p:spPr>
-        <p:txBody>
-          <a:bodyPr wrap="square" rtlCol="0">
-            <a:spAutoFit/>
-          </a:bodyPr>
-          <a:lstStyle/>
-          <a:p>
-            <a:r>
-              <a:rPr lang="en-US" altLang="ko-KR" sz="2800" dirty="0">
-                <a:solidFill>
-                  <a:schemeClr val="accent6"/>
-                </a:solidFill>
-              </a:rPr>
-              <a:t>interface </a:t>
-            </a:r>
-            <a:r>
-              <a:rPr lang="en-US" altLang="ko-KR" sz="2800" dirty="0" err="1">
-                <a:solidFill>
-                  <a:schemeClr val="accent6">
-                    <a:lumMod val="50000"/>
-                  </a:schemeClr>
-                </a:solidFill>
-              </a:rPr>
-              <a:t>iFourLeggedWalker</a:t>
-            </a:r>
-            <a:endParaRPr lang="en-US" altLang="ko-KR" sz="2800" dirty="0">
-              <a:solidFill>
-                <a:schemeClr val="accent6">
-                  <a:lumMod val="50000"/>
-                </a:schemeClr>
-              </a:solidFill>
-            </a:endParaRPr>
-          </a:p>
-          <a:p>
-            <a:r>
-              <a:rPr lang="en-US" altLang="ko-KR" sz="2800" dirty="0"/>
-              <a:t>{</a:t>
-            </a:r>
-          </a:p>
-          <a:p>
-            <a:r>
-              <a:rPr lang="en-US" altLang="ko-KR" sz="2800" dirty="0"/>
-              <a:t>	void </a:t>
-            </a:r>
-            <a:r>
-              <a:rPr lang="ko-KR" altLang="en-US" sz="2800" dirty="0"/>
-              <a:t>사족보행</a:t>
-            </a:r>
-            <a:r>
-              <a:rPr lang="en-US" altLang="ko-KR" sz="2800" dirty="0"/>
-              <a:t>();</a:t>
-            </a:r>
-            <a:br>
-              <a:rPr lang="en-US" altLang="ko-KR" sz="2800" dirty="0"/>
-            </a:br>
-            <a:r>
-              <a:rPr lang="en-US" altLang="ko-KR" sz="2800" dirty="0"/>
-              <a:t>}</a:t>
-            </a:r>
-            <a:endParaRPr lang="ko-KR" altLang="en-US" sz="2800" dirty="0"/>
-          </a:p>
-        </p:txBody>
-      </p:sp>
+      </p:pic>
     </p:spTree>
     <p:extLst>
       <p:ext uri="{BB962C8B-B14F-4D97-AF65-F5344CB8AC3E}">
-        <p14:creationId xmlns:p14="http://schemas.microsoft.com/office/powerpoint/2010/main" val="896361730"/>
+        <p14:creationId xmlns:p14="http://schemas.microsoft.com/office/powerpoint/2010/main" val="1464380657"/>
       </p:ext>
     </p:extLst>
   </p:cSld>
   <p:clrMapOvr>
     <a:masterClrMapping/>
   </p:clrMapOvr>
-  <p:timing>
-    <p:tnLst>
-      <p:par>
-        <p:cTn id="1" dur="indefinite" restart="never" nodeType="tmRoot">
-          <p:childTnLst>
-            <p:seq concurrent="1" nextAc="seek">
-              <p:cTn id="2" dur="indefinite" nodeType="mainSeq">
-                <p:childTnLst>
-                  <p:par>
-                    <p:cTn id="3" fill="hold">
-                      <p:stCondLst>
-                        <p:cond delay="indefinite"/>
-                      </p:stCondLst>
-                      <p:childTnLst>
-                        <p:par>
-                          <p:cTn id="4" fill="hold">
-                            <p:stCondLst>
-                              <p:cond delay="0"/>
-                            </p:stCondLst>
-                            <p:childTnLst>
-                              <p:par>
-                                <p:cTn id="5" presetID="10" presetClass="entr" presetSubtype="0" fill="hold" grpId="0" nodeType="clickEffect">
-                                  <p:stCondLst>
-                                    <p:cond delay="0"/>
-                                  </p:stCondLst>
-                                  <p:childTnLst>
-                                    <p:set>
-                                      <p:cBhvr>
-                                        <p:cTn id="6" dur="1" fill="hold">
-                                          <p:stCondLst>
-                                            <p:cond delay="0"/>
-                                          </p:stCondLst>
-                                        </p:cTn>
-                                        <p:tgtEl>
-                                          <p:spTgt spid="9"/>
-                                        </p:tgtEl>
-                                        <p:attrNameLst>
-                                          <p:attrName>style.visibility</p:attrName>
-                                        </p:attrNameLst>
-                                      </p:cBhvr>
-                                      <p:to>
-                                        <p:strVal val="visible"/>
-                                      </p:to>
-                                    </p:set>
-                                    <p:animEffect transition="in" filter="fade">
-                                      <p:cBhvr>
-                                        <p:cTn id="7" dur="500"/>
-                                        <p:tgtEl>
-                                          <p:spTgt spid="9"/>
-                                        </p:tgtEl>
-                                      </p:cBhvr>
-                                    </p:animEffect>
-                                  </p:childTnLst>
-                                </p:cTn>
-                              </p:par>
-                              <p:par>
-                                <p:cTn id="8" presetID="10" presetClass="entr" presetSubtype="0" fill="hold" grpId="0" nodeType="withEffect">
-                                  <p:stCondLst>
-                                    <p:cond delay="0"/>
-                                  </p:stCondLst>
-                                  <p:childTnLst>
-                                    <p:set>
-                                      <p:cBhvr>
-                                        <p:cTn id="9" dur="1" fill="hold">
-                                          <p:stCondLst>
-                                            <p:cond delay="0"/>
-                                          </p:stCondLst>
-                                        </p:cTn>
-                                        <p:tgtEl>
-                                          <p:spTgt spid="10"/>
-                                        </p:tgtEl>
-                                        <p:attrNameLst>
-                                          <p:attrName>style.visibility</p:attrName>
-                                        </p:attrNameLst>
-                                      </p:cBhvr>
-                                      <p:to>
-                                        <p:strVal val="visible"/>
-                                      </p:to>
-                                    </p:set>
-                                    <p:animEffect transition="in" filter="fade">
-                                      <p:cBhvr>
-                                        <p:cTn id="10" dur="500"/>
-                                        <p:tgtEl>
-                                          <p:spTgt spid="10"/>
-                                        </p:tgtEl>
-                                      </p:cBhvr>
-                                    </p:animEffect>
-                                  </p:childTnLst>
-                                </p:cTn>
-                              </p:par>
-                            </p:childTnLst>
-                          </p:cTn>
-                        </p:par>
-                      </p:childTnLst>
-                    </p:cTn>
-                  </p:par>
-                </p:childTnLst>
-              </p:cTn>
-              <p:prevCondLst>
-                <p:cond evt="onPrev" delay="0">
-                  <p:tgtEl>
-                    <p:sldTgt/>
-                  </p:tgtEl>
-                </p:cond>
-              </p:prevCondLst>
-              <p:nextCondLst>
-                <p:cond evt="onNext" delay="0">
-                  <p:tgtEl>
-                    <p:sldTgt/>
-                  </p:tgtEl>
-                </p:cond>
-              </p:nextCondLst>
-            </p:seq>
-          </p:childTnLst>
-        </p:cTn>
-      </p:par>
-    </p:tnLst>
-    <p:bldLst>
-      <p:bldP spid="9" grpId="0"/>
-      <p:bldP spid="10" grpId="0"/>
-    </p:bldLst>
-  </p:timing>
 </p:sld>
 </file>
 
@@ -19960,10 +17757,38 @@
       </p:grpSpPr>
       <p:sp>
         <p:nvSpPr>
+          <p:cNvPr id="2" name="내용 개체 틀 1">
+            <a:extLst>
+              <a:ext uri="{FF2B5EF4-FFF2-40B4-BE49-F238E27FC236}">
+                <a16:creationId xmlns:a16="http://schemas.microsoft.com/office/drawing/2014/main" id="{2DE25E26-4D9E-46EA-A42D-5B2FD683B484}"/>
+              </a:ext>
+            </a:extLst>
+          </p:cNvPr>
+          <p:cNvSpPr>
+            <a:spLocks noGrp="1"/>
+          </p:cNvSpPr>
+          <p:nvPr>
+            <p:ph idx="1"/>
+          </p:nvPr>
+        </p:nvSpPr>
+        <p:spPr/>
+        <p:txBody>
+          <a:bodyPr/>
+          <a:lstStyle/>
+          <a:p>
+            <a:r>
+              <a:rPr lang="nn-NO" altLang="ko-KR" dirty="0"/>
+              <a:t>for(; ; i++) { ~ }</a:t>
+            </a:r>
+          </a:p>
+        </p:txBody>
+      </p:sp>
+      <p:sp>
+        <p:nvSpPr>
           <p:cNvPr id="3" name="내용 개체 틀 2">
             <a:extLst>
               <a:ext uri="{FF2B5EF4-FFF2-40B4-BE49-F238E27FC236}">
-                <a16:creationId xmlns:a16="http://schemas.microsoft.com/office/drawing/2014/main" id="{9E2F3BA4-73F0-4A35-8495-D65C2FA05FC5}"/>
+                <a16:creationId xmlns:a16="http://schemas.microsoft.com/office/drawing/2014/main" id="{3388B577-7938-4657-936A-8651B058882B}"/>
               </a:ext>
             </a:extLst>
           </p:cNvPr>
@@ -19980,54 +17805,59 @@
           <a:lstStyle/>
           <a:p>
             <a:r>
+              <a:rPr lang="en-US" altLang="ko-KR" dirty="0"/>
+              <a:t>C# </a:t>
+            </a:r>
+            <a:r>
+              <a:rPr lang="ko-KR" altLang="en-US" dirty="0"/>
+              <a:t>이론 </a:t>
+            </a:r>
+            <a:r>
+              <a:rPr lang="en-US" altLang="ko-KR" dirty="0"/>
+              <a:t>- </a:t>
+            </a:r>
+            <a:r>
               <a:rPr lang="ko-KR" altLang="en-US" dirty="0" err="1"/>
-              <a:t>쉬어가기</a:t>
+              <a:t>반복문</a:t>
             </a:r>
             <a:endParaRPr lang="ko-KR" altLang="en-US" dirty="0"/>
           </a:p>
         </p:txBody>
       </p:sp>
-      <p:sp>
-        <p:nvSpPr>
-          <p:cNvPr id="4" name="TextBox 3">
-            <a:extLst>
-              <a:ext uri="{FF2B5EF4-FFF2-40B4-BE49-F238E27FC236}">
-                <a16:creationId xmlns:a16="http://schemas.microsoft.com/office/drawing/2014/main" id="{E3AA79A3-D36E-41DF-8BC0-7878178435A3}"/>
-              </a:ext>
-            </a:extLst>
-          </p:cNvPr>
-          <p:cNvSpPr txBox="1"/>
+      <p:pic>
+        <p:nvPicPr>
+          <p:cNvPr id="6" name="그림 5">
+            <a:extLst>
+              <a:ext uri="{FF2B5EF4-FFF2-40B4-BE49-F238E27FC236}">
+                <a16:creationId xmlns:a16="http://schemas.microsoft.com/office/drawing/2014/main" id="{81452DFD-1254-49CE-BE92-A3987C021390}"/>
+              </a:ext>
+            </a:extLst>
+          </p:cNvPr>
+          <p:cNvPicPr>
+            <a:picLocks noChangeAspect="1"/>
+          </p:cNvPicPr>
           <p:nvPr/>
-        </p:nvSpPr>
+        </p:nvPicPr>
+        <p:blipFill>
+          <a:blip r:embed="rId2"/>
+          <a:stretch>
+            <a:fillRect/>
+          </a:stretch>
+        </p:blipFill>
         <p:spPr>
           <a:xfrm>
-            <a:off x="5300750" y="2921168"/>
-            <a:ext cx="1590500" cy="1015663"/>
+            <a:off x="1292492" y="1800330"/>
+            <a:ext cx="8611904" cy="4283229"/>
           </a:xfrm>
           <a:prstGeom prst="rect">
             <a:avLst/>
           </a:prstGeom>
-          <a:noFill/>
         </p:spPr>
-        <p:txBody>
-          <a:bodyPr wrap="none" rtlCol="0">
-            <a:spAutoFit/>
-          </a:bodyPr>
-          <a:lstStyle/>
-          <a:p>
-            <a:pPr algn="ctr"/>
-            <a:r>
-              <a:rPr lang="en-US" altLang="ko-KR" sz="6000" dirty="0"/>
-              <a:t>Q/A</a:t>
-            </a:r>
-            <a:endParaRPr lang="ko-KR" altLang="en-US" sz="6000" dirty="0"/>
-          </a:p>
-        </p:txBody>
-      </p:sp>
+      </p:pic>
     </p:spTree>
     <p:extLst>
       <p:ext uri="{BB962C8B-B14F-4D97-AF65-F5344CB8AC3E}">
-        <p14:creationId xmlns:p14="http://schemas.microsoft.com/office/powerpoint/2010/main" val="1018418997"/>
+        <p14:creationId xmlns:p14="http://schemas.microsoft.com/office/powerpoint/2010/main" val="398460513"/>
       </p:ext>
     </p:extLst>
   </p:cSld>
@@ -20075,192 +17905,9 @@
           <a:bodyPr/>
           <a:lstStyle/>
           <a:p>
-            <a:endParaRPr lang="en-US" altLang="ko-KR" dirty="0"/>
-          </a:p>
-          <a:p>
-            <a:endParaRPr lang="en-US" altLang="ko-KR" dirty="0"/>
-          </a:p>
-          <a:p>
-            <a:r>
-              <a:rPr lang="ko-KR" altLang="en-US" dirty="0" err="1"/>
-              <a:t>조건문</a:t>
-            </a:r>
-            <a:endParaRPr lang="en-US" altLang="ko-KR" dirty="0"/>
-          </a:p>
-          <a:p>
-            <a:pPr lvl="1"/>
-            <a:r>
-              <a:rPr lang="ko-KR" altLang="en-US" dirty="0"/>
-              <a:t>말 그대로 조건을 따지는 구문 </a:t>
-            </a:r>
-            <a:r>
-              <a:rPr lang="en-US" altLang="ko-KR" dirty="0"/>
-              <a:t>(</a:t>
-            </a:r>
-            <a:r>
-              <a:rPr lang="ko-KR" altLang="en-US" dirty="0"/>
-              <a:t>영역</a:t>
-            </a:r>
-            <a:r>
-              <a:rPr lang="en-US" altLang="ko-KR" dirty="0"/>
-              <a:t>)</a:t>
-            </a:r>
-          </a:p>
-          <a:p>
-            <a:pPr lvl="2"/>
-            <a:r>
-              <a:rPr lang="en-US" altLang="ko-KR" dirty="0"/>
-              <a:t>if (</a:t>
-            </a:r>
-            <a:r>
-              <a:rPr lang="ko-KR" altLang="en-US" dirty="0"/>
-              <a:t>조건</a:t>
-            </a:r>
-            <a:r>
-              <a:rPr lang="en-US" altLang="ko-KR" dirty="0"/>
-              <a:t>) { ~ }</a:t>
-            </a:r>
-          </a:p>
-          <a:p>
-            <a:pPr lvl="2"/>
-            <a:r>
-              <a:rPr lang="en-US" altLang="ko-KR" dirty="0"/>
-              <a:t>if(</a:t>
-            </a:r>
-            <a:r>
-              <a:rPr lang="ko-KR" altLang="en-US" dirty="0"/>
-              <a:t>조건</a:t>
-            </a:r>
-            <a:r>
-              <a:rPr lang="en-US" altLang="ko-KR" dirty="0"/>
-              <a:t>) { ~ } , else if(</a:t>
-            </a:r>
-            <a:r>
-              <a:rPr lang="ko-KR" altLang="en-US" dirty="0"/>
-              <a:t>조건</a:t>
-            </a:r>
-            <a:r>
-              <a:rPr lang="en-US" altLang="ko-KR" dirty="0"/>
-              <a:t>) { ~ }, else</a:t>
-            </a:r>
-            <a:r>
-              <a:rPr lang="ko-KR" altLang="en-US" dirty="0"/>
-              <a:t> </a:t>
-            </a:r>
-            <a:r>
-              <a:rPr lang="en-US" altLang="ko-KR" dirty="0"/>
-              <a:t>{</a:t>
-            </a:r>
-            <a:r>
-              <a:rPr lang="ko-KR" altLang="en-US" dirty="0"/>
-              <a:t> </a:t>
-            </a:r>
-            <a:r>
-              <a:rPr lang="en-US" altLang="ko-KR" dirty="0"/>
-              <a:t>}</a:t>
-            </a:r>
-          </a:p>
-          <a:p>
-            <a:r>
-              <a:rPr lang="ko-KR" altLang="en-US" dirty="0" err="1"/>
-              <a:t>반복문</a:t>
-            </a:r>
-            <a:endParaRPr lang="en-US" altLang="ko-KR" dirty="0"/>
-          </a:p>
-          <a:p>
-            <a:pPr lvl="1"/>
-            <a:r>
-              <a:rPr lang="ko-KR" altLang="en-US" dirty="0"/>
-              <a:t>말 그대로 반복해주는 구문</a:t>
-            </a:r>
-            <a:endParaRPr lang="en-US" altLang="ko-KR" dirty="0"/>
-          </a:p>
-          <a:p>
-            <a:pPr lvl="2"/>
-            <a:r>
-              <a:rPr lang="en-US" altLang="ko-KR" dirty="0"/>
-              <a:t>while(</a:t>
-            </a:r>
-            <a:r>
-              <a:rPr lang="ko-KR" altLang="en-US" dirty="0"/>
-              <a:t>조건</a:t>
-            </a:r>
-            <a:r>
-              <a:rPr lang="en-US" altLang="ko-KR" dirty="0"/>
-              <a:t>) { ~ } </a:t>
-            </a:r>
-          </a:p>
-          <a:p>
-            <a:pPr lvl="2"/>
-            <a:r>
-              <a:rPr lang="en-US" altLang="ko-KR" dirty="0"/>
-              <a:t>for(int </a:t>
-            </a:r>
-            <a:r>
-              <a:rPr lang="en-US" altLang="ko-KR" dirty="0" err="1"/>
-              <a:t>i</a:t>
-            </a:r>
-            <a:r>
-              <a:rPr lang="en-US" altLang="ko-KR" dirty="0"/>
-              <a:t> = 0; </a:t>
-            </a:r>
-            <a:r>
-              <a:rPr lang="en-US" altLang="ko-KR" dirty="0" err="1"/>
-              <a:t>i</a:t>
-            </a:r>
-            <a:r>
-              <a:rPr lang="en-US" altLang="ko-KR" dirty="0"/>
-              <a:t> &lt; 10; </a:t>
-            </a:r>
-            <a:r>
-              <a:rPr lang="en-US" altLang="ko-KR" dirty="0" err="1"/>
-              <a:t>i</a:t>
-            </a:r>
-            <a:r>
-              <a:rPr lang="en-US" altLang="ko-KR" dirty="0"/>
-              <a:t>++) { ~ }</a:t>
-            </a:r>
-          </a:p>
-          <a:p>
-            <a:pPr lvl="2"/>
-            <a:r>
-              <a:rPr lang="en-US" altLang="ko-KR" dirty="0"/>
-              <a:t>do{ ~ } while(</a:t>
-            </a:r>
-            <a:r>
-              <a:rPr lang="ko-KR" altLang="en-US" dirty="0"/>
-              <a:t>조건</a:t>
-            </a:r>
-            <a:r>
-              <a:rPr lang="en-US" altLang="ko-KR" dirty="0"/>
-              <a:t>)</a:t>
-            </a:r>
-          </a:p>
-          <a:p>
-            <a:pPr lvl="2"/>
-            <a:r>
-              <a:rPr lang="en-US" altLang="ko-KR" dirty="0"/>
-              <a:t>foreach // </a:t>
-            </a:r>
-            <a:r>
-              <a:rPr lang="ko-KR" altLang="en-US" dirty="0"/>
-              <a:t>배열안에 요소 하나하나 불러와 구문실행 </a:t>
-            </a:r>
-            <a:r>
-              <a:rPr lang="en-US" altLang="ko-KR" dirty="0"/>
-              <a:t>-&gt; </a:t>
-            </a:r>
-            <a:r>
-              <a:rPr lang="ko-KR" altLang="en-US" dirty="0"/>
-              <a:t>배열</a:t>
-            </a:r>
-            <a:r>
-              <a:rPr lang="en-US" altLang="ko-KR" dirty="0"/>
-              <a:t> </a:t>
-            </a:r>
-            <a:r>
-              <a:rPr lang="ko-KR" altLang="en-US" dirty="0"/>
-              <a:t>파트에서 설명</a:t>
+            <a:r>
+              <a:rPr lang="nn-NO" altLang="ko-KR" dirty="0"/>
+              <a:t>for(; ; ) { ~ }</a:t>
             </a:r>
           </a:p>
         </p:txBody>
@@ -20296,20 +17943,2758 @@
             </a:r>
             <a:r>
               <a:rPr lang="en-US" altLang="ko-KR" dirty="0"/>
-              <a:t>– </a:t>
+              <a:t>- </a:t>
             </a:r>
             <a:r>
               <a:rPr lang="ko-KR" altLang="en-US" dirty="0" err="1"/>
-              <a:t>조건문</a:t>
+              <a:t>반복문</a:t>
             </a:r>
             <a:endParaRPr lang="ko-KR" altLang="en-US" dirty="0"/>
+          </a:p>
+        </p:txBody>
+      </p:sp>
+      <p:pic>
+        <p:nvPicPr>
+          <p:cNvPr id="4" name="그림 3">
+            <a:extLst>
+              <a:ext uri="{FF2B5EF4-FFF2-40B4-BE49-F238E27FC236}">
+                <a16:creationId xmlns:a16="http://schemas.microsoft.com/office/drawing/2014/main" id="{15B53A5E-4F01-4EF0-8965-69E13A74BB28}"/>
+              </a:ext>
+            </a:extLst>
+          </p:cNvPr>
+          <p:cNvPicPr>
+            <a:picLocks noChangeAspect="1"/>
+          </p:cNvPicPr>
+          <p:nvPr/>
+        </p:nvPicPr>
+        <p:blipFill>
+          <a:blip r:embed="rId2"/>
+          <a:stretch>
+            <a:fillRect/>
+          </a:stretch>
+        </p:blipFill>
+        <p:spPr>
+          <a:xfrm>
+            <a:off x="1037372" y="2033888"/>
+            <a:ext cx="9945053" cy="3928099"/>
+          </a:xfrm>
+          <a:prstGeom prst="rect">
+            <a:avLst/>
+          </a:prstGeom>
+        </p:spPr>
+      </p:pic>
+    </p:spTree>
+    <p:extLst>
+      <p:ext uri="{BB962C8B-B14F-4D97-AF65-F5344CB8AC3E}">
+        <p14:creationId xmlns:p14="http://schemas.microsoft.com/office/powerpoint/2010/main" val="4042038907"/>
+      </p:ext>
+    </p:extLst>
+  </p:cSld>
+  <p:clrMapOvr>
+    <a:masterClrMapping/>
+  </p:clrMapOvr>
+</p:sld>
+</file>
+
+<file path=ppt/slides/slide42.xml><?xml version="1.0" encoding="utf-8"?>
+<p:sld xmlns:a="http://schemas.openxmlformats.org/drawingml/2006/main" xmlns:r="http://schemas.openxmlformats.org/officeDocument/2006/relationships" xmlns:p="http://schemas.openxmlformats.org/presentationml/2006/main">
+  <p:cSld>
+    <p:spTree>
+      <p:nvGrpSpPr>
+        <p:cNvPr id="1" name=""/>
+        <p:cNvGrpSpPr/>
+        <p:nvPr/>
+      </p:nvGrpSpPr>
+      <p:grpSpPr>
+        <a:xfrm>
+          <a:off x="0" y="0"/>
+          <a:ext cx="0" cy="0"/>
+          <a:chOff x="0" y="0"/>
+          <a:chExt cx="0" cy="0"/>
+        </a:xfrm>
+      </p:grpSpPr>
+      <p:sp>
+        <p:nvSpPr>
+          <p:cNvPr id="3" name="내용 개체 틀 2">
+            <a:extLst>
+              <a:ext uri="{FF2B5EF4-FFF2-40B4-BE49-F238E27FC236}">
+                <a16:creationId xmlns:a16="http://schemas.microsoft.com/office/drawing/2014/main" id="{9E2F3BA4-73F0-4A35-8495-D65C2FA05FC5}"/>
+              </a:ext>
+            </a:extLst>
+          </p:cNvPr>
+          <p:cNvSpPr>
+            <a:spLocks noGrp="1"/>
+          </p:cNvSpPr>
+          <p:nvPr>
+            <p:ph sz="quarter" idx="13"/>
+          </p:nvPr>
+        </p:nvSpPr>
+        <p:spPr/>
+        <p:txBody>
+          <a:bodyPr/>
+          <a:lstStyle/>
+          <a:p>
+            <a:r>
+              <a:rPr lang="ko-KR" altLang="en-US" dirty="0" err="1"/>
+              <a:t>쉬어가기</a:t>
+            </a:r>
+            <a:endParaRPr lang="ko-KR" altLang="en-US" dirty="0"/>
+          </a:p>
+        </p:txBody>
+      </p:sp>
+      <p:sp>
+        <p:nvSpPr>
+          <p:cNvPr id="4" name="TextBox 3">
+            <a:extLst>
+              <a:ext uri="{FF2B5EF4-FFF2-40B4-BE49-F238E27FC236}">
+                <a16:creationId xmlns:a16="http://schemas.microsoft.com/office/drawing/2014/main" id="{E3AA79A3-D36E-41DF-8BC0-7878178435A3}"/>
+              </a:ext>
+            </a:extLst>
+          </p:cNvPr>
+          <p:cNvSpPr txBox="1"/>
+          <p:nvPr/>
+        </p:nvSpPr>
+        <p:spPr>
+          <a:xfrm>
+            <a:off x="5300750" y="2921168"/>
+            <a:ext cx="1590500" cy="1015663"/>
+          </a:xfrm>
+          <a:prstGeom prst="rect">
+            <a:avLst/>
+          </a:prstGeom>
+          <a:noFill/>
+        </p:spPr>
+        <p:txBody>
+          <a:bodyPr wrap="none" rtlCol="0">
+            <a:spAutoFit/>
+          </a:bodyPr>
+          <a:lstStyle/>
+          <a:p>
+            <a:pPr algn="ctr"/>
+            <a:r>
+              <a:rPr lang="en-US" altLang="ko-KR" sz="6000" dirty="0"/>
+              <a:t>Q/A</a:t>
+            </a:r>
+            <a:endParaRPr lang="ko-KR" altLang="en-US" sz="6000" dirty="0"/>
           </a:p>
         </p:txBody>
       </p:sp>
     </p:spTree>
     <p:extLst>
       <p:ext uri="{BB962C8B-B14F-4D97-AF65-F5344CB8AC3E}">
-        <p14:creationId xmlns:p14="http://schemas.microsoft.com/office/powerpoint/2010/main" val="1774876439"/>
+        <p14:creationId xmlns:p14="http://schemas.microsoft.com/office/powerpoint/2010/main" val="2457062840"/>
+      </p:ext>
+    </p:extLst>
+  </p:cSld>
+  <p:clrMapOvr>
+    <a:masterClrMapping/>
+  </p:clrMapOvr>
+</p:sld>
+</file>
+
+<file path=ppt/slides/slide43.xml><?xml version="1.0" encoding="utf-8"?>
+<p:sld xmlns:a="http://schemas.openxmlformats.org/drawingml/2006/main" xmlns:r="http://schemas.openxmlformats.org/officeDocument/2006/relationships" xmlns:p="http://schemas.openxmlformats.org/presentationml/2006/main">
+  <p:cSld>
+    <p:spTree>
+      <p:nvGrpSpPr>
+        <p:cNvPr id="1" name=""/>
+        <p:cNvGrpSpPr/>
+        <p:nvPr/>
+      </p:nvGrpSpPr>
+      <p:grpSpPr>
+        <a:xfrm>
+          <a:off x="0" y="0"/>
+          <a:ext cx="0" cy="0"/>
+          <a:chOff x="0" y="0"/>
+          <a:chExt cx="0" cy="0"/>
+        </a:xfrm>
+      </p:grpSpPr>
+      <p:sp>
+        <p:nvSpPr>
+          <p:cNvPr id="2" name="내용 개체 틀 1">
+            <a:extLst>
+              <a:ext uri="{FF2B5EF4-FFF2-40B4-BE49-F238E27FC236}">
+                <a16:creationId xmlns:a16="http://schemas.microsoft.com/office/drawing/2014/main" id="{0D421488-2A70-469F-8A22-F14364D6418D}"/>
+              </a:ext>
+            </a:extLst>
+          </p:cNvPr>
+          <p:cNvSpPr>
+            <a:spLocks noGrp="1"/>
+          </p:cNvSpPr>
+          <p:nvPr>
+            <p:ph idx="1"/>
+          </p:nvPr>
+        </p:nvSpPr>
+        <p:spPr>
+          <a:xfrm>
+            <a:off x="401215" y="1253331"/>
+            <a:ext cx="11398451" cy="4830228"/>
+          </a:xfrm>
+        </p:spPr>
+        <p:txBody>
+          <a:bodyPr/>
+          <a:lstStyle/>
+          <a:p>
+            <a:r>
+              <a:rPr lang="en-US" altLang="ko-KR" dirty="0"/>
+              <a:t>class </a:t>
+            </a:r>
+            <a:r>
+              <a:rPr lang="ko-KR" altLang="en-US" dirty="0"/>
+              <a:t>상속</a:t>
+            </a:r>
+            <a:endParaRPr lang="en-US" altLang="ko-KR" dirty="0"/>
+          </a:p>
+          <a:p>
+            <a:pPr lvl="1"/>
+            <a:r>
+              <a:rPr lang="en-US" altLang="ko-KR" dirty="0"/>
+              <a:t>class</a:t>
+            </a:r>
+            <a:r>
+              <a:rPr lang="ko-KR" altLang="en-US" dirty="0"/>
+              <a:t>를 물려받는다</a:t>
+            </a:r>
+            <a:r>
+              <a:rPr lang="en-US" altLang="ko-KR" dirty="0"/>
+              <a:t>. </a:t>
+            </a:r>
+            <a:r>
+              <a:rPr lang="ko-KR" altLang="en-US" dirty="0"/>
+              <a:t>상속받는다</a:t>
+            </a:r>
+            <a:r>
+              <a:rPr lang="en-US" altLang="ko-KR" dirty="0"/>
+              <a:t>.</a:t>
+            </a:r>
+            <a:endParaRPr lang="ko-KR" altLang="en-US" dirty="0"/>
+          </a:p>
+        </p:txBody>
+      </p:sp>
+      <p:sp>
+        <p:nvSpPr>
+          <p:cNvPr id="3" name="내용 개체 틀 2">
+            <a:extLst>
+              <a:ext uri="{FF2B5EF4-FFF2-40B4-BE49-F238E27FC236}">
+                <a16:creationId xmlns:a16="http://schemas.microsoft.com/office/drawing/2014/main" id="{23052C98-3129-49A5-9830-E895D5E349FF}"/>
+              </a:ext>
+            </a:extLst>
+          </p:cNvPr>
+          <p:cNvSpPr>
+            <a:spLocks noGrp="1"/>
+          </p:cNvSpPr>
+          <p:nvPr>
+            <p:ph sz="quarter" idx="13"/>
+          </p:nvPr>
+        </p:nvSpPr>
+        <p:spPr/>
+        <p:txBody>
+          <a:bodyPr/>
+          <a:lstStyle/>
+          <a:p>
+            <a:r>
+              <a:rPr lang="en-US" altLang="ko-KR" dirty="0"/>
+              <a:t>C# </a:t>
+            </a:r>
+            <a:r>
+              <a:rPr lang="ko-KR" altLang="en-US" dirty="0"/>
+              <a:t>이론 </a:t>
+            </a:r>
+            <a:r>
+              <a:rPr lang="en-US" altLang="ko-KR" dirty="0"/>
+              <a:t>– class </a:t>
+            </a:r>
+            <a:r>
+              <a:rPr lang="ko-KR" altLang="en-US" dirty="0"/>
+              <a:t>상속</a:t>
+            </a:r>
+          </a:p>
+        </p:txBody>
+      </p:sp>
+      <p:sp>
+        <p:nvSpPr>
+          <p:cNvPr id="4" name="TextBox 3">
+            <a:extLst>
+              <a:ext uri="{FF2B5EF4-FFF2-40B4-BE49-F238E27FC236}">
+                <a16:creationId xmlns:a16="http://schemas.microsoft.com/office/drawing/2014/main" id="{B1748130-8A02-4B20-8AC1-F043AB6D56BD}"/>
+              </a:ext>
+            </a:extLst>
+          </p:cNvPr>
+          <p:cNvSpPr txBox="1"/>
+          <p:nvPr/>
+        </p:nvSpPr>
+        <p:spPr>
+          <a:xfrm>
+            <a:off x="401215" y="1857676"/>
+            <a:ext cx="4723928" cy="4377040"/>
+          </a:xfrm>
+          <a:prstGeom prst="rect">
+            <a:avLst/>
+          </a:prstGeom>
+          <a:noFill/>
+        </p:spPr>
+        <p:txBody>
+          <a:bodyPr wrap="square" rtlCol="0">
+            <a:spAutoFit/>
+          </a:bodyPr>
+          <a:lstStyle/>
+          <a:p>
+            <a:r>
+              <a:rPr lang="en-US" altLang="ko-KR" sz="2800" dirty="0">
+                <a:solidFill>
+                  <a:schemeClr val="accent6"/>
+                </a:solidFill>
+              </a:rPr>
+              <a:t>class </a:t>
+            </a:r>
+            <a:r>
+              <a:rPr lang="en-US" altLang="ko-KR" sz="2800" dirty="0">
+                <a:solidFill>
+                  <a:schemeClr val="accent1"/>
+                </a:solidFill>
+              </a:rPr>
+              <a:t>Creature  </a:t>
+            </a:r>
+            <a:r>
+              <a:rPr lang="en-US" altLang="ko-KR" sz="2800" dirty="0"/>
+              <a:t>// </a:t>
+            </a:r>
+            <a:r>
+              <a:rPr lang="ko-KR" altLang="en-US" sz="2800" dirty="0"/>
+              <a:t>생물</a:t>
+            </a:r>
+            <a:endParaRPr lang="en-US" altLang="ko-KR" sz="2800" dirty="0"/>
+          </a:p>
+          <a:p>
+            <a:r>
+              <a:rPr lang="en-US" altLang="ko-KR" sz="2800" dirty="0"/>
+              <a:t>{</a:t>
+            </a:r>
+          </a:p>
+          <a:p>
+            <a:r>
+              <a:rPr lang="en-US" altLang="ko-KR" sz="2800" dirty="0"/>
+              <a:t>    </a:t>
+            </a:r>
+            <a:r>
+              <a:rPr lang="en-US" altLang="ko-KR" sz="2800" dirty="0">
+                <a:solidFill>
+                  <a:schemeClr val="accent6"/>
+                </a:solidFill>
+              </a:rPr>
+              <a:t>int </a:t>
+            </a:r>
+            <a:r>
+              <a:rPr lang="en-US" altLang="ko-KR" sz="2800" dirty="0"/>
+              <a:t>lifetime; // </a:t>
+            </a:r>
+            <a:r>
+              <a:rPr lang="ko-KR" altLang="en-US" sz="2800" dirty="0"/>
+              <a:t>수명</a:t>
+            </a:r>
+            <a:endParaRPr lang="en-US" altLang="ko-KR" sz="2800" dirty="0"/>
+          </a:p>
+          <a:p>
+            <a:r>
+              <a:rPr lang="en-US" altLang="ko-KR" sz="2800" dirty="0"/>
+              <a:t>    </a:t>
+            </a:r>
+            <a:r>
+              <a:rPr lang="en-US" altLang="ko-KR" sz="2800" dirty="0">
+                <a:solidFill>
+                  <a:schemeClr val="accent1"/>
+                </a:solidFill>
+              </a:rPr>
+              <a:t>DNA</a:t>
+            </a:r>
+            <a:r>
+              <a:rPr lang="en-US" altLang="ko-KR" sz="2800" dirty="0"/>
+              <a:t> </a:t>
+            </a:r>
+            <a:r>
+              <a:rPr lang="en-US" altLang="ko-KR" sz="2800" dirty="0" err="1"/>
+              <a:t>dna</a:t>
+            </a:r>
+            <a:r>
+              <a:rPr lang="en-US" altLang="ko-KR" sz="2800" dirty="0"/>
+              <a:t>; // DNA</a:t>
+            </a:r>
+            <a:r>
+              <a:rPr lang="ko-KR" altLang="en-US" sz="2800" dirty="0"/>
+              <a:t>객체</a:t>
+            </a:r>
+            <a:endParaRPr lang="en-US" altLang="ko-KR" sz="2800" dirty="0"/>
+          </a:p>
+          <a:p>
+            <a:r>
+              <a:rPr lang="en-US" altLang="ko-KR" sz="2800" dirty="0"/>
+              <a:t>    </a:t>
+            </a:r>
+          </a:p>
+          <a:p>
+            <a:r>
+              <a:rPr lang="en-US" altLang="ko-KR" sz="2800" dirty="0"/>
+              <a:t>    void </a:t>
+            </a:r>
+            <a:r>
+              <a:rPr lang="ko-KR" altLang="en-US" sz="2800" dirty="0"/>
+              <a:t>호흡</a:t>
+            </a:r>
+            <a:r>
+              <a:rPr lang="en-US" altLang="ko-KR" sz="2800" dirty="0"/>
+              <a:t>()</a:t>
+            </a:r>
+          </a:p>
+          <a:p>
+            <a:r>
+              <a:rPr lang="en-US" altLang="ko-KR" sz="2800" dirty="0"/>
+              <a:t>    {</a:t>
+            </a:r>
+          </a:p>
+          <a:p>
+            <a:r>
+              <a:rPr lang="en-US" altLang="ko-KR" sz="2800" dirty="0"/>
+              <a:t>       lifetime = lifetime + 1;</a:t>
+            </a:r>
+          </a:p>
+          <a:p>
+            <a:r>
+              <a:rPr lang="en-US" altLang="ko-KR" sz="2800" dirty="0"/>
+              <a:t>    }</a:t>
+            </a:r>
+            <a:br>
+              <a:rPr lang="en-US" altLang="ko-KR" sz="2800" dirty="0"/>
+            </a:br>
+            <a:r>
+              <a:rPr lang="en-US" altLang="ko-KR" sz="2800" dirty="0"/>
+              <a:t>}</a:t>
+            </a:r>
+            <a:endParaRPr lang="ko-KR" altLang="en-US" sz="2800" dirty="0"/>
+          </a:p>
+        </p:txBody>
+      </p:sp>
+      <p:sp>
+        <p:nvSpPr>
+          <p:cNvPr id="9" name="TextBox 8">
+            <a:extLst>
+              <a:ext uri="{FF2B5EF4-FFF2-40B4-BE49-F238E27FC236}">
+                <a16:creationId xmlns:a16="http://schemas.microsoft.com/office/drawing/2014/main" id="{1E2510F3-2276-47A1-B7AF-D3B79BF98691}"/>
+              </a:ext>
+            </a:extLst>
+          </p:cNvPr>
+          <p:cNvSpPr txBox="1"/>
+          <p:nvPr/>
+        </p:nvSpPr>
+        <p:spPr>
+          <a:xfrm>
+            <a:off x="5726201" y="2000200"/>
+            <a:ext cx="5472407" cy="1815882"/>
+          </a:xfrm>
+          <a:prstGeom prst="rect">
+            <a:avLst/>
+          </a:prstGeom>
+          <a:noFill/>
+        </p:spPr>
+        <p:txBody>
+          <a:bodyPr wrap="square" rtlCol="0">
+            <a:spAutoFit/>
+          </a:bodyPr>
+          <a:lstStyle/>
+          <a:p>
+            <a:r>
+              <a:rPr lang="en-US" altLang="ko-KR" sz="2800" dirty="0">
+                <a:solidFill>
+                  <a:schemeClr val="accent6"/>
+                </a:solidFill>
+              </a:rPr>
+              <a:t>class </a:t>
+            </a:r>
+            <a:r>
+              <a:rPr lang="en-US" altLang="ko-KR" sz="2800" dirty="0">
+                <a:solidFill>
+                  <a:schemeClr val="accent1"/>
+                </a:solidFill>
+              </a:rPr>
+              <a:t>Human </a:t>
+            </a:r>
+            <a:r>
+              <a:rPr lang="en-US" altLang="ko-KR" sz="2800" dirty="0">
+                <a:solidFill>
+                  <a:srgbClr val="C00000"/>
+                </a:solidFill>
+              </a:rPr>
+              <a:t>:</a:t>
+            </a:r>
+            <a:r>
+              <a:rPr lang="en-US" altLang="ko-KR" sz="2800" dirty="0">
+                <a:solidFill>
+                  <a:schemeClr val="accent1"/>
+                </a:solidFill>
+              </a:rPr>
+              <a:t> Creature </a:t>
+            </a:r>
+            <a:r>
+              <a:rPr lang="en-US" altLang="ko-KR" sz="2800" dirty="0"/>
+              <a:t>// </a:t>
+            </a:r>
+            <a:r>
+              <a:rPr lang="ko-KR" altLang="en-US" sz="2800" dirty="0"/>
+              <a:t>사람</a:t>
+            </a:r>
+            <a:endParaRPr lang="en-US" altLang="ko-KR" sz="2800" dirty="0"/>
+          </a:p>
+          <a:p>
+            <a:r>
+              <a:rPr lang="en-US" altLang="ko-KR" sz="2800" dirty="0"/>
+              <a:t>{</a:t>
+            </a:r>
+          </a:p>
+          <a:p>
+            <a:r>
+              <a:rPr lang="en-US" altLang="ko-KR" sz="2800" dirty="0"/>
+              <a:t>	</a:t>
+            </a:r>
+            <a:r>
+              <a:rPr lang="en-US" altLang="ko-KR" sz="2800" dirty="0">
+                <a:solidFill>
+                  <a:schemeClr val="accent1"/>
+                </a:solidFill>
+              </a:rPr>
+              <a:t>Language</a:t>
+            </a:r>
+            <a:r>
+              <a:rPr lang="en-US" altLang="ko-KR" sz="2800" dirty="0"/>
+              <a:t> </a:t>
+            </a:r>
+            <a:r>
+              <a:rPr lang="en-US" altLang="ko-KR" sz="2800" dirty="0" err="1"/>
+              <a:t>lang</a:t>
+            </a:r>
+            <a:r>
+              <a:rPr lang="en-US" altLang="ko-KR" sz="2800" dirty="0"/>
+              <a:t>;</a:t>
+            </a:r>
+          </a:p>
+          <a:p>
+            <a:r>
+              <a:rPr lang="en-US" altLang="ko-KR" sz="2800" dirty="0"/>
+              <a:t>}</a:t>
+            </a:r>
+            <a:endParaRPr lang="ko-KR" altLang="en-US" sz="2800" dirty="0"/>
+          </a:p>
+        </p:txBody>
+      </p:sp>
+      <p:sp>
+        <p:nvSpPr>
+          <p:cNvPr id="10" name="TextBox 9">
+            <a:extLst>
+              <a:ext uri="{FF2B5EF4-FFF2-40B4-BE49-F238E27FC236}">
+                <a16:creationId xmlns:a16="http://schemas.microsoft.com/office/drawing/2014/main" id="{F8FE75E7-C3EA-45D4-B74A-68F9E35A89D3}"/>
+              </a:ext>
+            </a:extLst>
+          </p:cNvPr>
+          <p:cNvSpPr txBox="1"/>
+          <p:nvPr/>
+        </p:nvSpPr>
+        <p:spPr>
+          <a:xfrm>
+            <a:off x="5726201" y="4046196"/>
+            <a:ext cx="5472407" cy="1815882"/>
+          </a:xfrm>
+          <a:prstGeom prst="rect">
+            <a:avLst/>
+          </a:prstGeom>
+          <a:noFill/>
+        </p:spPr>
+        <p:txBody>
+          <a:bodyPr wrap="square" rtlCol="0">
+            <a:spAutoFit/>
+          </a:bodyPr>
+          <a:lstStyle/>
+          <a:p>
+            <a:r>
+              <a:rPr lang="en-US" altLang="ko-KR" sz="2800" dirty="0">
+                <a:solidFill>
+                  <a:schemeClr val="accent6"/>
+                </a:solidFill>
+              </a:rPr>
+              <a:t>class </a:t>
+            </a:r>
+            <a:r>
+              <a:rPr lang="en-US" altLang="ko-KR" sz="2800" dirty="0">
+                <a:solidFill>
+                  <a:schemeClr val="accent1"/>
+                </a:solidFill>
+              </a:rPr>
+              <a:t>Animal </a:t>
+            </a:r>
+            <a:r>
+              <a:rPr lang="en-US" altLang="ko-KR" sz="2800" dirty="0">
+                <a:solidFill>
+                  <a:srgbClr val="C00000"/>
+                </a:solidFill>
+              </a:rPr>
+              <a:t>:</a:t>
+            </a:r>
+            <a:r>
+              <a:rPr lang="en-US" altLang="ko-KR" sz="2800" dirty="0">
+                <a:solidFill>
+                  <a:schemeClr val="accent1"/>
+                </a:solidFill>
+              </a:rPr>
+              <a:t> Creature </a:t>
+            </a:r>
+            <a:r>
+              <a:rPr lang="en-US" altLang="ko-KR" sz="2800" dirty="0"/>
+              <a:t>// </a:t>
+            </a:r>
+            <a:r>
+              <a:rPr lang="ko-KR" altLang="en-US" sz="2800" dirty="0"/>
+              <a:t>동물</a:t>
+            </a:r>
+            <a:endParaRPr lang="en-US" altLang="ko-KR" sz="2800" dirty="0"/>
+          </a:p>
+          <a:p>
+            <a:r>
+              <a:rPr lang="en-US" altLang="ko-KR" sz="2800" dirty="0"/>
+              <a:t>{</a:t>
+            </a:r>
+          </a:p>
+          <a:p>
+            <a:r>
+              <a:rPr lang="en-US" altLang="ko-KR" sz="2800" dirty="0"/>
+              <a:t>	</a:t>
+            </a:r>
+            <a:r>
+              <a:rPr lang="en-US" altLang="ko-KR" sz="2800" dirty="0">
+                <a:solidFill>
+                  <a:schemeClr val="accent1"/>
+                </a:solidFill>
+              </a:rPr>
+              <a:t>Roar</a:t>
+            </a:r>
+            <a:r>
+              <a:rPr lang="en-US" altLang="ko-KR" sz="2800" dirty="0"/>
+              <a:t> </a:t>
+            </a:r>
+            <a:r>
+              <a:rPr lang="en-US" altLang="ko-KR" sz="2800" dirty="0" err="1"/>
+              <a:t>roar</a:t>
+            </a:r>
+            <a:r>
+              <a:rPr lang="en-US" altLang="ko-KR" sz="2800" dirty="0"/>
+              <a:t>;</a:t>
+            </a:r>
+          </a:p>
+          <a:p>
+            <a:r>
+              <a:rPr lang="en-US" altLang="ko-KR" sz="2800" dirty="0"/>
+              <a:t>}</a:t>
+            </a:r>
+            <a:endParaRPr lang="ko-KR" altLang="en-US" sz="2800" dirty="0"/>
+          </a:p>
+        </p:txBody>
+      </p:sp>
+    </p:spTree>
+    <p:extLst>
+      <p:ext uri="{BB962C8B-B14F-4D97-AF65-F5344CB8AC3E}">
+        <p14:creationId xmlns:p14="http://schemas.microsoft.com/office/powerpoint/2010/main" val="503248099"/>
+      </p:ext>
+    </p:extLst>
+  </p:cSld>
+  <p:clrMapOvr>
+    <a:masterClrMapping/>
+  </p:clrMapOvr>
+  <p:timing>
+    <p:tnLst>
+      <p:par>
+        <p:cTn id="1" dur="indefinite" restart="never" nodeType="tmRoot">
+          <p:childTnLst>
+            <p:seq concurrent="1" nextAc="seek">
+              <p:cTn id="2" dur="indefinite" nodeType="mainSeq">
+                <p:childTnLst>
+                  <p:par>
+                    <p:cTn id="3" fill="hold">
+                      <p:stCondLst>
+                        <p:cond delay="indefinite"/>
+                      </p:stCondLst>
+                      <p:childTnLst>
+                        <p:par>
+                          <p:cTn id="4" fill="hold">
+                            <p:stCondLst>
+                              <p:cond delay="0"/>
+                            </p:stCondLst>
+                            <p:childTnLst>
+                              <p:par>
+                                <p:cTn id="5" presetID="1" presetClass="entr" presetSubtype="0" fill="hold" grpId="0" nodeType="clickEffect">
+                                  <p:stCondLst>
+                                    <p:cond delay="0"/>
+                                  </p:stCondLst>
+                                  <p:childTnLst>
+                                    <p:set>
+                                      <p:cBhvr>
+                                        <p:cTn id="6" dur="1" fill="hold">
+                                          <p:stCondLst>
+                                            <p:cond delay="0"/>
+                                          </p:stCondLst>
+                                        </p:cTn>
+                                        <p:tgtEl>
+                                          <p:spTgt spid="4"/>
+                                        </p:tgtEl>
+                                        <p:attrNameLst>
+                                          <p:attrName>style.visibility</p:attrName>
+                                        </p:attrNameLst>
+                                      </p:cBhvr>
+                                      <p:to>
+                                        <p:strVal val="visible"/>
+                                      </p:to>
+                                    </p:set>
+                                  </p:childTnLst>
+                                </p:cTn>
+                              </p:par>
+                            </p:childTnLst>
+                          </p:cTn>
+                        </p:par>
+                      </p:childTnLst>
+                    </p:cTn>
+                  </p:par>
+                  <p:par>
+                    <p:cTn id="7" fill="hold">
+                      <p:stCondLst>
+                        <p:cond delay="indefinite"/>
+                      </p:stCondLst>
+                      <p:childTnLst>
+                        <p:par>
+                          <p:cTn id="8" fill="hold">
+                            <p:stCondLst>
+                              <p:cond delay="0"/>
+                            </p:stCondLst>
+                            <p:childTnLst>
+                              <p:par>
+                                <p:cTn id="9" presetID="10" presetClass="entr" presetSubtype="0" fill="hold" grpId="0" nodeType="clickEffect">
+                                  <p:stCondLst>
+                                    <p:cond delay="0"/>
+                                  </p:stCondLst>
+                                  <p:childTnLst>
+                                    <p:set>
+                                      <p:cBhvr>
+                                        <p:cTn id="10" dur="1" fill="hold">
+                                          <p:stCondLst>
+                                            <p:cond delay="0"/>
+                                          </p:stCondLst>
+                                        </p:cTn>
+                                        <p:tgtEl>
+                                          <p:spTgt spid="9"/>
+                                        </p:tgtEl>
+                                        <p:attrNameLst>
+                                          <p:attrName>style.visibility</p:attrName>
+                                        </p:attrNameLst>
+                                      </p:cBhvr>
+                                      <p:to>
+                                        <p:strVal val="visible"/>
+                                      </p:to>
+                                    </p:set>
+                                    <p:animEffect transition="in" filter="fade">
+                                      <p:cBhvr>
+                                        <p:cTn id="11" dur="500"/>
+                                        <p:tgtEl>
+                                          <p:spTgt spid="9"/>
+                                        </p:tgtEl>
+                                      </p:cBhvr>
+                                    </p:animEffect>
+                                  </p:childTnLst>
+                                </p:cTn>
+                              </p:par>
+                              <p:par>
+                                <p:cTn id="12" presetID="10" presetClass="entr" presetSubtype="0" fill="hold" grpId="0" nodeType="withEffect">
+                                  <p:stCondLst>
+                                    <p:cond delay="0"/>
+                                  </p:stCondLst>
+                                  <p:childTnLst>
+                                    <p:set>
+                                      <p:cBhvr>
+                                        <p:cTn id="13" dur="1" fill="hold">
+                                          <p:stCondLst>
+                                            <p:cond delay="0"/>
+                                          </p:stCondLst>
+                                        </p:cTn>
+                                        <p:tgtEl>
+                                          <p:spTgt spid="10"/>
+                                        </p:tgtEl>
+                                        <p:attrNameLst>
+                                          <p:attrName>style.visibility</p:attrName>
+                                        </p:attrNameLst>
+                                      </p:cBhvr>
+                                      <p:to>
+                                        <p:strVal val="visible"/>
+                                      </p:to>
+                                    </p:set>
+                                    <p:animEffect transition="in" filter="fade">
+                                      <p:cBhvr>
+                                        <p:cTn id="14" dur="500"/>
+                                        <p:tgtEl>
+                                          <p:spTgt spid="10"/>
+                                        </p:tgtEl>
+                                      </p:cBhvr>
+                                    </p:animEffect>
+                                  </p:childTnLst>
+                                </p:cTn>
+                              </p:par>
+                            </p:childTnLst>
+                          </p:cTn>
+                        </p:par>
+                      </p:childTnLst>
+                    </p:cTn>
+                  </p:par>
+                </p:childTnLst>
+              </p:cTn>
+              <p:prevCondLst>
+                <p:cond evt="onPrev" delay="0">
+                  <p:tgtEl>
+                    <p:sldTgt/>
+                  </p:tgtEl>
+                </p:cond>
+              </p:prevCondLst>
+              <p:nextCondLst>
+                <p:cond evt="onNext" delay="0">
+                  <p:tgtEl>
+                    <p:sldTgt/>
+                  </p:tgtEl>
+                </p:cond>
+              </p:nextCondLst>
+            </p:seq>
+          </p:childTnLst>
+        </p:cTn>
+      </p:par>
+    </p:tnLst>
+    <p:bldLst>
+      <p:bldP spid="4" grpId="0"/>
+      <p:bldP spid="9" grpId="0"/>
+      <p:bldP spid="10" grpId="0"/>
+    </p:bldLst>
+  </p:timing>
+</p:sld>
+</file>
+
+<file path=ppt/slides/slide44.xml><?xml version="1.0" encoding="utf-8"?>
+<p:sld xmlns:a="http://schemas.openxmlformats.org/drawingml/2006/main" xmlns:r="http://schemas.openxmlformats.org/officeDocument/2006/relationships" xmlns:p="http://schemas.openxmlformats.org/presentationml/2006/main">
+  <p:cSld>
+    <p:spTree>
+      <p:nvGrpSpPr>
+        <p:cNvPr id="1" name=""/>
+        <p:cNvGrpSpPr/>
+        <p:nvPr/>
+      </p:nvGrpSpPr>
+      <p:grpSpPr>
+        <a:xfrm>
+          <a:off x="0" y="0"/>
+          <a:ext cx="0" cy="0"/>
+          <a:chOff x="0" y="0"/>
+          <a:chExt cx="0" cy="0"/>
+        </a:xfrm>
+      </p:grpSpPr>
+      <p:sp>
+        <p:nvSpPr>
+          <p:cNvPr id="3" name="내용 개체 틀 2">
+            <a:extLst>
+              <a:ext uri="{FF2B5EF4-FFF2-40B4-BE49-F238E27FC236}">
+                <a16:creationId xmlns:a16="http://schemas.microsoft.com/office/drawing/2014/main" id="{23052C98-3129-49A5-9830-E895D5E349FF}"/>
+              </a:ext>
+            </a:extLst>
+          </p:cNvPr>
+          <p:cNvSpPr>
+            <a:spLocks noGrp="1"/>
+          </p:cNvSpPr>
+          <p:nvPr>
+            <p:ph sz="quarter" idx="13"/>
+          </p:nvPr>
+        </p:nvSpPr>
+        <p:spPr/>
+        <p:txBody>
+          <a:bodyPr/>
+          <a:lstStyle/>
+          <a:p>
+            <a:r>
+              <a:rPr lang="en-US" altLang="ko-KR" dirty="0"/>
+              <a:t>C# </a:t>
+            </a:r>
+            <a:r>
+              <a:rPr lang="ko-KR" altLang="en-US" dirty="0"/>
+              <a:t>이론 </a:t>
+            </a:r>
+            <a:r>
+              <a:rPr lang="en-US" altLang="ko-KR" dirty="0"/>
+              <a:t>– </a:t>
+            </a:r>
+            <a:r>
+              <a:rPr lang="ko-KR" altLang="en-US" dirty="0"/>
+              <a:t>클래스 다중 상속이 안되는 이유</a:t>
+            </a:r>
+          </a:p>
+        </p:txBody>
+      </p:sp>
+      <p:sp>
+        <p:nvSpPr>
+          <p:cNvPr id="4" name="TextBox 3">
+            <a:extLst>
+              <a:ext uri="{FF2B5EF4-FFF2-40B4-BE49-F238E27FC236}">
+                <a16:creationId xmlns:a16="http://schemas.microsoft.com/office/drawing/2014/main" id="{B1748130-8A02-4B20-8AC1-F043AB6D56BD}"/>
+              </a:ext>
+            </a:extLst>
+          </p:cNvPr>
+          <p:cNvSpPr txBox="1"/>
+          <p:nvPr/>
+        </p:nvSpPr>
+        <p:spPr>
+          <a:xfrm>
+            <a:off x="623593" y="1409390"/>
+            <a:ext cx="5472407" cy="4401205"/>
+          </a:xfrm>
+          <a:prstGeom prst="rect">
+            <a:avLst/>
+          </a:prstGeom>
+          <a:noFill/>
+        </p:spPr>
+        <p:txBody>
+          <a:bodyPr wrap="square" rtlCol="0">
+            <a:spAutoFit/>
+          </a:bodyPr>
+          <a:lstStyle/>
+          <a:p>
+            <a:r>
+              <a:rPr lang="en-US" altLang="ko-KR" sz="2800" dirty="0">
+                <a:solidFill>
+                  <a:schemeClr val="accent6"/>
+                </a:solidFill>
+              </a:rPr>
+              <a:t>class </a:t>
+            </a:r>
+            <a:r>
+              <a:rPr lang="en-US" altLang="ko-KR" sz="2800" dirty="0">
+                <a:solidFill>
+                  <a:schemeClr val="accent1"/>
+                </a:solidFill>
+              </a:rPr>
+              <a:t>Creature  // </a:t>
+            </a:r>
+            <a:r>
+              <a:rPr lang="ko-KR" altLang="en-US" sz="2800" dirty="0">
+                <a:solidFill>
+                  <a:schemeClr val="accent1"/>
+                </a:solidFill>
+              </a:rPr>
+              <a:t>생물</a:t>
+            </a:r>
+            <a:endParaRPr lang="en-US" altLang="ko-KR" sz="2800" dirty="0">
+              <a:solidFill>
+                <a:schemeClr val="accent1"/>
+              </a:solidFill>
+            </a:endParaRPr>
+          </a:p>
+          <a:p>
+            <a:r>
+              <a:rPr lang="en-US" altLang="ko-KR" sz="2800" dirty="0"/>
+              <a:t>{</a:t>
+            </a:r>
+          </a:p>
+          <a:p>
+            <a:r>
+              <a:rPr lang="en-US" altLang="ko-KR" sz="2800" dirty="0"/>
+              <a:t>    int lifetime; // </a:t>
+            </a:r>
+            <a:r>
+              <a:rPr lang="ko-KR" altLang="en-US" sz="2800" dirty="0"/>
+              <a:t>수명</a:t>
+            </a:r>
+            <a:endParaRPr lang="en-US" altLang="ko-KR" sz="2800" dirty="0"/>
+          </a:p>
+          <a:p>
+            <a:r>
+              <a:rPr lang="en-US" altLang="ko-KR" sz="2800" dirty="0"/>
+              <a:t>    </a:t>
+            </a:r>
+            <a:r>
+              <a:rPr lang="en-US" altLang="ko-KR" sz="2800" dirty="0">
+                <a:solidFill>
+                  <a:schemeClr val="accent1"/>
+                </a:solidFill>
+              </a:rPr>
+              <a:t>DNA</a:t>
+            </a:r>
+            <a:r>
+              <a:rPr lang="en-US" altLang="ko-KR" sz="2800" dirty="0"/>
+              <a:t> </a:t>
+            </a:r>
+            <a:r>
+              <a:rPr lang="en-US" altLang="ko-KR" sz="2800" dirty="0" err="1"/>
+              <a:t>dna</a:t>
+            </a:r>
+            <a:r>
+              <a:rPr lang="en-US" altLang="ko-KR" sz="2800" dirty="0"/>
+              <a:t>; // DNA</a:t>
+            </a:r>
+            <a:r>
+              <a:rPr lang="ko-KR" altLang="en-US" sz="2800" dirty="0"/>
+              <a:t>객체</a:t>
+            </a:r>
+            <a:endParaRPr lang="en-US" altLang="ko-KR" sz="2800" dirty="0"/>
+          </a:p>
+          <a:p>
+            <a:r>
+              <a:rPr lang="en-US" altLang="ko-KR" sz="2800" dirty="0"/>
+              <a:t>    </a:t>
+            </a:r>
+          </a:p>
+          <a:p>
+            <a:r>
+              <a:rPr lang="en-US" altLang="ko-KR" sz="2800" dirty="0"/>
+              <a:t>    void </a:t>
+            </a:r>
+            <a:r>
+              <a:rPr lang="ko-KR" altLang="en-US" sz="2800" dirty="0"/>
+              <a:t>호흡</a:t>
+            </a:r>
+            <a:r>
+              <a:rPr lang="en-US" altLang="ko-KR" sz="2800" dirty="0"/>
+              <a:t>()</a:t>
+            </a:r>
+          </a:p>
+          <a:p>
+            <a:r>
+              <a:rPr lang="en-US" altLang="ko-KR" sz="2800" dirty="0"/>
+              <a:t>    {</a:t>
+            </a:r>
+          </a:p>
+          <a:p>
+            <a:r>
+              <a:rPr lang="en-US" altLang="ko-KR" sz="2800" dirty="0"/>
+              <a:t>       lifetime = lifetime + 1;</a:t>
+            </a:r>
+          </a:p>
+          <a:p>
+            <a:r>
+              <a:rPr lang="en-US" altLang="ko-KR" sz="2800" dirty="0"/>
+              <a:t>    }</a:t>
+            </a:r>
+            <a:br>
+              <a:rPr lang="en-US" altLang="ko-KR" sz="2800" dirty="0"/>
+            </a:br>
+            <a:r>
+              <a:rPr lang="en-US" altLang="ko-KR" sz="2800" dirty="0"/>
+              <a:t>}</a:t>
+            </a:r>
+            <a:endParaRPr lang="ko-KR" altLang="en-US" sz="2800" dirty="0"/>
+          </a:p>
+        </p:txBody>
+      </p:sp>
+      <p:sp>
+        <p:nvSpPr>
+          <p:cNvPr id="9" name="TextBox 8">
+            <a:extLst>
+              <a:ext uri="{FF2B5EF4-FFF2-40B4-BE49-F238E27FC236}">
+                <a16:creationId xmlns:a16="http://schemas.microsoft.com/office/drawing/2014/main" id="{1E2510F3-2276-47A1-B7AF-D3B79BF98691}"/>
+              </a:ext>
+            </a:extLst>
+          </p:cNvPr>
+          <p:cNvSpPr txBox="1"/>
+          <p:nvPr/>
+        </p:nvSpPr>
+        <p:spPr>
+          <a:xfrm>
+            <a:off x="6096000" y="1794111"/>
+            <a:ext cx="5472407" cy="1815882"/>
+          </a:xfrm>
+          <a:prstGeom prst="rect">
+            <a:avLst/>
+          </a:prstGeom>
+          <a:noFill/>
+        </p:spPr>
+        <p:txBody>
+          <a:bodyPr wrap="square" rtlCol="0">
+            <a:spAutoFit/>
+          </a:bodyPr>
+          <a:lstStyle/>
+          <a:p>
+            <a:r>
+              <a:rPr lang="en-US" altLang="ko-KR" sz="2800" dirty="0">
+                <a:solidFill>
+                  <a:schemeClr val="accent6"/>
+                </a:solidFill>
+              </a:rPr>
+              <a:t>class </a:t>
+            </a:r>
+            <a:r>
+              <a:rPr lang="en-US" altLang="ko-KR" sz="2800" dirty="0">
+                <a:solidFill>
+                  <a:schemeClr val="accent1"/>
+                </a:solidFill>
+              </a:rPr>
+              <a:t>Human </a:t>
+            </a:r>
+            <a:r>
+              <a:rPr lang="en-US" altLang="ko-KR" sz="2800" dirty="0">
+                <a:solidFill>
+                  <a:srgbClr val="C00000"/>
+                </a:solidFill>
+              </a:rPr>
+              <a:t>:</a:t>
+            </a:r>
+            <a:r>
+              <a:rPr lang="en-US" altLang="ko-KR" sz="2800" dirty="0">
+                <a:solidFill>
+                  <a:schemeClr val="accent1"/>
+                </a:solidFill>
+              </a:rPr>
+              <a:t> Creature // </a:t>
+            </a:r>
+            <a:r>
+              <a:rPr lang="ko-KR" altLang="en-US" sz="2800" dirty="0">
+                <a:solidFill>
+                  <a:schemeClr val="accent1"/>
+                </a:solidFill>
+              </a:rPr>
+              <a:t>사람</a:t>
+            </a:r>
+            <a:endParaRPr lang="en-US" altLang="ko-KR" sz="2800" dirty="0">
+              <a:solidFill>
+                <a:schemeClr val="accent1"/>
+              </a:solidFill>
+            </a:endParaRPr>
+          </a:p>
+          <a:p>
+            <a:r>
+              <a:rPr lang="en-US" altLang="ko-KR" sz="2800" dirty="0"/>
+              <a:t>{</a:t>
+            </a:r>
+          </a:p>
+          <a:p>
+            <a:r>
+              <a:rPr lang="en-US" altLang="ko-KR" sz="2800" dirty="0"/>
+              <a:t>	</a:t>
+            </a:r>
+            <a:r>
+              <a:rPr lang="en-US" altLang="ko-KR" sz="2800" dirty="0">
+                <a:solidFill>
+                  <a:schemeClr val="accent1"/>
+                </a:solidFill>
+              </a:rPr>
+              <a:t>Language</a:t>
+            </a:r>
+            <a:r>
+              <a:rPr lang="en-US" altLang="ko-KR" sz="2800" dirty="0"/>
+              <a:t> </a:t>
+            </a:r>
+            <a:r>
+              <a:rPr lang="en-US" altLang="ko-KR" sz="2800" dirty="0" err="1"/>
+              <a:t>lang</a:t>
+            </a:r>
+            <a:r>
+              <a:rPr lang="en-US" altLang="ko-KR" sz="2800" dirty="0"/>
+              <a:t>;</a:t>
+            </a:r>
+          </a:p>
+          <a:p>
+            <a:r>
+              <a:rPr lang="en-US" altLang="ko-KR" sz="2800" dirty="0"/>
+              <a:t>}</a:t>
+            </a:r>
+            <a:endParaRPr lang="ko-KR" altLang="en-US" sz="2800" dirty="0"/>
+          </a:p>
+        </p:txBody>
+      </p:sp>
+      <p:sp>
+        <p:nvSpPr>
+          <p:cNvPr id="10" name="TextBox 9">
+            <a:extLst>
+              <a:ext uri="{FF2B5EF4-FFF2-40B4-BE49-F238E27FC236}">
+                <a16:creationId xmlns:a16="http://schemas.microsoft.com/office/drawing/2014/main" id="{F8FE75E7-C3EA-45D4-B74A-68F9E35A89D3}"/>
+              </a:ext>
+            </a:extLst>
+          </p:cNvPr>
+          <p:cNvSpPr txBox="1"/>
+          <p:nvPr/>
+        </p:nvSpPr>
+        <p:spPr>
+          <a:xfrm>
+            <a:off x="6096000" y="3994713"/>
+            <a:ext cx="5472407" cy="1384995"/>
+          </a:xfrm>
+          <a:prstGeom prst="rect">
+            <a:avLst/>
+          </a:prstGeom>
+          <a:noFill/>
+        </p:spPr>
+        <p:txBody>
+          <a:bodyPr wrap="square" rtlCol="0">
+            <a:spAutoFit/>
+          </a:bodyPr>
+          <a:lstStyle/>
+          <a:p>
+            <a:r>
+              <a:rPr lang="en-US" altLang="ko-KR" sz="2800" dirty="0">
+                <a:solidFill>
+                  <a:schemeClr val="accent6"/>
+                </a:solidFill>
+              </a:rPr>
+              <a:t>class </a:t>
+            </a:r>
+            <a:r>
+              <a:rPr lang="en-US" altLang="ko-KR" sz="2800" dirty="0">
+                <a:solidFill>
+                  <a:schemeClr val="accent1"/>
+                </a:solidFill>
+              </a:rPr>
+              <a:t>Animal </a:t>
+            </a:r>
+            <a:r>
+              <a:rPr lang="en-US" altLang="ko-KR" sz="2800" dirty="0">
+                <a:solidFill>
+                  <a:srgbClr val="C00000"/>
+                </a:solidFill>
+              </a:rPr>
+              <a:t>:</a:t>
+            </a:r>
+            <a:r>
+              <a:rPr lang="en-US" altLang="ko-KR" sz="2800" dirty="0">
+                <a:solidFill>
+                  <a:schemeClr val="accent1"/>
+                </a:solidFill>
+              </a:rPr>
+              <a:t> Creature // </a:t>
+            </a:r>
+            <a:r>
+              <a:rPr lang="ko-KR" altLang="en-US" sz="2800" dirty="0">
+                <a:solidFill>
+                  <a:schemeClr val="accent1"/>
+                </a:solidFill>
+              </a:rPr>
+              <a:t>동물</a:t>
+            </a:r>
+            <a:endParaRPr lang="en-US" altLang="ko-KR" sz="2800" dirty="0">
+              <a:solidFill>
+                <a:schemeClr val="accent1"/>
+              </a:solidFill>
+            </a:endParaRPr>
+          </a:p>
+          <a:p>
+            <a:r>
+              <a:rPr lang="en-US" altLang="ko-KR" sz="2800" dirty="0"/>
+              <a:t>{</a:t>
+            </a:r>
+          </a:p>
+          <a:p>
+            <a:r>
+              <a:rPr lang="en-US" altLang="ko-KR" sz="2800" dirty="0"/>
+              <a:t>}</a:t>
+            </a:r>
+            <a:endParaRPr lang="ko-KR" altLang="en-US" sz="2800" dirty="0"/>
+          </a:p>
+        </p:txBody>
+      </p:sp>
+    </p:spTree>
+    <p:extLst>
+      <p:ext uri="{BB962C8B-B14F-4D97-AF65-F5344CB8AC3E}">
+        <p14:creationId xmlns:p14="http://schemas.microsoft.com/office/powerpoint/2010/main" val="2648265930"/>
+      </p:ext>
+    </p:extLst>
+  </p:cSld>
+  <p:clrMapOvr>
+    <a:masterClrMapping/>
+  </p:clrMapOvr>
+</p:sld>
+</file>
+
+<file path=ppt/slides/slide45.xml><?xml version="1.0" encoding="utf-8"?>
+<p:sld xmlns:a="http://schemas.openxmlformats.org/drawingml/2006/main" xmlns:r="http://schemas.openxmlformats.org/officeDocument/2006/relationships" xmlns:p="http://schemas.openxmlformats.org/presentationml/2006/main">
+  <p:cSld>
+    <p:spTree>
+      <p:nvGrpSpPr>
+        <p:cNvPr id="1" name=""/>
+        <p:cNvGrpSpPr/>
+        <p:nvPr/>
+      </p:nvGrpSpPr>
+      <p:grpSpPr>
+        <a:xfrm>
+          <a:off x="0" y="0"/>
+          <a:ext cx="0" cy="0"/>
+          <a:chOff x="0" y="0"/>
+          <a:chExt cx="0" cy="0"/>
+        </a:xfrm>
+      </p:grpSpPr>
+      <p:sp>
+        <p:nvSpPr>
+          <p:cNvPr id="3" name="내용 개체 틀 2">
+            <a:extLst>
+              <a:ext uri="{FF2B5EF4-FFF2-40B4-BE49-F238E27FC236}">
+                <a16:creationId xmlns:a16="http://schemas.microsoft.com/office/drawing/2014/main" id="{23052C98-3129-49A5-9830-E895D5E349FF}"/>
+              </a:ext>
+            </a:extLst>
+          </p:cNvPr>
+          <p:cNvSpPr>
+            <a:spLocks noGrp="1"/>
+          </p:cNvSpPr>
+          <p:nvPr>
+            <p:ph sz="quarter" idx="13"/>
+          </p:nvPr>
+        </p:nvSpPr>
+        <p:spPr/>
+        <p:txBody>
+          <a:bodyPr/>
+          <a:lstStyle/>
+          <a:p>
+            <a:r>
+              <a:rPr lang="en-US" altLang="ko-KR" dirty="0"/>
+              <a:t>C# </a:t>
+            </a:r>
+            <a:r>
+              <a:rPr lang="ko-KR" altLang="en-US" dirty="0"/>
+              <a:t>이론 </a:t>
+            </a:r>
+            <a:r>
+              <a:rPr lang="en-US" altLang="ko-KR" dirty="0"/>
+              <a:t>– </a:t>
+            </a:r>
+            <a:r>
+              <a:rPr lang="ko-KR" altLang="en-US" dirty="0"/>
+              <a:t>클래스 다중 상속이 안되는 이유</a:t>
+            </a:r>
+          </a:p>
+        </p:txBody>
+      </p:sp>
+      <p:sp>
+        <p:nvSpPr>
+          <p:cNvPr id="2" name="사각형: 둥근 모서리 1">
+            <a:extLst>
+              <a:ext uri="{FF2B5EF4-FFF2-40B4-BE49-F238E27FC236}">
+                <a16:creationId xmlns:a16="http://schemas.microsoft.com/office/drawing/2014/main" id="{BE011148-2115-4BDA-8C53-87BD170D6AA4}"/>
+              </a:ext>
+            </a:extLst>
+          </p:cNvPr>
+          <p:cNvSpPr/>
+          <p:nvPr/>
+        </p:nvSpPr>
+        <p:spPr>
+          <a:xfrm>
+            <a:off x="4493622" y="1358536"/>
+            <a:ext cx="2386148" cy="1210491"/>
+          </a:xfrm>
+          <a:prstGeom prst="roundRect">
+            <a:avLst/>
+          </a:prstGeom>
+        </p:spPr>
+        <p:style>
+          <a:lnRef idx="2">
+            <a:schemeClr val="accent1">
+              <a:shade val="50000"/>
+            </a:schemeClr>
+          </a:lnRef>
+          <a:fillRef idx="1">
+            <a:schemeClr val="accent1"/>
+          </a:fillRef>
+          <a:effectRef idx="0">
+            <a:schemeClr val="accent1"/>
+          </a:effectRef>
+          <a:fontRef idx="minor">
+            <a:schemeClr val="lt1"/>
+          </a:fontRef>
+        </p:style>
+        <p:txBody>
+          <a:bodyPr rtlCol="0" anchor="ctr"/>
+          <a:lstStyle/>
+          <a:p>
+            <a:pPr algn="ctr"/>
+            <a:r>
+              <a:rPr lang="en-US" altLang="ko-KR" dirty="0"/>
+              <a:t>Creature</a:t>
+            </a:r>
+            <a:endParaRPr lang="ko-KR" altLang="en-US" dirty="0"/>
+          </a:p>
+        </p:txBody>
+      </p:sp>
+      <p:sp>
+        <p:nvSpPr>
+          <p:cNvPr id="7" name="사각형: 둥근 모서리 6">
+            <a:extLst>
+              <a:ext uri="{FF2B5EF4-FFF2-40B4-BE49-F238E27FC236}">
+                <a16:creationId xmlns:a16="http://schemas.microsoft.com/office/drawing/2014/main" id="{8462D2ED-7F08-47E8-BB07-46540BE5CB96}"/>
+              </a:ext>
+            </a:extLst>
+          </p:cNvPr>
+          <p:cNvSpPr/>
+          <p:nvPr/>
+        </p:nvSpPr>
+        <p:spPr>
+          <a:xfrm>
+            <a:off x="3043645" y="2999013"/>
+            <a:ext cx="2386148" cy="1210491"/>
+          </a:xfrm>
+          <a:prstGeom prst="roundRect">
+            <a:avLst/>
+          </a:prstGeom>
+        </p:spPr>
+        <p:style>
+          <a:lnRef idx="2">
+            <a:schemeClr val="accent1">
+              <a:shade val="50000"/>
+            </a:schemeClr>
+          </a:lnRef>
+          <a:fillRef idx="1">
+            <a:schemeClr val="accent1"/>
+          </a:fillRef>
+          <a:effectRef idx="0">
+            <a:schemeClr val="accent1"/>
+          </a:effectRef>
+          <a:fontRef idx="minor">
+            <a:schemeClr val="lt1"/>
+          </a:fontRef>
+        </p:style>
+        <p:txBody>
+          <a:bodyPr rtlCol="0" anchor="ctr"/>
+          <a:lstStyle/>
+          <a:p>
+            <a:pPr algn="ctr"/>
+            <a:r>
+              <a:rPr lang="en-US" altLang="ko-KR" dirty="0"/>
+              <a:t>Human</a:t>
+            </a:r>
+            <a:endParaRPr lang="ko-KR" altLang="en-US" dirty="0"/>
+          </a:p>
+        </p:txBody>
+      </p:sp>
+      <p:sp>
+        <p:nvSpPr>
+          <p:cNvPr id="8" name="사각형: 둥근 모서리 7">
+            <a:extLst>
+              <a:ext uri="{FF2B5EF4-FFF2-40B4-BE49-F238E27FC236}">
+                <a16:creationId xmlns:a16="http://schemas.microsoft.com/office/drawing/2014/main" id="{C4D9A3F8-FABE-4379-9D3F-075AF0E40828}"/>
+              </a:ext>
+            </a:extLst>
+          </p:cNvPr>
+          <p:cNvSpPr/>
+          <p:nvPr/>
+        </p:nvSpPr>
+        <p:spPr>
+          <a:xfrm>
+            <a:off x="6200502" y="2999013"/>
+            <a:ext cx="2386148" cy="1210491"/>
+          </a:xfrm>
+          <a:prstGeom prst="roundRect">
+            <a:avLst/>
+          </a:prstGeom>
+        </p:spPr>
+        <p:style>
+          <a:lnRef idx="2">
+            <a:schemeClr val="accent1">
+              <a:shade val="50000"/>
+            </a:schemeClr>
+          </a:lnRef>
+          <a:fillRef idx="1">
+            <a:schemeClr val="accent1"/>
+          </a:fillRef>
+          <a:effectRef idx="0">
+            <a:schemeClr val="accent1"/>
+          </a:effectRef>
+          <a:fontRef idx="minor">
+            <a:schemeClr val="lt1"/>
+          </a:fontRef>
+        </p:style>
+        <p:txBody>
+          <a:bodyPr rtlCol="0" anchor="ctr"/>
+          <a:lstStyle/>
+          <a:p>
+            <a:pPr algn="ctr"/>
+            <a:r>
+              <a:rPr lang="en-US" altLang="ko-KR" dirty="0"/>
+              <a:t>Animal</a:t>
+            </a:r>
+            <a:endParaRPr lang="ko-KR" altLang="en-US" dirty="0"/>
+          </a:p>
+        </p:txBody>
+      </p:sp>
+      <p:cxnSp>
+        <p:nvCxnSpPr>
+          <p:cNvPr id="6" name="직선 화살표 연결선 5">
+            <a:extLst>
+              <a:ext uri="{FF2B5EF4-FFF2-40B4-BE49-F238E27FC236}">
+                <a16:creationId xmlns:a16="http://schemas.microsoft.com/office/drawing/2014/main" id="{28CE7C98-3080-4C59-B51B-E3D9EE6B29E7}"/>
+              </a:ext>
+            </a:extLst>
+          </p:cNvPr>
+          <p:cNvCxnSpPr>
+            <a:cxnSpLocks/>
+            <a:stCxn id="2" idx="2"/>
+            <a:endCxn id="7" idx="0"/>
+          </p:cNvCxnSpPr>
+          <p:nvPr/>
+        </p:nvCxnSpPr>
+        <p:spPr>
+          <a:xfrm flipH="1">
+            <a:off x="4236719" y="2569027"/>
+            <a:ext cx="1449977" cy="429986"/>
+          </a:xfrm>
+          <a:prstGeom prst="straightConnector1">
+            <a:avLst/>
+          </a:prstGeom>
+          <a:ln>
+            <a:tailEnd type="triangle"/>
+          </a:ln>
+        </p:spPr>
+        <p:style>
+          <a:lnRef idx="1">
+            <a:schemeClr val="accent1"/>
+          </a:lnRef>
+          <a:fillRef idx="0">
+            <a:schemeClr val="accent1"/>
+          </a:fillRef>
+          <a:effectRef idx="0">
+            <a:schemeClr val="accent1"/>
+          </a:effectRef>
+          <a:fontRef idx="minor">
+            <a:schemeClr val="tx1"/>
+          </a:fontRef>
+        </p:style>
+      </p:cxnSp>
+      <p:cxnSp>
+        <p:nvCxnSpPr>
+          <p:cNvPr id="12" name="직선 화살표 연결선 11">
+            <a:extLst>
+              <a:ext uri="{FF2B5EF4-FFF2-40B4-BE49-F238E27FC236}">
+                <a16:creationId xmlns:a16="http://schemas.microsoft.com/office/drawing/2014/main" id="{80C0153D-7A45-4EFE-B560-0E2C10D623C9}"/>
+              </a:ext>
+            </a:extLst>
+          </p:cNvPr>
+          <p:cNvCxnSpPr>
+            <a:cxnSpLocks/>
+            <a:stCxn id="2" idx="2"/>
+            <a:endCxn id="8" idx="0"/>
+          </p:cNvCxnSpPr>
+          <p:nvPr/>
+        </p:nvCxnSpPr>
+        <p:spPr>
+          <a:xfrm>
+            <a:off x="5686696" y="2569027"/>
+            <a:ext cx="1706880" cy="429986"/>
+          </a:xfrm>
+          <a:prstGeom prst="straightConnector1">
+            <a:avLst/>
+          </a:prstGeom>
+          <a:ln>
+            <a:tailEnd type="triangle"/>
+          </a:ln>
+        </p:spPr>
+        <p:style>
+          <a:lnRef idx="1">
+            <a:schemeClr val="accent1"/>
+          </a:lnRef>
+          <a:fillRef idx="0">
+            <a:schemeClr val="accent1"/>
+          </a:fillRef>
+          <a:effectRef idx="0">
+            <a:schemeClr val="accent1"/>
+          </a:effectRef>
+          <a:fontRef idx="minor">
+            <a:schemeClr val="tx1"/>
+          </a:fontRef>
+        </p:style>
+      </p:cxnSp>
+      <p:sp>
+        <p:nvSpPr>
+          <p:cNvPr id="17" name="사각형: 둥근 모서리 16">
+            <a:extLst>
+              <a:ext uri="{FF2B5EF4-FFF2-40B4-BE49-F238E27FC236}">
+                <a16:creationId xmlns:a16="http://schemas.microsoft.com/office/drawing/2014/main" id="{9C4B873B-4523-434B-B0AB-3E95B10CE086}"/>
+              </a:ext>
+            </a:extLst>
+          </p:cNvPr>
+          <p:cNvSpPr/>
+          <p:nvPr/>
+        </p:nvSpPr>
+        <p:spPr>
+          <a:xfrm>
+            <a:off x="4691744" y="4639490"/>
+            <a:ext cx="2386148" cy="1210491"/>
+          </a:xfrm>
+          <a:prstGeom prst="roundRect">
+            <a:avLst/>
+          </a:prstGeom>
+        </p:spPr>
+        <p:style>
+          <a:lnRef idx="2">
+            <a:schemeClr val="accent1">
+              <a:shade val="50000"/>
+            </a:schemeClr>
+          </a:lnRef>
+          <a:fillRef idx="1">
+            <a:schemeClr val="accent1"/>
+          </a:fillRef>
+          <a:effectRef idx="0">
+            <a:schemeClr val="accent1"/>
+          </a:effectRef>
+          <a:fontRef idx="minor">
+            <a:schemeClr val="lt1"/>
+          </a:fontRef>
+        </p:style>
+        <p:txBody>
+          <a:bodyPr rtlCol="0" anchor="ctr"/>
+          <a:lstStyle/>
+          <a:p>
+            <a:pPr algn="ctr"/>
+            <a:r>
+              <a:rPr lang="en-US" altLang="ko-KR" dirty="0"/>
+              <a:t>Mutant</a:t>
+            </a:r>
+            <a:endParaRPr lang="ko-KR" altLang="en-US" dirty="0"/>
+          </a:p>
+        </p:txBody>
+      </p:sp>
+      <p:pic>
+        <p:nvPicPr>
+          <p:cNvPr id="14338" name="Picture 2" descr="xman beast 이미지 검색결과">
+            <a:extLst>
+              <a:ext uri="{FF2B5EF4-FFF2-40B4-BE49-F238E27FC236}">
+                <a16:creationId xmlns:a16="http://schemas.microsoft.com/office/drawing/2014/main" id="{D94E06A5-E1CE-48C1-93F9-8CAD683C9494}"/>
+              </a:ext>
+            </a:extLst>
+          </p:cNvPr>
+          <p:cNvPicPr>
+            <a:picLocks noChangeAspect="1" noChangeArrowheads="1"/>
+          </p:cNvPicPr>
+          <p:nvPr/>
+        </p:nvPicPr>
+        <p:blipFill>
+          <a:blip r:embed="rId2">
+            <a:extLst>
+              <a:ext uri="{28A0092B-C50C-407E-A947-70E740481C1C}">
+                <a14:useLocalDpi xmlns:a14="http://schemas.microsoft.com/office/drawing/2010/main" val="0"/>
+              </a:ext>
+            </a:extLst>
+          </a:blip>
+          <a:srcRect/>
+          <a:stretch>
+            <a:fillRect/>
+          </a:stretch>
+        </p:blipFill>
+        <p:spPr bwMode="auto">
+          <a:xfrm>
+            <a:off x="9148355" y="1929494"/>
+            <a:ext cx="2249259" cy="2999012"/>
+          </a:xfrm>
+          <a:prstGeom prst="rect">
+            <a:avLst/>
+          </a:prstGeom>
+          <a:noFill/>
+          <a:extLst>
+            <a:ext uri="{909E8E84-426E-40DD-AFC4-6F175D3DCCD1}">
+              <a14:hiddenFill xmlns:a14="http://schemas.microsoft.com/office/drawing/2010/main">
+                <a:solidFill>
+                  <a:srgbClr val="FFFFFF"/>
+                </a:solidFill>
+              </a14:hiddenFill>
+            </a:ext>
+          </a:extLst>
+        </p:spPr>
+      </p:pic>
+      <p:cxnSp>
+        <p:nvCxnSpPr>
+          <p:cNvPr id="20" name="직선 화살표 연결선 19">
+            <a:extLst>
+              <a:ext uri="{FF2B5EF4-FFF2-40B4-BE49-F238E27FC236}">
+                <a16:creationId xmlns:a16="http://schemas.microsoft.com/office/drawing/2014/main" id="{CF8CB704-A17B-4292-B7A8-1EBEB5EFA997}"/>
+              </a:ext>
+            </a:extLst>
+          </p:cNvPr>
+          <p:cNvCxnSpPr>
+            <a:cxnSpLocks/>
+            <a:stCxn id="7" idx="2"/>
+            <a:endCxn id="17" idx="0"/>
+          </p:cNvCxnSpPr>
+          <p:nvPr/>
+        </p:nvCxnSpPr>
+        <p:spPr>
+          <a:xfrm>
+            <a:off x="4236719" y="4209504"/>
+            <a:ext cx="1648099" cy="429986"/>
+          </a:xfrm>
+          <a:prstGeom prst="straightConnector1">
+            <a:avLst/>
+          </a:prstGeom>
+          <a:ln>
+            <a:tailEnd type="triangle"/>
+          </a:ln>
+        </p:spPr>
+        <p:style>
+          <a:lnRef idx="1">
+            <a:schemeClr val="accent1"/>
+          </a:lnRef>
+          <a:fillRef idx="0">
+            <a:schemeClr val="accent1"/>
+          </a:fillRef>
+          <a:effectRef idx="0">
+            <a:schemeClr val="accent1"/>
+          </a:effectRef>
+          <a:fontRef idx="minor">
+            <a:schemeClr val="tx1"/>
+          </a:fontRef>
+        </p:style>
+      </p:cxnSp>
+      <p:cxnSp>
+        <p:nvCxnSpPr>
+          <p:cNvPr id="23" name="직선 화살표 연결선 22">
+            <a:extLst>
+              <a:ext uri="{FF2B5EF4-FFF2-40B4-BE49-F238E27FC236}">
+                <a16:creationId xmlns:a16="http://schemas.microsoft.com/office/drawing/2014/main" id="{6DB82D4E-561A-492D-B252-63E16721DE82}"/>
+              </a:ext>
+            </a:extLst>
+          </p:cNvPr>
+          <p:cNvCxnSpPr>
+            <a:cxnSpLocks/>
+            <a:stCxn id="8" idx="2"/>
+            <a:endCxn id="17" idx="0"/>
+          </p:cNvCxnSpPr>
+          <p:nvPr/>
+        </p:nvCxnSpPr>
+        <p:spPr>
+          <a:xfrm flipH="1">
+            <a:off x="5884818" y="4209504"/>
+            <a:ext cx="1508758" cy="429986"/>
+          </a:xfrm>
+          <a:prstGeom prst="straightConnector1">
+            <a:avLst/>
+          </a:prstGeom>
+          <a:ln>
+            <a:tailEnd type="triangle"/>
+          </a:ln>
+        </p:spPr>
+        <p:style>
+          <a:lnRef idx="1">
+            <a:schemeClr val="accent1"/>
+          </a:lnRef>
+          <a:fillRef idx="0">
+            <a:schemeClr val="accent1"/>
+          </a:fillRef>
+          <a:effectRef idx="0">
+            <a:schemeClr val="accent1"/>
+          </a:effectRef>
+          <a:fontRef idx="minor">
+            <a:schemeClr val="tx1"/>
+          </a:fontRef>
+        </p:style>
+      </p:cxnSp>
+    </p:spTree>
+    <p:extLst>
+      <p:ext uri="{BB962C8B-B14F-4D97-AF65-F5344CB8AC3E}">
+        <p14:creationId xmlns:p14="http://schemas.microsoft.com/office/powerpoint/2010/main" val="4046666292"/>
+      </p:ext>
+    </p:extLst>
+  </p:cSld>
+  <p:clrMapOvr>
+    <a:masterClrMapping/>
+  </p:clrMapOvr>
+  <p:timing>
+    <p:tnLst>
+      <p:par>
+        <p:cTn id="1" dur="indefinite" restart="never" nodeType="tmRoot">
+          <p:childTnLst>
+            <p:seq concurrent="1" nextAc="seek">
+              <p:cTn id="2" dur="indefinite" nodeType="mainSeq">
+                <p:childTnLst>
+                  <p:par>
+                    <p:cTn id="3" fill="hold">
+                      <p:stCondLst>
+                        <p:cond delay="indefinite"/>
+                      </p:stCondLst>
+                      <p:childTnLst>
+                        <p:par>
+                          <p:cTn id="4" fill="hold">
+                            <p:stCondLst>
+                              <p:cond delay="0"/>
+                            </p:stCondLst>
+                            <p:childTnLst>
+                              <p:par>
+                                <p:cTn id="5" presetID="10" presetClass="entr" presetSubtype="0" fill="hold" grpId="0" nodeType="clickEffect">
+                                  <p:stCondLst>
+                                    <p:cond delay="0"/>
+                                  </p:stCondLst>
+                                  <p:childTnLst>
+                                    <p:set>
+                                      <p:cBhvr>
+                                        <p:cTn id="6" dur="1" fill="hold">
+                                          <p:stCondLst>
+                                            <p:cond delay="0"/>
+                                          </p:stCondLst>
+                                        </p:cTn>
+                                        <p:tgtEl>
+                                          <p:spTgt spid="17"/>
+                                        </p:tgtEl>
+                                        <p:attrNameLst>
+                                          <p:attrName>style.visibility</p:attrName>
+                                        </p:attrNameLst>
+                                      </p:cBhvr>
+                                      <p:to>
+                                        <p:strVal val="visible"/>
+                                      </p:to>
+                                    </p:set>
+                                    <p:animEffect transition="in" filter="fade">
+                                      <p:cBhvr>
+                                        <p:cTn id="7" dur="500"/>
+                                        <p:tgtEl>
+                                          <p:spTgt spid="17"/>
+                                        </p:tgtEl>
+                                      </p:cBhvr>
+                                    </p:animEffect>
+                                  </p:childTnLst>
+                                </p:cTn>
+                              </p:par>
+                              <p:par>
+                                <p:cTn id="8" presetID="10" presetClass="entr" presetSubtype="0" fill="hold" nodeType="withEffect">
+                                  <p:stCondLst>
+                                    <p:cond delay="0"/>
+                                  </p:stCondLst>
+                                  <p:childTnLst>
+                                    <p:set>
+                                      <p:cBhvr>
+                                        <p:cTn id="9" dur="1" fill="hold">
+                                          <p:stCondLst>
+                                            <p:cond delay="0"/>
+                                          </p:stCondLst>
+                                        </p:cTn>
+                                        <p:tgtEl>
+                                          <p:spTgt spid="23"/>
+                                        </p:tgtEl>
+                                        <p:attrNameLst>
+                                          <p:attrName>style.visibility</p:attrName>
+                                        </p:attrNameLst>
+                                      </p:cBhvr>
+                                      <p:to>
+                                        <p:strVal val="visible"/>
+                                      </p:to>
+                                    </p:set>
+                                    <p:animEffect transition="in" filter="fade">
+                                      <p:cBhvr>
+                                        <p:cTn id="10" dur="500"/>
+                                        <p:tgtEl>
+                                          <p:spTgt spid="23"/>
+                                        </p:tgtEl>
+                                      </p:cBhvr>
+                                    </p:animEffect>
+                                  </p:childTnLst>
+                                </p:cTn>
+                              </p:par>
+                              <p:par>
+                                <p:cTn id="11" presetID="10" presetClass="entr" presetSubtype="0" fill="hold" nodeType="withEffect">
+                                  <p:stCondLst>
+                                    <p:cond delay="0"/>
+                                  </p:stCondLst>
+                                  <p:childTnLst>
+                                    <p:set>
+                                      <p:cBhvr>
+                                        <p:cTn id="12" dur="1" fill="hold">
+                                          <p:stCondLst>
+                                            <p:cond delay="0"/>
+                                          </p:stCondLst>
+                                        </p:cTn>
+                                        <p:tgtEl>
+                                          <p:spTgt spid="20"/>
+                                        </p:tgtEl>
+                                        <p:attrNameLst>
+                                          <p:attrName>style.visibility</p:attrName>
+                                        </p:attrNameLst>
+                                      </p:cBhvr>
+                                      <p:to>
+                                        <p:strVal val="visible"/>
+                                      </p:to>
+                                    </p:set>
+                                    <p:animEffect transition="in" filter="fade">
+                                      <p:cBhvr>
+                                        <p:cTn id="13" dur="500"/>
+                                        <p:tgtEl>
+                                          <p:spTgt spid="20"/>
+                                        </p:tgtEl>
+                                      </p:cBhvr>
+                                    </p:animEffect>
+                                  </p:childTnLst>
+                                </p:cTn>
+                              </p:par>
+                              <p:par>
+                                <p:cTn id="14" presetID="10" presetClass="entr" presetSubtype="0" fill="hold" nodeType="withEffect">
+                                  <p:stCondLst>
+                                    <p:cond delay="0"/>
+                                  </p:stCondLst>
+                                  <p:childTnLst>
+                                    <p:set>
+                                      <p:cBhvr>
+                                        <p:cTn id="15" dur="1" fill="hold">
+                                          <p:stCondLst>
+                                            <p:cond delay="0"/>
+                                          </p:stCondLst>
+                                        </p:cTn>
+                                        <p:tgtEl>
+                                          <p:spTgt spid="14338"/>
+                                        </p:tgtEl>
+                                        <p:attrNameLst>
+                                          <p:attrName>style.visibility</p:attrName>
+                                        </p:attrNameLst>
+                                      </p:cBhvr>
+                                      <p:to>
+                                        <p:strVal val="visible"/>
+                                      </p:to>
+                                    </p:set>
+                                    <p:animEffect transition="in" filter="fade">
+                                      <p:cBhvr>
+                                        <p:cTn id="16" dur="500"/>
+                                        <p:tgtEl>
+                                          <p:spTgt spid="14338"/>
+                                        </p:tgtEl>
+                                      </p:cBhvr>
+                                    </p:animEffect>
+                                  </p:childTnLst>
+                                </p:cTn>
+                              </p:par>
+                            </p:childTnLst>
+                          </p:cTn>
+                        </p:par>
+                      </p:childTnLst>
+                    </p:cTn>
+                  </p:par>
+                </p:childTnLst>
+              </p:cTn>
+              <p:prevCondLst>
+                <p:cond evt="onPrev" delay="0">
+                  <p:tgtEl>
+                    <p:sldTgt/>
+                  </p:tgtEl>
+                </p:cond>
+              </p:prevCondLst>
+              <p:nextCondLst>
+                <p:cond evt="onNext" delay="0">
+                  <p:tgtEl>
+                    <p:sldTgt/>
+                  </p:tgtEl>
+                </p:cond>
+              </p:nextCondLst>
+            </p:seq>
+          </p:childTnLst>
+        </p:cTn>
+      </p:par>
+    </p:tnLst>
+    <p:bldLst>
+      <p:bldP spid="17" grpId="0" animBg="1"/>
+    </p:bldLst>
+  </p:timing>
+</p:sld>
+</file>
+
+<file path=ppt/slides/slide46.xml><?xml version="1.0" encoding="utf-8"?>
+<p:sld xmlns:a="http://schemas.openxmlformats.org/drawingml/2006/main" xmlns:r="http://schemas.openxmlformats.org/officeDocument/2006/relationships" xmlns:p="http://schemas.openxmlformats.org/presentationml/2006/main">
+  <p:cSld>
+    <p:spTree>
+      <p:nvGrpSpPr>
+        <p:cNvPr id="1" name=""/>
+        <p:cNvGrpSpPr/>
+        <p:nvPr/>
+      </p:nvGrpSpPr>
+      <p:grpSpPr>
+        <a:xfrm>
+          <a:off x="0" y="0"/>
+          <a:ext cx="0" cy="0"/>
+          <a:chOff x="0" y="0"/>
+          <a:chExt cx="0" cy="0"/>
+        </a:xfrm>
+      </p:grpSpPr>
+      <p:sp>
+        <p:nvSpPr>
+          <p:cNvPr id="3" name="내용 개체 틀 2">
+            <a:extLst>
+              <a:ext uri="{FF2B5EF4-FFF2-40B4-BE49-F238E27FC236}">
+                <a16:creationId xmlns:a16="http://schemas.microsoft.com/office/drawing/2014/main" id="{23052C98-3129-49A5-9830-E895D5E349FF}"/>
+              </a:ext>
+            </a:extLst>
+          </p:cNvPr>
+          <p:cNvSpPr>
+            <a:spLocks noGrp="1"/>
+          </p:cNvSpPr>
+          <p:nvPr>
+            <p:ph sz="quarter" idx="13"/>
+          </p:nvPr>
+        </p:nvSpPr>
+        <p:spPr/>
+        <p:txBody>
+          <a:bodyPr/>
+          <a:lstStyle/>
+          <a:p>
+            <a:r>
+              <a:rPr lang="en-US" altLang="ko-KR" dirty="0"/>
+              <a:t>C# </a:t>
+            </a:r>
+            <a:r>
+              <a:rPr lang="ko-KR" altLang="en-US" dirty="0"/>
+              <a:t>이론 </a:t>
+            </a:r>
+            <a:r>
+              <a:rPr lang="en-US" altLang="ko-KR" dirty="0"/>
+              <a:t>– </a:t>
+            </a:r>
+            <a:r>
+              <a:rPr lang="ko-KR" altLang="en-US" dirty="0"/>
+              <a:t>클래스 다중 상속이 안되는 이유</a:t>
+            </a:r>
+          </a:p>
+        </p:txBody>
+      </p:sp>
+      <p:sp>
+        <p:nvSpPr>
+          <p:cNvPr id="2" name="사각형: 둥근 모서리 1">
+            <a:extLst>
+              <a:ext uri="{FF2B5EF4-FFF2-40B4-BE49-F238E27FC236}">
+                <a16:creationId xmlns:a16="http://schemas.microsoft.com/office/drawing/2014/main" id="{BE011148-2115-4BDA-8C53-87BD170D6AA4}"/>
+              </a:ext>
+            </a:extLst>
+          </p:cNvPr>
+          <p:cNvSpPr/>
+          <p:nvPr/>
+        </p:nvSpPr>
+        <p:spPr>
+          <a:xfrm>
+            <a:off x="3043645" y="1499505"/>
+            <a:ext cx="2486298" cy="793102"/>
+          </a:xfrm>
+          <a:prstGeom prst="roundRect">
+            <a:avLst/>
+          </a:prstGeom>
+        </p:spPr>
+        <p:style>
+          <a:lnRef idx="2">
+            <a:schemeClr val="accent1">
+              <a:shade val="50000"/>
+            </a:schemeClr>
+          </a:lnRef>
+          <a:fillRef idx="1">
+            <a:schemeClr val="accent1"/>
+          </a:fillRef>
+          <a:effectRef idx="0">
+            <a:schemeClr val="accent1"/>
+          </a:effectRef>
+          <a:fontRef idx="minor">
+            <a:schemeClr val="lt1"/>
+          </a:fontRef>
+        </p:style>
+        <p:txBody>
+          <a:bodyPr rtlCol="0" anchor="ctr"/>
+          <a:lstStyle/>
+          <a:p>
+            <a:pPr algn="ctr"/>
+            <a:r>
+              <a:rPr lang="en-US" altLang="ko-KR" dirty="0"/>
+              <a:t>Creature</a:t>
+            </a:r>
+            <a:endParaRPr lang="ko-KR" altLang="en-US" dirty="0"/>
+          </a:p>
+        </p:txBody>
+      </p:sp>
+      <p:sp>
+        <p:nvSpPr>
+          <p:cNvPr id="7" name="사각형: 둥근 모서리 6">
+            <a:extLst>
+              <a:ext uri="{FF2B5EF4-FFF2-40B4-BE49-F238E27FC236}">
+                <a16:creationId xmlns:a16="http://schemas.microsoft.com/office/drawing/2014/main" id="{8462D2ED-7F08-47E8-BB07-46540BE5CB96}"/>
+              </a:ext>
+            </a:extLst>
+          </p:cNvPr>
+          <p:cNvSpPr/>
+          <p:nvPr/>
+        </p:nvSpPr>
+        <p:spPr>
+          <a:xfrm>
+            <a:off x="3043645" y="2811156"/>
+            <a:ext cx="2486298" cy="793102"/>
+          </a:xfrm>
+          <a:prstGeom prst="roundRect">
+            <a:avLst/>
+          </a:prstGeom>
+        </p:spPr>
+        <p:style>
+          <a:lnRef idx="2">
+            <a:schemeClr val="accent1">
+              <a:shade val="50000"/>
+            </a:schemeClr>
+          </a:lnRef>
+          <a:fillRef idx="1">
+            <a:schemeClr val="accent1"/>
+          </a:fillRef>
+          <a:effectRef idx="0">
+            <a:schemeClr val="accent1"/>
+          </a:effectRef>
+          <a:fontRef idx="minor">
+            <a:schemeClr val="lt1"/>
+          </a:fontRef>
+        </p:style>
+        <p:txBody>
+          <a:bodyPr rtlCol="0" anchor="ctr"/>
+          <a:lstStyle/>
+          <a:p>
+            <a:pPr algn="ctr"/>
+            <a:r>
+              <a:rPr lang="en-US" altLang="ko-KR" dirty="0"/>
+              <a:t>Human</a:t>
+            </a:r>
+            <a:endParaRPr lang="ko-KR" altLang="en-US" dirty="0"/>
+          </a:p>
+        </p:txBody>
+      </p:sp>
+      <p:sp>
+        <p:nvSpPr>
+          <p:cNvPr id="8" name="사각형: 둥근 모서리 7">
+            <a:extLst>
+              <a:ext uri="{FF2B5EF4-FFF2-40B4-BE49-F238E27FC236}">
+                <a16:creationId xmlns:a16="http://schemas.microsoft.com/office/drawing/2014/main" id="{C4D9A3F8-FABE-4379-9D3F-075AF0E40828}"/>
+              </a:ext>
+            </a:extLst>
+          </p:cNvPr>
+          <p:cNvSpPr/>
+          <p:nvPr/>
+        </p:nvSpPr>
+        <p:spPr>
+          <a:xfrm>
+            <a:off x="6200502" y="2811156"/>
+            <a:ext cx="2486298" cy="793102"/>
+          </a:xfrm>
+          <a:prstGeom prst="roundRect">
+            <a:avLst/>
+          </a:prstGeom>
+        </p:spPr>
+        <p:style>
+          <a:lnRef idx="2">
+            <a:schemeClr val="accent1">
+              <a:shade val="50000"/>
+            </a:schemeClr>
+          </a:lnRef>
+          <a:fillRef idx="1">
+            <a:schemeClr val="accent1"/>
+          </a:fillRef>
+          <a:effectRef idx="0">
+            <a:schemeClr val="accent1"/>
+          </a:effectRef>
+          <a:fontRef idx="minor">
+            <a:schemeClr val="lt1"/>
+          </a:fontRef>
+        </p:style>
+        <p:txBody>
+          <a:bodyPr rtlCol="0" anchor="ctr"/>
+          <a:lstStyle/>
+          <a:p>
+            <a:pPr algn="ctr"/>
+            <a:r>
+              <a:rPr lang="en-US" altLang="ko-KR" dirty="0"/>
+              <a:t>Animal</a:t>
+            </a:r>
+            <a:endParaRPr lang="ko-KR" altLang="en-US" dirty="0"/>
+          </a:p>
+        </p:txBody>
+      </p:sp>
+      <p:cxnSp>
+        <p:nvCxnSpPr>
+          <p:cNvPr id="6" name="직선 화살표 연결선 5">
+            <a:extLst>
+              <a:ext uri="{FF2B5EF4-FFF2-40B4-BE49-F238E27FC236}">
+                <a16:creationId xmlns:a16="http://schemas.microsoft.com/office/drawing/2014/main" id="{28CE7C98-3080-4C59-B51B-E3D9EE6B29E7}"/>
+              </a:ext>
+            </a:extLst>
+          </p:cNvPr>
+          <p:cNvCxnSpPr>
+            <a:cxnSpLocks/>
+            <a:stCxn id="2" idx="2"/>
+            <a:endCxn id="7" idx="0"/>
+          </p:cNvCxnSpPr>
+          <p:nvPr/>
+        </p:nvCxnSpPr>
+        <p:spPr>
+          <a:xfrm>
+            <a:off x="4286794" y="2292607"/>
+            <a:ext cx="0" cy="518549"/>
+          </a:xfrm>
+          <a:prstGeom prst="straightConnector1">
+            <a:avLst/>
+          </a:prstGeom>
+          <a:ln>
+            <a:tailEnd type="triangle"/>
+          </a:ln>
+        </p:spPr>
+        <p:style>
+          <a:lnRef idx="1">
+            <a:schemeClr val="accent1"/>
+          </a:lnRef>
+          <a:fillRef idx="0">
+            <a:schemeClr val="accent1"/>
+          </a:fillRef>
+          <a:effectRef idx="0">
+            <a:schemeClr val="accent1"/>
+          </a:effectRef>
+          <a:fontRef idx="minor">
+            <a:schemeClr val="tx1"/>
+          </a:fontRef>
+        </p:style>
+      </p:cxnSp>
+      <p:cxnSp>
+        <p:nvCxnSpPr>
+          <p:cNvPr id="12" name="직선 화살표 연결선 11">
+            <a:extLst>
+              <a:ext uri="{FF2B5EF4-FFF2-40B4-BE49-F238E27FC236}">
+                <a16:creationId xmlns:a16="http://schemas.microsoft.com/office/drawing/2014/main" id="{80C0153D-7A45-4EFE-B560-0E2C10D623C9}"/>
+              </a:ext>
+            </a:extLst>
+          </p:cNvPr>
+          <p:cNvCxnSpPr>
+            <a:cxnSpLocks/>
+            <a:stCxn id="15" idx="2"/>
+            <a:endCxn id="8" idx="0"/>
+          </p:cNvCxnSpPr>
+          <p:nvPr/>
+        </p:nvCxnSpPr>
+        <p:spPr>
+          <a:xfrm>
+            <a:off x="7443651" y="2292607"/>
+            <a:ext cx="0" cy="518549"/>
+          </a:xfrm>
+          <a:prstGeom prst="straightConnector1">
+            <a:avLst/>
+          </a:prstGeom>
+          <a:ln>
+            <a:tailEnd type="triangle"/>
+          </a:ln>
+        </p:spPr>
+        <p:style>
+          <a:lnRef idx="1">
+            <a:schemeClr val="accent1"/>
+          </a:lnRef>
+          <a:fillRef idx="0">
+            <a:schemeClr val="accent1"/>
+          </a:fillRef>
+          <a:effectRef idx="0">
+            <a:schemeClr val="accent1"/>
+          </a:effectRef>
+          <a:fontRef idx="minor">
+            <a:schemeClr val="tx1"/>
+          </a:fontRef>
+        </p:style>
+      </p:cxnSp>
+      <p:sp>
+        <p:nvSpPr>
+          <p:cNvPr id="17" name="사각형: 둥근 모서리 16">
+            <a:extLst>
+              <a:ext uri="{FF2B5EF4-FFF2-40B4-BE49-F238E27FC236}">
+                <a16:creationId xmlns:a16="http://schemas.microsoft.com/office/drawing/2014/main" id="{9C4B873B-4523-434B-B0AB-3E95B10CE086}"/>
+              </a:ext>
+            </a:extLst>
+          </p:cNvPr>
+          <p:cNvSpPr/>
+          <p:nvPr/>
+        </p:nvSpPr>
+        <p:spPr>
+          <a:xfrm>
+            <a:off x="4691744" y="4055082"/>
+            <a:ext cx="2486298" cy="793102"/>
+          </a:xfrm>
+          <a:prstGeom prst="roundRect">
+            <a:avLst/>
+          </a:prstGeom>
+        </p:spPr>
+        <p:style>
+          <a:lnRef idx="2">
+            <a:schemeClr val="accent1">
+              <a:shade val="50000"/>
+            </a:schemeClr>
+          </a:lnRef>
+          <a:fillRef idx="1">
+            <a:schemeClr val="accent1"/>
+          </a:fillRef>
+          <a:effectRef idx="0">
+            <a:schemeClr val="accent1"/>
+          </a:effectRef>
+          <a:fontRef idx="minor">
+            <a:schemeClr val="lt1"/>
+          </a:fontRef>
+        </p:style>
+        <p:txBody>
+          <a:bodyPr rtlCol="0" anchor="ctr"/>
+          <a:lstStyle/>
+          <a:p>
+            <a:pPr algn="ctr"/>
+            <a:r>
+              <a:rPr lang="en-US" altLang="ko-KR" dirty="0"/>
+              <a:t>Mutant</a:t>
+            </a:r>
+            <a:endParaRPr lang="ko-KR" altLang="en-US" dirty="0"/>
+          </a:p>
+        </p:txBody>
+      </p:sp>
+      <p:cxnSp>
+        <p:nvCxnSpPr>
+          <p:cNvPr id="20" name="직선 화살표 연결선 19">
+            <a:extLst>
+              <a:ext uri="{FF2B5EF4-FFF2-40B4-BE49-F238E27FC236}">
+                <a16:creationId xmlns:a16="http://schemas.microsoft.com/office/drawing/2014/main" id="{CF8CB704-A17B-4292-B7A8-1EBEB5EFA997}"/>
+              </a:ext>
+            </a:extLst>
+          </p:cNvPr>
+          <p:cNvCxnSpPr>
+            <a:cxnSpLocks/>
+            <a:stCxn id="7" idx="2"/>
+            <a:endCxn id="17" idx="0"/>
+          </p:cNvCxnSpPr>
+          <p:nvPr/>
+        </p:nvCxnSpPr>
+        <p:spPr>
+          <a:xfrm>
+            <a:off x="4286794" y="3604258"/>
+            <a:ext cx="1648099" cy="450824"/>
+          </a:xfrm>
+          <a:prstGeom prst="straightConnector1">
+            <a:avLst/>
+          </a:prstGeom>
+          <a:ln>
+            <a:tailEnd type="triangle"/>
+          </a:ln>
+        </p:spPr>
+        <p:style>
+          <a:lnRef idx="1">
+            <a:schemeClr val="accent1"/>
+          </a:lnRef>
+          <a:fillRef idx="0">
+            <a:schemeClr val="accent1"/>
+          </a:fillRef>
+          <a:effectRef idx="0">
+            <a:schemeClr val="accent1"/>
+          </a:effectRef>
+          <a:fontRef idx="minor">
+            <a:schemeClr val="tx1"/>
+          </a:fontRef>
+        </p:style>
+      </p:cxnSp>
+      <p:cxnSp>
+        <p:nvCxnSpPr>
+          <p:cNvPr id="23" name="직선 화살표 연결선 22">
+            <a:extLst>
+              <a:ext uri="{FF2B5EF4-FFF2-40B4-BE49-F238E27FC236}">
+                <a16:creationId xmlns:a16="http://schemas.microsoft.com/office/drawing/2014/main" id="{6DB82D4E-561A-492D-B252-63E16721DE82}"/>
+              </a:ext>
+            </a:extLst>
+          </p:cNvPr>
+          <p:cNvCxnSpPr>
+            <a:cxnSpLocks/>
+            <a:stCxn id="8" idx="2"/>
+            <a:endCxn id="17" idx="0"/>
+          </p:cNvCxnSpPr>
+          <p:nvPr/>
+        </p:nvCxnSpPr>
+        <p:spPr>
+          <a:xfrm flipH="1">
+            <a:off x="5934893" y="3604258"/>
+            <a:ext cx="1508758" cy="450824"/>
+          </a:xfrm>
+          <a:prstGeom prst="straightConnector1">
+            <a:avLst/>
+          </a:prstGeom>
+          <a:ln>
+            <a:tailEnd type="triangle"/>
+          </a:ln>
+        </p:spPr>
+        <p:style>
+          <a:lnRef idx="1">
+            <a:schemeClr val="accent1"/>
+          </a:lnRef>
+          <a:fillRef idx="0">
+            <a:schemeClr val="accent1"/>
+          </a:fillRef>
+          <a:effectRef idx="0">
+            <a:schemeClr val="accent1"/>
+          </a:effectRef>
+          <a:fontRef idx="minor">
+            <a:schemeClr val="tx1"/>
+          </a:fontRef>
+        </p:style>
+      </p:cxnSp>
+      <p:sp>
+        <p:nvSpPr>
+          <p:cNvPr id="15" name="사각형: 둥근 모서리 14">
+            <a:extLst>
+              <a:ext uri="{FF2B5EF4-FFF2-40B4-BE49-F238E27FC236}">
+                <a16:creationId xmlns:a16="http://schemas.microsoft.com/office/drawing/2014/main" id="{93FD2D47-4B0C-44A2-B438-14800C73A316}"/>
+              </a:ext>
+            </a:extLst>
+          </p:cNvPr>
+          <p:cNvSpPr/>
+          <p:nvPr/>
+        </p:nvSpPr>
+        <p:spPr>
+          <a:xfrm>
+            <a:off x="6200502" y="1499505"/>
+            <a:ext cx="2486298" cy="793102"/>
+          </a:xfrm>
+          <a:prstGeom prst="roundRect">
+            <a:avLst/>
+          </a:prstGeom>
+        </p:spPr>
+        <p:style>
+          <a:lnRef idx="2">
+            <a:schemeClr val="accent1">
+              <a:shade val="50000"/>
+            </a:schemeClr>
+          </a:lnRef>
+          <a:fillRef idx="1">
+            <a:schemeClr val="accent1"/>
+          </a:fillRef>
+          <a:effectRef idx="0">
+            <a:schemeClr val="accent1"/>
+          </a:effectRef>
+          <a:fontRef idx="minor">
+            <a:schemeClr val="lt1"/>
+          </a:fontRef>
+        </p:style>
+        <p:txBody>
+          <a:bodyPr rtlCol="0" anchor="ctr"/>
+          <a:lstStyle/>
+          <a:p>
+            <a:pPr algn="ctr"/>
+            <a:r>
+              <a:rPr lang="en-US" altLang="ko-KR" dirty="0"/>
+              <a:t>Creature</a:t>
+            </a:r>
+            <a:endParaRPr lang="ko-KR" altLang="en-US" dirty="0"/>
+          </a:p>
+        </p:txBody>
+      </p:sp>
+      <p:sp>
+        <p:nvSpPr>
+          <p:cNvPr id="14" name="TextBox 13">
+            <a:extLst>
+              <a:ext uri="{FF2B5EF4-FFF2-40B4-BE49-F238E27FC236}">
+                <a16:creationId xmlns:a16="http://schemas.microsoft.com/office/drawing/2014/main" id="{2E6EA7AF-47FF-4E9F-8216-A6FA88C1167B}"/>
+              </a:ext>
+            </a:extLst>
+          </p:cNvPr>
+          <p:cNvSpPr txBox="1"/>
+          <p:nvPr/>
+        </p:nvSpPr>
+        <p:spPr>
+          <a:xfrm>
+            <a:off x="2514271" y="5105938"/>
+            <a:ext cx="6841243" cy="923330"/>
+          </a:xfrm>
+          <a:prstGeom prst="rect">
+            <a:avLst/>
+          </a:prstGeom>
+        </p:spPr>
+        <p:style>
+          <a:lnRef idx="2">
+            <a:schemeClr val="accent1"/>
+          </a:lnRef>
+          <a:fillRef idx="1">
+            <a:schemeClr val="lt1"/>
+          </a:fillRef>
+          <a:effectRef idx="0">
+            <a:schemeClr val="accent1"/>
+          </a:effectRef>
+          <a:fontRef idx="minor">
+            <a:schemeClr val="dk1"/>
+          </a:fontRef>
+        </p:style>
+        <p:txBody>
+          <a:bodyPr wrap="square" rtlCol="0">
+            <a:spAutoFit/>
+          </a:bodyPr>
+          <a:lstStyle/>
+          <a:p>
+            <a:pPr algn="ctr"/>
+            <a:r>
+              <a:rPr lang="en-US" altLang="ko-KR" dirty="0"/>
+              <a:t>C#</a:t>
+            </a:r>
+            <a:r>
+              <a:rPr lang="ko-KR" altLang="en-US" dirty="0"/>
+              <a:t>은 다중 상속이 구현될 경우</a:t>
+            </a:r>
+            <a:endParaRPr lang="en-US" altLang="ko-KR" dirty="0"/>
+          </a:p>
+          <a:p>
+            <a:pPr algn="ctr"/>
+            <a:r>
+              <a:rPr lang="ko-KR" altLang="en-US" dirty="0"/>
+              <a:t>부모 객체로 접근할 때 메모리 주소가 모호해져</a:t>
+            </a:r>
+            <a:endParaRPr lang="en-US" altLang="ko-KR" dirty="0"/>
+          </a:p>
+          <a:p>
+            <a:pPr algn="ctr"/>
+            <a:r>
+              <a:rPr lang="ko-KR" altLang="en-US" dirty="0"/>
+              <a:t>아예 막아 놨다</a:t>
+            </a:r>
+            <a:r>
+              <a:rPr lang="en-US" altLang="ko-KR" dirty="0"/>
+              <a:t>.</a:t>
+            </a:r>
+            <a:endParaRPr lang="ko-KR" altLang="en-US" dirty="0"/>
+          </a:p>
+        </p:txBody>
+      </p:sp>
+    </p:spTree>
+    <p:extLst>
+      <p:ext uri="{BB962C8B-B14F-4D97-AF65-F5344CB8AC3E}">
+        <p14:creationId xmlns:p14="http://schemas.microsoft.com/office/powerpoint/2010/main" val="3250366926"/>
+      </p:ext>
+    </p:extLst>
+  </p:cSld>
+  <p:clrMapOvr>
+    <a:masterClrMapping/>
+  </p:clrMapOvr>
+  <p:timing>
+    <p:tnLst>
+      <p:par>
+        <p:cTn id="1" dur="indefinite" restart="never" nodeType="tmRoot">
+          <p:childTnLst>
+            <p:seq concurrent="1" nextAc="seek">
+              <p:cTn id="2" dur="indefinite" nodeType="mainSeq">
+                <p:childTnLst>
+                  <p:par>
+                    <p:cTn id="3" fill="hold">
+                      <p:stCondLst>
+                        <p:cond delay="indefinite"/>
+                      </p:stCondLst>
+                      <p:childTnLst>
+                        <p:par>
+                          <p:cTn id="4" fill="hold">
+                            <p:stCondLst>
+                              <p:cond delay="0"/>
+                            </p:stCondLst>
+                            <p:childTnLst>
+                              <p:par>
+                                <p:cTn id="5" presetID="10" presetClass="entr" presetSubtype="0" fill="hold" grpId="0" nodeType="clickEffect">
+                                  <p:stCondLst>
+                                    <p:cond delay="0"/>
+                                  </p:stCondLst>
+                                  <p:childTnLst>
+                                    <p:set>
+                                      <p:cBhvr>
+                                        <p:cTn id="6" dur="1" fill="hold">
+                                          <p:stCondLst>
+                                            <p:cond delay="0"/>
+                                          </p:stCondLst>
+                                        </p:cTn>
+                                        <p:tgtEl>
+                                          <p:spTgt spid="14"/>
+                                        </p:tgtEl>
+                                        <p:attrNameLst>
+                                          <p:attrName>style.visibility</p:attrName>
+                                        </p:attrNameLst>
+                                      </p:cBhvr>
+                                      <p:to>
+                                        <p:strVal val="visible"/>
+                                      </p:to>
+                                    </p:set>
+                                    <p:animEffect transition="in" filter="fade">
+                                      <p:cBhvr>
+                                        <p:cTn id="7" dur="500"/>
+                                        <p:tgtEl>
+                                          <p:spTgt spid="14"/>
+                                        </p:tgtEl>
+                                      </p:cBhvr>
+                                    </p:animEffect>
+                                  </p:childTnLst>
+                                </p:cTn>
+                              </p:par>
+                            </p:childTnLst>
+                          </p:cTn>
+                        </p:par>
+                      </p:childTnLst>
+                    </p:cTn>
+                  </p:par>
+                </p:childTnLst>
+              </p:cTn>
+              <p:prevCondLst>
+                <p:cond evt="onPrev" delay="0">
+                  <p:tgtEl>
+                    <p:sldTgt/>
+                  </p:tgtEl>
+                </p:cond>
+              </p:prevCondLst>
+              <p:nextCondLst>
+                <p:cond evt="onNext" delay="0">
+                  <p:tgtEl>
+                    <p:sldTgt/>
+                  </p:tgtEl>
+                </p:cond>
+              </p:nextCondLst>
+            </p:seq>
+          </p:childTnLst>
+        </p:cTn>
+      </p:par>
+    </p:tnLst>
+    <p:bldLst>
+      <p:bldP spid="14" grpId="0" animBg="1"/>
+    </p:bldLst>
+  </p:timing>
+</p:sld>
+</file>
+
+<file path=ppt/slides/slide47.xml><?xml version="1.0" encoding="utf-8"?>
+<p:sld xmlns:a="http://schemas.openxmlformats.org/drawingml/2006/main" xmlns:r="http://schemas.openxmlformats.org/officeDocument/2006/relationships" xmlns:p="http://schemas.openxmlformats.org/presentationml/2006/main">
+  <p:cSld>
+    <p:spTree>
+      <p:nvGrpSpPr>
+        <p:cNvPr id="1" name=""/>
+        <p:cNvGrpSpPr/>
+        <p:nvPr/>
+      </p:nvGrpSpPr>
+      <p:grpSpPr>
+        <a:xfrm>
+          <a:off x="0" y="0"/>
+          <a:ext cx="0" cy="0"/>
+          <a:chOff x="0" y="0"/>
+          <a:chExt cx="0" cy="0"/>
+        </a:xfrm>
+      </p:grpSpPr>
+      <p:sp>
+        <p:nvSpPr>
+          <p:cNvPr id="2" name="내용 개체 틀 1">
+            <a:extLst>
+              <a:ext uri="{FF2B5EF4-FFF2-40B4-BE49-F238E27FC236}">
+                <a16:creationId xmlns:a16="http://schemas.microsoft.com/office/drawing/2014/main" id="{2027FEE9-6127-4645-AB7F-D14EA983793E}"/>
+              </a:ext>
+            </a:extLst>
+          </p:cNvPr>
+          <p:cNvSpPr>
+            <a:spLocks noGrp="1"/>
+          </p:cNvSpPr>
+          <p:nvPr>
+            <p:ph idx="1"/>
+          </p:nvPr>
+        </p:nvSpPr>
+        <p:spPr>
+          <a:xfrm>
+            <a:off x="401215" y="2409825"/>
+            <a:ext cx="11252719" cy="1981200"/>
+          </a:xfrm>
+        </p:spPr>
+        <p:txBody>
+          <a:bodyPr/>
+          <a:lstStyle/>
+          <a:p>
+            <a:r>
+              <a:rPr lang="en-US" altLang="ko-KR" dirty="0"/>
+              <a:t>Interface</a:t>
+            </a:r>
+            <a:r>
+              <a:rPr lang="ko-KR" altLang="en-US" dirty="0"/>
+              <a:t>란</a:t>
+            </a:r>
+            <a:r>
+              <a:rPr lang="en-US" altLang="ko-KR" dirty="0"/>
+              <a:t>?</a:t>
+            </a:r>
+          </a:p>
+          <a:p>
+            <a:pPr lvl="1"/>
+            <a:r>
+              <a:rPr lang="ko-KR" altLang="en-US" dirty="0"/>
+              <a:t>객체의 행동을 묶는 단위</a:t>
+            </a:r>
+            <a:endParaRPr lang="en-US" altLang="ko-KR" dirty="0"/>
+          </a:p>
+          <a:p>
+            <a:pPr lvl="1"/>
+            <a:r>
+              <a:rPr lang="ko-KR" altLang="en-US" dirty="0"/>
+              <a:t>상속과 달리 여러 개의 인터페이스를 상속받을 수 있다</a:t>
+            </a:r>
+            <a:r>
+              <a:rPr lang="en-US" altLang="ko-KR" dirty="0"/>
+              <a:t>.</a:t>
+            </a:r>
+          </a:p>
+          <a:p>
+            <a:pPr lvl="2"/>
+            <a:r>
+              <a:rPr lang="ko-KR" altLang="en-US" dirty="0"/>
+              <a:t>클래스는 다중 상속이 안된다</a:t>
+            </a:r>
+            <a:r>
+              <a:rPr lang="en-US" altLang="ko-KR" dirty="0"/>
+              <a:t>.</a:t>
+            </a:r>
+          </a:p>
+          <a:p>
+            <a:pPr lvl="1"/>
+            <a:r>
+              <a:rPr lang="ko-KR" altLang="en-US" dirty="0"/>
+              <a:t>인터페이스 끼리 묶어서 명령 할 수 있다</a:t>
+            </a:r>
+            <a:r>
+              <a:rPr lang="en-US" altLang="ko-KR" dirty="0"/>
+              <a:t>.</a:t>
+            </a:r>
+          </a:p>
+          <a:p>
+            <a:pPr lvl="1"/>
+            <a:r>
+              <a:rPr lang="ko-KR" altLang="en-US" dirty="0"/>
+              <a:t>생성은 못하고 참조만 할 수 있다</a:t>
+            </a:r>
+            <a:r>
+              <a:rPr lang="en-US" altLang="ko-KR" dirty="0"/>
+              <a:t>. (</a:t>
+            </a:r>
+            <a:r>
+              <a:rPr lang="ko-KR" altLang="en-US" dirty="0"/>
+              <a:t>메모리에 생성이 안된다</a:t>
+            </a:r>
+            <a:r>
+              <a:rPr lang="en-US" altLang="ko-KR" dirty="0"/>
+              <a:t>.)</a:t>
+            </a:r>
+          </a:p>
+        </p:txBody>
+      </p:sp>
+      <p:sp>
+        <p:nvSpPr>
+          <p:cNvPr id="3" name="내용 개체 틀 2">
+            <a:extLst>
+              <a:ext uri="{FF2B5EF4-FFF2-40B4-BE49-F238E27FC236}">
+                <a16:creationId xmlns:a16="http://schemas.microsoft.com/office/drawing/2014/main" id="{04D3FF16-40BD-4BEF-A58D-F93C47295BED}"/>
+              </a:ext>
+            </a:extLst>
+          </p:cNvPr>
+          <p:cNvSpPr>
+            <a:spLocks noGrp="1"/>
+          </p:cNvSpPr>
+          <p:nvPr>
+            <p:ph sz="quarter" idx="13"/>
+          </p:nvPr>
+        </p:nvSpPr>
+        <p:spPr/>
+        <p:txBody>
+          <a:bodyPr/>
+          <a:lstStyle/>
+          <a:p>
+            <a:r>
+              <a:rPr lang="en-US" altLang="ko-KR" dirty="0"/>
+              <a:t>C# </a:t>
+            </a:r>
+            <a:r>
+              <a:rPr lang="ko-KR" altLang="en-US" dirty="0"/>
+              <a:t>이론 </a:t>
+            </a:r>
+            <a:r>
+              <a:rPr lang="en-US" altLang="ko-KR" dirty="0"/>
+              <a:t>– Interface</a:t>
+            </a:r>
+            <a:endParaRPr lang="ko-KR" altLang="en-US" dirty="0"/>
+          </a:p>
+        </p:txBody>
+      </p:sp>
+    </p:spTree>
+    <p:extLst>
+      <p:ext uri="{BB962C8B-B14F-4D97-AF65-F5344CB8AC3E}">
+        <p14:creationId xmlns:p14="http://schemas.microsoft.com/office/powerpoint/2010/main" val="1037848803"/>
       </p:ext>
     </p:extLst>
   </p:cSld>
@@ -20352,38 +20737,7 @@
                                         <p:tgtEl>
                                           <p:spTgt spid="2">
                                             <p:txEl>
-                                              <p:pRg st="4" end="4"/>
-                                            </p:txEl>
-                                          </p:spTgt>
-                                        </p:tgtEl>
-                                        <p:attrNameLst>
-                                          <p:attrName>style.visibility</p:attrName>
-                                        </p:attrNameLst>
-                                      </p:cBhvr>
-                                      <p:to>
-                                        <p:strVal val="visible"/>
-                                      </p:to>
-                                    </p:set>
-                                  </p:childTnLst>
-                                </p:cTn>
-                              </p:par>
-                              <p:par>
-                                <p:cTn id="7" presetID="1" presetClass="entr" presetSubtype="0" fill="hold" nodeType="withEffect">
-                                  <p:stCondLst>
-                                    <p:cond delay="0"/>
-                                  </p:stCondLst>
-                                  <p:childTnLst>
-                                    <p:set>
-                                      <p:cBhvr>
-                                        <p:cTn id="8" dur="1" fill="hold">
-                                          <p:stCondLst>
-                                            <p:cond delay="0"/>
-                                          </p:stCondLst>
-                                        </p:cTn>
-                                        <p:tgtEl>
-                                          <p:spTgt spid="2">
-                                            <p:txEl>
-                                              <p:pRg st="5" end="5"/>
+                                              <p:pRg st="0" end="0"/>
                                             </p:txEl>
                                           </p:spTgt>
                                         </p:tgtEl>
@@ -20405,26 +20759,26 @@
                     </p:cTn>
                   </p:par>
                   <p:par>
-                    <p:cTn id="9" fill="hold">
+                    <p:cTn id="7" fill="hold">
                       <p:stCondLst>
                         <p:cond delay="indefinite"/>
                       </p:stCondLst>
                       <p:childTnLst>
                         <p:par>
-                          <p:cTn id="10" fill="hold">
+                          <p:cTn id="8" fill="hold">
                             <p:stCondLst>
                               <p:cond delay="0"/>
                             </p:stCondLst>
                             <p:childTnLst>
                               <p:par>
-                                <p:cTn id="11" presetID="1" presetClass="entr" presetSubtype="0" fill="hold" nodeType="clickEffect">
+                                <p:cTn id="9" presetID="1" presetClass="entr" presetSubtype="0" fill="hold" nodeType="clickEffect">
                                   <p:stCondLst>
                                     <p:cond delay="0"/>
                                   </p:stCondLst>
                                   <p:childTnLst>
                                     <p:set>
                                       <p:cBhvr>
-                                        <p:cTn id="12" dur="1" fill="hold">
+                                        <p:cTn id="10" dur="1" fill="hold">
                                           <p:stCondLst>
                                             <p:cond delay="0"/>
                                           </p:stCondLst>
@@ -20432,7 +20786,7 @@
                                         <p:tgtEl>
                                           <p:spTgt spid="2">
                                             <p:txEl>
-                                              <p:pRg st="8" end="8"/>
+                                              <p:pRg st="1" end="1"/>
                                             </p:txEl>
                                           </p:spTgt>
                                         </p:tgtEl>
@@ -20447,8 +20801,26 @@
                                   </p:childTnLst>
                                 </p:cTn>
                               </p:par>
+                            </p:childTnLst>
+                          </p:cTn>
+                        </p:par>
+                      </p:childTnLst>
+                    </p:cTn>
+                  </p:par>
+                  <p:par>
+                    <p:cTn id="11" fill="hold">
+                      <p:stCondLst>
+                        <p:cond delay="indefinite"/>
+                      </p:stCondLst>
+                      <p:childTnLst>
+                        <p:par>
+                          <p:cTn id="12" fill="hold">
+                            <p:stCondLst>
+                              <p:cond delay="0"/>
+                            </p:stCondLst>
+                            <p:childTnLst>
                               <p:par>
-                                <p:cTn id="13" presetID="1" presetClass="entr" presetSubtype="0" fill="hold" nodeType="withEffect">
+                                <p:cTn id="13" presetID="1" presetClass="entr" presetSubtype="0" fill="hold" nodeType="clickEffect">
                                   <p:stCondLst>
                                     <p:cond delay="0"/>
                                   </p:stCondLst>
@@ -20463,7 +20835,7 @@
                                         <p:tgtEl>
                                           <p:spTgt spid="2">
                                             <p:txEl>
-                                              <p:pRg st="9" end="9"/>
+                                              <p:pRg st="2" end="2"/>
                                             </p:txEl>
                                           </p:spTgt>
                                         </p:tgtEl>
@@ -20494,7 +20866,7 @@
                                         <p:tgtEl>
                                           <p:spTgt spid="2">
                                             <p:txEl>
-                                              <p:pRg st="10" end="10"/>
+                                              <p:pRg st="3" end="3"/>
                                             </p:txEl>
                                           </p:spTgt>
                                         </p:tgtEl>
@@ -20509,15 +20881,33 @@
                                   </p:childTnLst>
                                 </p:cTn>
                               </p:par>
+                            </p:childTnLst>
+                          </p:cTn>
+                        </p:par>
+                      </p:childTnLst>
+                    </p:cTn>
+                  </p:par>
+                  <p:par>
+                    <p:cTn id="17" fill="hold">
+                      <p:stCondLst>
+                        <p:cond delay="indefinite"/>
+                      </p:stCondLst>
+                      <p:childTnLst>
+                        <p:par>
+                          <p:cTn id="18" fill="hold">
+                            <p:stCondLst>
+                              <p:cond delay="0"/>
+                            </p:stCondLst>
+                            <p:childTnLst>
                               <p:par>
-                                <p:cTn id="17" presetID="1" presetClass="entr" presetSubtype="0" fill="hold" nodeType="withEffect">
+                                <p:cTn id="19" presetID="1" presetClass="entr" presetSubtype="0" fill="hold" nodeType="clickEffect">
                                   <p:stCondLst>
                                     <p:cond delay="0"/>
                                   </p:stCondLst>
                                   <p:childTnLst>
                                     <p:set>
                                       <p:cBhvr>
-                                        <p:cTn id="18" dur="1" fill="hold">
+                                        <p:cTn id="20" dur="1" fill="hold">
                                           <p:stCondLst>
                                             <p:cond delay="0"/>
                                           </p:stCondLst>
@@ -20525,7 +20915,56 @@
                                         <p:tgtEl>
                                           <p:spTgt spid="2">
                                             <p:txEl>
-                                              <p:pRg st="11" end="11"/>
+                                              <p:pRg st="4" end="4"/>
+                                            </p:txEl>
+                                          </p:spTgt>
+                                        </p:tgtEl>
+                                        <p:attrNameLst>
+                                          <p:attrName>style.visibility</p:attrName>
+                                        </p:attrNameLst>
+                                      </p:cBhvr>
+                                      <p:to>
+                                        <p:strVal val="visible"/>
+                                      </p:to>
+                                    </p:set>
+                                  </p:childTnLst>
+                                </p:cTn>
+                              </p:par>
+                            </p:childTnLst>
+                          </p:cTn>
+                        </p:par>
+                      </p:childTnLst>
+                    </p:cTn>
+                  </p:par>
+                  <p:par>
+                    <p:cTn id="21" fill="hold">
+                      <p:stCondLst>
+                        <p:cond delay="indefinite"/>
+                      </p:stCondLst>
+                      <p:childTnLst>
+                        <p:par>
+                          <p:cTn id="22" fill="hold">
+                            <p:stCondLst>
+                              <p:cond delay="0"/>
+                            </p:stCondLst>
+                            <p:childTnLst>
+                              <p:par>
+                                <p:cTn id="23" presetID="1" presetClass="entr" presetSubtype="0" fill="hold" nodeType="clickEffect">
+                                  <p:stCondLst>
+                                    <p:cond delay="0"/>
+                                  </p:stCondLst>
+                                  <p:childTnLst>
+                                    <p:set>
+                                      <p:cBhvr>
+                                        <p:cTn id="24" dur="1" fill="hold">
+                                          <p:stCondLst>
+                                            <p:cond delay="0"/>
+                                          </p:stCondLst>
+                                        </p:cTn>
+                                        <p:tgtEl>
+                                          <p:spTgt spid="2">
+                                            <p:txEl>
+                                              <p:pRg st="5" end="5"/>
                                             </p:txEl>
                                           </p:spTgt>
                                         </p:tgtEl>
@@ -20571,868 +21010,6 @@
 </p:sld>
 </file>
 
-<file path=ppt/slides/slide42.xml><?xml version="1.0" encoding="utf-8"?>
-<p:sld xmlns:a="http://schemas.openxmlformats.org/drawingml/2006/main" xmlns:r="http://schemas.openxmlformats.org/officeDocument/2006/relationships" xmlns:p="http://schemas.openxmlformats.org/presentationml/2006/main">
-  <p:cSld>
-    <p:spTree>
-      <p:nvGrpSpPr>
-        <p:cNvPr id="1" name=""/>
-        <p:cNvGrpSpPr/>
-        <p:nvPr/>
-      </p:nvGrpSpPr>
-      <p:grpSpPr>
-        <a:xfrm>
-          <a:off x="0" y="0"/>
-          <a:ext cx="0" cy="0"/>
-          <a:chOff x="0" y="0"/>
-          <a:chExt cx="0" cy="0"/>
-        </a:xfrm>
-      </p:grpSpPr>
-      <p:sp>
-        <p:nvSpPr>
-          <p:cNvPr id="2" name="내용 개체 틀 1">
-            <a:extLst>
-              <a:ext uri="{FF2B5EF4-FFF2-40B4-BE49-F238E27FC236}">
-                <a16:creationId xmlns:a16="http://schemas.microsoft.com/office/drawing/2014/main" id="{2DE25E26-4D9E-46EA-A42D-5B2FD683B484}"/>
-              </a:ext>
-            </a:extLst>
-          </p:cNvPr>
-          <p:cNvSpPr>
-            <a:spLocks noGrp="1"/>
-          </p:cNvSpPr>
-          <p:nvPr>
-            <p:ph idx="1"/>
-          </p:nvPr>
-        </p:nvSpPr>
-        <p:spPr/>
-        <p:txBody>
-          <a:bodyPr/>
-          <a:lstStyle/>
-          <a:p>
-            <a:r>
-              <a:rPr lang="en-US" altLang="ko-KR" dirty="0"/>
-              <a:t>if(</a:t>
-            </a:r>
-            <a:r>
-              <a:rPr lang="ko-KR" altLang="en-US" dirty="0"/>
-              <a:t>조건</a:t>
-            </a:r>
-            <a:r>
-              <a:rPr lang="en-US" altLang="ko-KR" dirty="0"/>
-              <a:t>) { ~ } , else if(</a:t>
-            </a:r>
-            <a:r>
-              <a:rPr lang="ko-KR" altLang="en-US" dirty="0"/>
-              <a:t>조건</a:t>
-            </a:r>
-            <a:r>
-              <a:rPr lang="en-US" altLang="ko-KR" dirty="0"/>
-              <a:t>) { ~ }, else { }</a:t>
-            </a:r>
-          </a:p>
-        </p:txBody>
-      </p:sp>
-      <p:sp>
-        <p:nvSpPr>
-          <p:cNvPr id="3" name="내용 개체 틀 2">
-            <a:extLst>
-              <a:ext uri="{FF2B5EF4-FFF2-40B4-BE49-F238E27FC236}">
-                <a16:creationId xmlns:a16="http://schemas.microsoft.com/office/drawing/2014/main" id="{3388B577-7938-4657-936A-8651B058882B}"/>
-              </a:ext>
-            </a:extLst>
-          </p:cNvPr>
-          <p:cNvSpPr>
-            <a:spLocks noGrp="1"/>
-          </p:cNvSpPr>
-          <p:nvPr>
-            <p:ph sz="quarter" idx="13"/>
-          </p:nvPr>
-        </p:nvSpPr>
-        <p:spPr/>
-        <p:txBody>
-          <a:bodyPr/>
-          <a:lstStyle/>
-          <a:p>
-            <a:r>
-              <a:rPr lang="en-US" altLang="ko-KR" dirty="0"/>
-              <a:t>C# </a:t>
-            </a:r>
-            <a:r>
-              <a:rPr lang="ko-KR" altLang="en-US" dirty="0"/>
-              <a:t>이론 </a:t>
-            </a:r>
-            <a:r>
-              <a:rPr lang="en-US" altLang="ko-KR" dirty="0"/>
-              <a:t>- </a:t>
-            </a:r>
-            <a:r>
-              <a:rPr lang="ko-KR" altLang="en-US" dirty="0" err="1"/>
-              <a:t>조건문</a:t>
-            </a:r>
-            <a:endParaRPr lang="ko-KR" altLang="en-US" dirty="0"/>
-          </a:p>
-        </p:txBody>
-      </p:sp>
-      <p:pic>
-        <p:nvPicPr>
-          <p:cNvPr id="6" name="그림 5">
-            <a:extLst>
-              <a:ext uri="{FF2B5EF4-FFF2-40B4-BE49-F238E27FC236}">
-                <a16:creationId xmlns:a16="http://schemas.microsoft.com/office/drawing/2014/main" id="{D66DC82B-D42A-473D-A637-6791676C2454}"/>
-              </a:ext>
-            </a:extLst>
-          </p:cNvPr>
-          <p:cNvPicPr>
-            <a:picLocks noChangeAspect="1"/>
-          </p:cNvPicPr>
-          <p:nvPr/>
-        </p:nvPicPr>
-        <p:blipFill>
-          <a:blip r:embed="rId2"/>
-          <a:stretch>
-            <a:fillRect/>
-          </a:stretch>
-        </p:blipFill>
-        <p:spPr>
-          <a:xfrm>
-            <a:off x="2681313" y="1635893"/>
-            <a:ext cx="6992078" cy="4523474"/>
-          </a:xfrm>
-          <a:prstGeom prst="rect">
-            <a:avLst/>
-          </a:prstGeom>
-        </p:spPr>
-      </p:pic>
-    </p:spTree>
-    <p:extLst>
-      <p:ext uri="{BB962C8B-B14F-4D97-AF65-F5344CB8AC3E}">
-        <p14:creationId xmlns:p14="http://schemas.microsoft.com/office/powerpoint/2010/main" val="3559323879"/>
-      </p:ext>
-    </p:extLst>
-  </p:cSld>
-  <p:clrMapOvr>
-    <a:masterClrMapping/>
-  </p:clrMapOvr>
-</p:sld>
-</file>
-
-<file path=ppt/slides/slide43.xml><?xml version="1.0" encoding="utf-8"?>
-<p:sld xmlns:a="http://schemas.openxmlformats.org/drawingml/2006/main" xmlns:r="http://schemas.openxmlformats.org/officeDocument/2006/relationships" xmlns:p="http://schemas.openxmlformats.org/presentationml/2006/main">
-  <p:cSld>
-    <p:spTree>
-      <p:nvGrpSpPr>
-        <p:cNvPr id="1" name=""/>
-        <p:cNvGrpSpPr/>
-        <p:nvPr/>
-      </p:nvGrpSpPr>
-      <p:grpSpPr>
-        <a:xfrm>
-          <a:off x="0" y="0"/>
-          <a:ext cx="0" cy="0"/>
-          <a:chOff x="0" y="0"/>
-          <a:chExt cx="0" cy="0"/>
-        </a:xfrm>
-      </p:grpSpPr>
-      <p:sp>
-        <p:nvSpPr>
-          <p:cNvPr id="2" name="내용 개체 틀 1">
-            <a:extLst>
-              <a:ext uri="{FF2B5EF4-FFF2-40B4-BE49-F238E27FC236}">
-                <a16:creationId xmlns:a16="http://schemas.microsoft.com/office/drawing/2014/main" id="{A1CA48AD-1382-488B-9654-022420A3F39F}"/>
-              </a:ext>
-            </a:extLst>
-          </p:cNvPr>
-          <p:cNvSpPr>
-            <a:spLocks noGrp="1"/>
-          </p:cNvSpPr>
-          <p:nvPr>
-            <p:ph idx="1"/>
-          </p:nvPr>
-        </p:nvSpPr>
-        <p:spPr/>
-        <p:txBody>
-          <a:bodyPr/>
-          <a:lstStyle/>
-          <a:p>
-            <a:r>
-              <a:rPr lang="en-US" altLang="ko-KR" dirty="0"/>
-              <a:t>switch case</a:t>
-            </a:r>
-            <a:r>
-              <a:rPr lang="ko-KR" altLang="en-US" dirty="0"/>
-              <a:t>문</a:t>
-            </a:r>
-            <a:endParaRPr lang="en-US" altLang="ko-KR" dirty="0"/>
-          </a:p>
-          <a:p>
-            <a:pPr lvl="1"/>
-            <a:r>
-              <a:rPr lang="ko-KR" altLang="en-US" dirty="0" err="1"/>
-              <a:t>조건문이지만</a:t>
-            </a:r>
-            <a:r>
-              <a:rPr lang="ko-KR" altLang="en-US" dirty="0"/>
-              <a:t> 내부적으로 반복문으로 돌아가는 복잡한 녀석이다</a:t>
-            </a:r>
-            <a:r>
-              <a:rPr lang="en-US" altLang="ko-KR" dirty="0"/>
-              <a:t>.</a:t>
-            </a:r>
-          </a:p>
-          <a:p>
-            <a:pPr lvl="1"/>
-            <a:r>
-              <a:rPr lang="ko-KR" altLang="en-US" dirty="0"/>
-              <a:t>특정 값에 대응할 때 사용한다</a:t>
-            </a:r>
-            <a:r>
-              <a:rPr lang="en-US" altLang="ko-KR" dirty="0"/>
-              <a:t>.</a:t>
-            </a:r>
-          </a:p>
-          <a:p>
-            <a:endParaRPr lang="ko-KR" altLang="en-US" dirty="0"/>
-          </a:p>
-        </p:txBody>
-      </p:sp>
-      <p:sp>
-        <p:nvSpPr>
-          <p:cNvPr id="3" name="내용 개체 틀 2">
-            <a:extLst>
-              <a:ext uri="{FF2B5EF4-FFF2-40B4-BE49-F238E27FC236}">
-                <a16:creationId xmlns:a16="http://schemas.microsoft.com/office/drawing/2014/main" id="{F062CEC7-023D-44BC-94E0-9CDB42BE45A2}"/>
-              </a:ext>
-            </a:extLst>
-          </p:cNvPr>
-          <p:cNvSpPr>
-            <a:spLocks noGrp="1"/>
-          </p:cNvSpPr>
-          <p:nvPr>
-            <p:ph sz="quarter" idx="13"/>
-          </p:nvPr>
-        </p:nvSpPr>
-        <p:spPr/>
-        <p:txBody>
-          <a:bodyPr/>
-          <a:lstStyle/>
-          <a:p>
-            <a:r>
-              <a:rPr lang="en-US" altLang="ko-KR" dirty="0"/>
-              <a:t>C# </a:t>
-            </a:r>
-            <a:r>
-              <a:rPr lang="ko-KR" altLang="en-US" dirty="0"/>
-              <a:t>이론 </a:t>
-            </a:r>
-            <a:r>
-              <a:rPr lang="en-US" altLang="ko-KR" dirty="0"/>
-              <a:t>- </a:t>
-            </a:r>
-            <a:r>
-              <a:rPr lang="ko-KR" altLang="en-US" dirty="0" err="1"/>
-              <a:t>조건문</a:t>
-            </a:r>
-            <a:endParaRPr lang="ko-KR" altLang="en-US" dirty="0"/>
-          </a:p>
-        </p:txBody>
-      </p:sp>
-      <p:pic>
-        <p:nvPicPr>
-          <p:cNvPr id="4" name="그림 3">
-            <a:extLst>
-              <a:ext uri="{FF2B5EF4-FFF2-40B4-BE49-F238E27FC236}">
-                <a16:creationId xmlns:a16="http://schemas.microsoft.com/office/drawing/2014/main" id="{CAD98ECB-DCC8-469E-847F-BE9D66D1C516}"/>
-              </a:ext>
-            </a:extLst>
-          </p:cNvPr>
-          <p:cNvPicPr>
-            <a:picLocks noChangeAspect="1"/>
-          </p:cNvPicPr>
-          <p:nvPr/>
-        </p:nvPicPr>
-        <p:blipFill>
-          <a:blip r:embed="rId2"/>
-          <a:stretch>
-            <a:fillRect/>
-          </a:stretch>
-        </p:blipFill>
-        <p:spPr>
-          <a:xfrm>
-            <a:off x="2327705" y="2399481"/>
-            <a:ext cx="7536590" cy="3614582"/>
-          </a:xfrm>
-          <a:prstGeom prst="rect">
-            <a:avLst/>
-          </a:prstGeom>
-        </p:spPr>
-      </p:pic>
-    </p:spTree>
-    <p:extLst>
-      <p:ext uri="{BB962C8B-B14F-4D97-AF65-F5344CB8AC3E}">
-        <p14:creationId xmlns:p14="http://schemas.microsoft.com/office/powerpoint/2010/main" val="3825727160"/>
-      </p:ext>
-    </p:extLst>
-  </p:cSld>
-  <p:clrMapOvr>
-    <a:masterClrMapping/>
-  </p:clrMapOvr>
-</p:sld>
-</file>
-
-<file path=ppt/slides/slide44.xml><?xml version="1.0" encoding="utf-8"?>
-<p:sld xmlns:a="http://schemas.openxmlformats.org/drawingml/2006/main" xmlns:r="http://schemas.openxmlformats.org/officeDocument/2006/relationships" xmlns:p="http://schemas.openxmlformats.org/presentationml/2006/main">
-  <p:cSld>
-    <p:spTree>
-      <p:nvGrpSpPr>
-        <p:cNvPr id="1" name=""/>
-        <p:cNvGrpSpPr/>
-        <p:nvPr/>
-      </p:nvGrpSpPr>
-      <p:grpSpPr>
-        <a:xfrm>
-          <a:off x="0" y="0"/>
-          <a:ext cx="0" cy="0"/>
-          <a:chOff x="0" y="0"/>
-          <a:chExt cx="0" cy="0"/>
-        </a:xfrm>
-      </p:grpSpPr>
-      <p:sp>
-        <p:nvSpPr>
-          <p:cNvPr id="2" name="내용 개체 틀 1">
-            <a:extLst>
-              <a:ext uri="{FF2B5EF4-FFF2-40B4-BE49-F238E27FC236}">
-                <a16:creationId xmlns:a16="http://schemas.microsoft.com/office/drawing/2014/main" id="{2DE25E26-4D9E-46EA-A42D-5B2FD683B484}"/>
-              </a:ext>
-            </a:extLst>
-          </p:cNvPr>
-          <p:cNvSpPr>
-            <a:spLocks noGrp="1"/>
-          </p:cNvSpPr>
-          <p:nvPr>
-            <p:ph idx="1"/>
-          </p:nvPr>
-        </p:nvSpPr>
-        <p:spPr/>
-        <p:txBody>
-          <a:bodyPr/>
-          <a:lstStyle/>
-          <a:p>
-            <a:r>
-              <a:rPr lang="en-US" altLang="ko-KR" dirty="0"/>
-              <a:t>while(</a:t>
-            </a:r>
-            <a:r>
-              <a:rPr lang="ko-KR" altLang="en-US" dirty="0"/>
-              <a:t>조건</a:t>
-            </a:r>
-            <a:r>
-              <a:rPr lang="en-US" altLang="ko-KR" dirty="0"/>
-              <a:t>) { ~ }</a:t>
-            </a:r>
-          </a:p>
-        </p:txBody>
-      </p:sp>
-      <p:sp>
-        <p:nvSpPr>
-          <p:cNvPr id="3" name="내용 개체 틀 2">
-            <a:extLst>
-              <a:ext uri="{FF2B5EF4-FFF2-40B4-BE49-F238E27FC236}">
-                <a16:creationId xmlns:a16="http://schemas.microsoft.com/office/drawing/2014/main" id="{3388B577-7938-4657-936A-8651B058882B}"/>
-              </a:ext>
-            </a:extLst>
-          </p:cNvPr>
-          <p:cNvSpPr>
-            <a:spLocks noGrp="1"/>
-          </p:cNvSpPr>
-          <p:nvPr>
-            <p:ph sz="quarter" idx="13"/>
-          </p:nvPr>
-        </p:nvSpPr>
-        <p:spPr/>
-        <p:txBody>
-          <a:bodyPr/>
-          <a:lstStyle/>
-          <a:p>
-            <a:r>
-              <a:rPr lang="en-US" altLang="ko-KR" dirty="0"/>
-              <a:t>C# </a:t>
-            </a:r>
-            <a:r>
-              <a:rPr lang="ko-KR" altLang="en-US" dirty="0"/>
-              <a:t>이론 </a:t>
-            </a:r>
-            <a:r>
-              <a:rPr lang="en-US" altLang="ko-KR" dirty="0"/>
-              <a:t>- </a:t>
-            </a:r>
-            <a:r>
-              <a:rPr lang="ko-KR" altLang="en-US" dirty="0" err="1"/>
-              <a:t>반복문</a:t>
-            </a:r>
-            <a:endParaRPr lang="ko-KR" altLang="en-US" dirty="0"/>
-          </a:p>
-        </p:txBody>
-      </p:sp>
-      <p:pic>
-        <p:nvPicPr>
-          <p:cNvPr id="4" name="그림 3">
-            <a:extLst>
-              <a:ext uri="{FF2B5EF4-FFF2-40B4-BE49-F238E27FC236}">
-                <a16:creationId xmlns:a16="http://schemas.microsoft.com/office/drawing/2014/main" id="{F03AF217-1E6A-47EB-8512-FB2ED95089DB}"/>
-              </a:ext>
-            </a:extLst>
-          </p:cNvPr>
-          <p:cNvPicPr>
-            <a:picLocks noChangeAspect="1"/>
-          </p:cNvPicPr>
-          <p:nvPr/>
-        </p:nvPicPr>
-        <p:blipFill>
-          <a:blip r:embed="rId2"/>
-          <a:stretch>
-            <a:fillRect/>
-          </a:stretch>
-        </p:blipFill>
-        <p:spPr>
-          <a:xfrm>
-            <a:off x="810781" y="2481420"/>
-            <a:ext cx="5285218" cy="1753082"/>
-          </a:xfrm>
-          <a:prstGeom prst="rect">
-            <a:avLst/>
-          </a:prstGeom>
-        </p:spPr>
-      </p:pic>
-      <p:pic>
-        <p:nvPicPr>
-          <p:cNvPr id="5" name="그림 4">
-            <a:extLst>
-              <a:ext uri="{FF2B5EF4-FFF2-40B4-BE49-F238E27FC236}">
-                <a16:creationId xmlns:a16="http://schemas.microsoft.com/office/drawing/2014/main" id="{46B954C2-48D0-4BBF-8C03-279319663ABD}"/>
-              </a:ext>
-            </a:extLst>
-          </p:cNvPr>
-          <p:cNvPicPr>
-            <a:picLocks noChangeAspect="1"/>
-          </p:cNvPicPr>
-          <p:nvPr/>
-        </p:nvPicPr>
-        <p:blipFill>
-          <a:blip r:embed="rId3"/>
-          <a:stretch>
-            <a:fillRect/>
-          </a:stretch>
-        </p:blipFill>
-        <p:spPr>
-          <a:xfrm>
-            <a:off x="6231779" y="1686470"/>
-            <a:ext cx="5286375" cy="3676650"/>
-          </a:xfrm>
-          <a:prstGeom prst="rect">
-            <a:avLst/>
-          </a:prstGeom>
-        </p:spPr>
-      </p:pic>
-    </p:spTree>
-    <p:extLst>
-      <p:ext uri="{BB962C8B-B14F-4D97-AF65-F5344CB8AC3E}">
-        <p14:creationId xmlns:p14="http://schemas.microsoft.com/office/powerpoint/2010/main" val="2123924537"/>
-      </p:ext>
-    </p:extLst>
-  </p:cSld>
-  <p:clrMapOvr>
-    <a:masterClrMapping/>
-  </p:clrMapOvr>
-</p:sld>
-</file>
-
-<file path=ppt/slides/slide45.xml><?xml version="1.0" encoding="utf-8"?>
-<p:sld xmlns:a="http://schemas.openxmlformats.org/drawingml/2006/main" xmlns:r="http://schemas.openxmlformats.org/officeDocument/2006/relationships" xmlns:p="http://schemas.openxmlformats.org/presentationml/2006/main">
-  <p:cSld>
-    <p:spTree>
-      <p:nvGrpSpPr>
-        <p:cNvPr id="1" name=""/>
-        <p:cNvGrpSpPr/>
-        <p:nvPr/>
-      </p:nvGrpSpPr>
-      <p:grpSpPr>
-        <a:xfrm>
-          <a:off x="0" y="0"/>
-          <a:ext cx="0" cy="0"/>
-          <a:chOff x="0" y="0"/>
-          <a:chExt cx="0" cy="0"/>
-        </a:xfrm>
-      </p:grpSpPr>
-      <p:sp>
-        <p:nvSpPr>
-          <p:cNvPr id="2" name="내용 개체 틀 1">
-            <a:extLst>
-              <a:ext uri="{FF2B5EF4-FFF2-40B4-BE49-F238E27FC236}">
-                <a16:creationId xmlns:a16="http://schemas.microsoft.com/office/drawing/2014/main" id="{2DE25E26-4D9E-46EA-A42D-5B2FD683B484}"/>
-              </a:ext>
-            </a:extLst>
-          </p:cNvPr>
-          <p:cNvSpPr>
-            <a:spLocks noGrp="1"/>
-          </p:cNvSpPr>
-          <p:nvPr>
-            <p:ph idx="1"/>
-          </p:nvPr>
-        </p:nvSpPr>
-        <p:spPr/>
-        <p:txBody>
-          <a:bodyPr/>
-          <a:lstStyle/>
-          <a:p>
-            <a:r>
-              <a:rPr lang="nn-NO" altLang="ko-KR" dirty="0"/>
-              <a:t>for(int i = 0; i &lt; 10; i++) { ~ }</a:t>
-            </a:r>
-          </a:p>
-        </p:txBody>
-      </p:sp>
-      <p:sp>
-        <p:nvSpPr>
-          <p:cNvPr id="3" name="내용 개체 틀 2">
-            <a:extLst>
-              <a:ext uri="{FF2B5EF4-FFF2-40B4-BE49-F238E27FC236}">
-                <a16:creationId xmlns:a16="http://schemas.microsoft.com/office/drawing/2014/main" id="{3388B577-7938-4657-936A-8651B058882B}"/>
-              </a:ext>
-            </a:extLst>
-          </p:cNvPr>
-          <p:cNvSpPr>
-            <a:spLocks noGrp="1"/>
-          </p:cNvSpPr>
-          <p:nvPr>
-            <p:ph sz="quarter" idx="13"/>
-          </p:nvPr>
-        </p:nvSpPr>
-        <p:spPr/>
-        <p:txBody>
-          <a:bodyPr/>
-          <a:lstStyle/>
-          <a:p>
-            <a:r>
-              <a:rPr lang="en-US" altLang="ko-KR" dirty="0"/>
-              <a:t>C# </a:t>
-            </a:r>
-            <a:r>
-              <a:rPr lang="ko-KR" altLang="en-US" dirty="0"/>
-              <a:t>이론 </a:t>
-            </a:r>
-            <a:r>
-              <a:rPr lang="en-US" altLang="ko-KR" dirty="0"/>
-              <a:t>- </a:t>
-            </a:r>
-            <a:r>
-              <a:rPr lang="ko-KR" altLang="en-US" dirty="0" err="1"/>
-              <a:t>반복문</a:t>
-            </a:r>
-            <a:endParaRPr lang="ko-KR" altLang="en-US" dirty="0"/>
-          </a:p>
-        </p:txBody>
-      </p:sp>
-      <p:pic>
-        <p:nvPicPr>
-          <p:cNvPr id="8" name="그림 7">
-            <a:extLst>
-              <a:ext uri="{FF2B5EF4-FFF2-40B4-BE49-F238E27FC236}">
-                <a16:creationId xmlns:a16="http://schemas.microsoft.com/office/drawing/2014/main" id="{CDD7A59B-570B-4CD7-AB2B-40FE4A8861CF}"/>
-              </a:ext>
-            </a:extLst>
-          </p:cNvPr>
-          <p:cNvPicPr>
-            <a:picLocks noChangeAspect="1"/>
-          </p:cNvPicPr>
-          <p:nvPr/>
-        </p:nvPicPr>
-        <p:blipFill>
-          <a:blip r:embed="rId2"/>
-          <a:stretch>
-            <a:fillRect/>
-          </a:stretch>
-        </p:blipFill>
-        <p:spPr>
-          <a:xfrm>
-            <a:off x="1255549" y="1703420"/>
-            <a:ext cx="9544050" cy="4067175"/>
-          </a:xfrm>
-          <a:prstGeom prst="rect">
-            <a:avLst/>
-          </a:prstGeom>
-        </p:spPr>
-      </p:pic>
-    </p:spTree>
-    <p:extLst>
-      <p:ext uri="{BB962C8B-B14F-4D97-AF65-F5344CB8AC3E}">
-        <p14:creationId xmlns:p14="http://schemas.microsoft.com/office/powerpoint/2010/main" val="3143892238"/>
-      </p:ext>
-    </p:extLst>
-  </p:cSld>
-  <p:clrMapOvr>
-    <a:masterClrMapping/>
-  </p:clrMapOvr>
-</p:sld>
-</file>
-
-<file path=ppt/slides/slide46.xml><?xml version="1.0" encoding="utf-8"?>
-<p:sld xmlns:a="http://schemas.openxmlformats.org/drawingml/2006/main" xmlns:r="http://schemas.openxmlformats.org/officeDocument/2006/relationships" xmlns:p="http://schemas.openxmlformats.org/presentationml/2006/main">
-  <p:cSld>
-    <p:spTree>
-      <p:nvGrpSpPr>
-        <p:cNvPr id="1" name=""/>
-        <p:cNvGrpSpPr/>
-        <p:nvPr/>
-      </p:nvGrpSpPr>
-      <p:grpSpPr>
-        <a:xfrm>
-          <a:off x="0" y="0"/>
-          <a:ext cx="0" cy="0"/>
-          <a:chOff x="0" y="0"/>
-          <a:chExt cx="0" cy="0"/>
-        </a:xfrm>
-      </p:grpSpPr>
-      <p:sp>
-        <p:nvSpPr>
-          <p:cNvPr id="2" name="내용 개체 틀 1">
-            <a:extLst>
-              <a:ext uri="{FF2B5EF4-FFF2-40B4-BE49-F238E27FC236}">
-                <a16:creationId xmlns:a16="http://schemas.microsoft.com/office/drawing/2014/main" id="{2DE25E26-4D9E-46EA-A42D-5B2FD683B484}"/>
-              </a:ext>
-            </a:extLst>
-          </p:cNvPr>
-          <p:cNvSpPr>
-            <a:spLocks noGrp="1"/>
-          </p:cNvSpPr>
-          <p:nvPr>
-            <p:ph idx="1"/>
-          </p:nvPr>
-        </p:nvSpPr>
-        <p:spPr/>
-        <p:txBody>
-          <a:bodyPr/>
-          <a:lstStyle/>
-          <a:p>
-            <a:r>
-              <a:rPr lang="nn-NO" altLang="ko-KR" dirty="0"/>
-              <a:t>for(; i &lt; 10 ; i++) { ~ }</a:t>
-            </a:r>
-          </a:p>
-        </p:txBody>
-      </p:sp>
-      <p:sp>
-        <p:nvSpPr>
-          <p:cNvPr id="3" name="내용 개체 틀 2">
-            <a:extLst>
-              <a:ext uri="{FF2B5EF4-FFF2-40B4-BE49-F238E27FC236}">
-                <a16:creationId xmlns:a16="http://schemas.microsoft.com/office/drawing/2014/main" id="{3388B577-7938-4657-936A-8651B058882B}"/>
-              </a:ext>
-            </a:extLst>
-          </p:cNvPr>
-          <p:cNvSpPr>
-            <a:spLocks noGrp="1"/>
-          </p:cNvSpPr>
-          <p:nvPr>
-            <p:ph sz="quarter" idx="13"/>
-          </p:nvPr>
-        </p:nvSpPr>
-        <p:spPr/>
-        <p:txBody>
-          <a:bodyPr/>
-          <a:lstStyle/>
-          <a:p>
-            <a:r>
-              <a:rPr lang="en-US" altLang="ko-KR" dirty="0"/>
-              <a:t>C# </a:t>
-            </a:r>
-            <a:r>
-              <a:rPr lang="ko-KR" altLang="en-US" dirty="0"/>
-              <a:t>이론 </a:t>
-            </a:r>
-            <a:r>
-              <a:rPr lang="en-US" altLang="ko-KR" dirty="0"/>
-              <a:t>- </a:t>
-            </a:r>
-            <a:r>
-              <a:rPr lang="ko-KR" altLang="en-US" dirty="0" err="1"/>
-              <a:t>반복문</a:t>
-            </a:r>
-            <a:endParaRPr lang="ko-KR" altLang="en-US" dirty="0"/>
-          </a:p>
-        </p:txBody>
-      </p:sp>
-      <p:pic>
-        <p:nvPicPr>
-          <p:cNvPr id="4" name="그림 3">
-            <a:extLst>
-              <a:ext uri="{FF2B5EF4-FFF2-40B4-BE49-F238E27FC236}">
-                <a16:creationId xmlns:a16="http://schemas.microsoft.com/office/drawing/2014/main" id="{D06FCBC9-6434-4869-8620-D35F1750FC11}"/>
-              </a:ext>
-            </a:extLst>
-          </p:cNvPr>
-          <p:cNvPicPr>
-            <a:picLocks noChangeAspect="1"/>
-          </p:cNvPicPr>
-          <p:nvPr/>
-        </p:nvPicPr>
-        <p:blipFill>
-          <a:blip r:embed="rId2"/>
-          <a:stretch>
-            <a:fillRect/>
-          </a:stretch>
-        </p:blipFill>
-        <p:spPr>
-          <a:xfrm>
-            <a:off x="854643" y="1993381"/>
-            <a:ext cx="8153400" cy="2466975"/>
-          </a:xfrm>
-          <a:prstGeom prst="rect">
-            <a:avLst/>
-          </a:prstGeom>
-        </p:spPr>
-      </p:pic>
-    </p:spTree>
-    <p:extLst>
-      <p:ext uri="{BB962C8B-B14F-4D97-AF65-F5344CB8AC3E}">
-        <p14:creationId xmlns:p14="http://schemas.microsoft.com/office/powerpoint/2010/main" val="944054685"/>
-      </p:ext>
-    </p:extLst>
-  </p:cSld>
-  <p:clrMapOvr>
-    <a:masterClrMapping/>
-  </p:clrMapOvr>
-</p:sld>
-</file>
-
-<file path=ppt/slides/slide47.xml><?xml version="1.0" encoding="utf-8"?>
-<p:sld xmlns:a="http://schemas.openxmlformats.org/drawingml/2006/main" xmlns:r="http://schemas.openxmlformats.org/officeDocument/2006/relationships" xmlns:p="http://schemas.openxmlformats.org/presentationml/2006/main">
-  <p:cSld>
-    <p:spTree>
-      <p:nvGrpSpPr>
-        <p:cNvPr id="1" name=""/>
-        <p:cNvGrpSpPr/>
-        <p:nvPr/>
-      </p:nvGrpSpPr>
-      <p:grpSpPr>
-        <a:xfrm>
-          <a:off x="0" y="0"/>
-          <a:ext cx="0" cy="0"/>
-          <a:chOff x="0" y="0"/>
-          <a:chExt cx="0" cy="0"/>
-        </a:xfrm>
-      </p:grpSpPr>
-      <p:sp>
-        <p:nvSpPr>
-          <p:cNvPr id="2" name="내용 개체 틀 1">
-            <a:extLst>
-              <a:ext uri="{FF2B5EF4-FFF2-40B4-BE49-F238E27FC236}">
-                <a16:creationId xmlns:a16="http://schemas.microsoft.com/office/drawing/2014/main" id="{2DE25E26-4D9E-46EA-A42D-5B2FD683B484}"/>
-              </a:ext>
-            </a:extLst>
-          </p:cNvPr>
-          <p:cNvSpPr>
-            <a:spLocks noGrp="1"/>
-          </p:cNvSpPr>
-          <p:nvPr>
-            <p:ph idx="1"/>
-          </p:nvPr>
-        </p:nvSpPr>
-        <p:spPr/>
-        <p:txBody>
-          <a:bodyPr/>
-          <a:lstStyle/>
-          <a:p>
-            <a:r>
-              <a:rPr lang="nn-NO" altLang="ko-KR" dirty="0"/>
-              <a:t>for(; ; i++) { ~ }</a:t>
-            </a:r>
-          </a:p>
-        </p:txBody>
-      </p:sp>
-      <p:sp>
-        <p:nvSpPr>
-          <p:cNvPr id="3" name="내용 개체 틀 2">
-            <a:extLst>
-              <a:ext uri="{FF2B5EF4-FFF2-40B4-BE49-F238E27FC236}">
-                <a16:creationId xmlns:a16="http://schemas.microsoft.com/office/drawing/2014/main" id="{3388B577-7938-4657-936A-8651B058882B}"/>
-              </a:ext>
-            </a:extLst>
-          </p:cNvPr>
-          <p:cNvSpPr>
-            <a:spLocks noGrp="1"/>
-          </p:cNvSpPr>
-          <p:nvPr>
-            <p:ph sz="quarter" idx="13"/>
-          </p:nvPr>
-        </p:nvSpPr>
-        <p:spPr/>
-        <p:txBody>
-          <a:bodyPr/>
-          <a:lstStyle/>
-          <a:p>
-            <a:r>
-              <a:rPr lang="en-US" altLang="ko-KR" dirty="0"/>
-              <a:t>C# </a:t>
-            </a:r>
-            <a:r>
-              <a:rPr lang="ko-KR" altLang="en-US" dirty="0"/>
-              <a:t>이론 </a:t>
-            </a:r>
-            <a:r>
-              <a:rPr lang="en-US" altLang="ko-KR" dirty="0"/>
-              <a:t>- </a:t>
-            </a:r>
-            <a:r>
-              <a:rPr lang="ko-KR" altLang="en-US" dirty="0" err="1"/>
-              <a:t>반복문</a:t>
-            </a:r>
-            <a:endParaRPr lang="ko-KR" altLang="en-US" dirty="0"/>
-          </a:p>
-        </p:txBody>
-      </p:sp>
-      <p:pic>
-        <p:nvPicPr>
-          <p:cNvPr id="6" name="그림 5">
-            <a:extLst>
-              <a:ext uri="{FF2B5EF4-FFF2-40B4-BE49-F238E27FC236}">
-                <a16:creationId xmlns:a16="http://schemas.microsoft.com/office/drawing/2014/main" id="{81452DFD-1254-49CE-BE92-A3987C021390}"/>
-              </a:ext>
-            </a:extLst>
-          </p:cNvPr>
-          <p:cNvPicPr>
-            <a:picLocks noChangeAspect="1"/>
-          </p:cNvPicPr>
-          <p:nvPr/>
-        </p:nvPicPr>
-        <p:blipFill>
-          <a:blip r:embed="rId2"/>
-          <a:stretch>
-            <a:fillRect/>
-          </a:stretch>
-        </p:blipFill>
-        <p:spPr>
-          <a:xfrm>
-            <a:off x="1292492" y="1800330"/>
-            <a:ext cx="8611904" cy="4283229"/>
-          </a:xfrm>
-          <a:prstGeom prst="rect">
-            <a:avLst/>
-          </a:prstGeom>
-        </p:spPr>
-      </p:pic>
-    </p:spTree>
-    <p:extLst>
-      <p:ext uri="{BB962C8B-B14F-4D97-AF65-F5344CB8AC3E}">
-        <p14:creationId xmlns:p14="http://schemas.microsoft.com/office/powerpoint/2010/main" val="2565047237"/>
-      </p:ext>
-    </p:extLst>
-  </p:cSld>
-  <p:clrMapOvr>
-    <a:masterClrMapping/>
-  </p:clrMapOvr>
-</p:sld>
-</file>
-
 <file path=ppt/slides/slide48.xml><?xml version="1.0" encoding="utf-8"?>
 <p:sld xmlns:a="http://schemas.openxmlformats.org/drawingml/2006/main" xmlns:r="http://schemas.openxmlformats.org/officeDocument/2006/relationships" xmlns:p="http://schemas.openxmlformats.org/presentationml/2006/main">
   <p:cSld>
@@ -21452,38 +21029,10 @@
       </p:grpSpPr>
       <p:sp>
         <p:nvSpPr>
-          <p:cNvPr id="2" name="내용 개체 틀 1">
-            <a:extLst>
-              <a:ext uri="{FF2B5EF4-FFF2-40B4-BE49-F238E27FC236}">
-                <a16:creationId xmlns:a16="http://schemas.microsoft.com/office/drawing/2014/main" id="{2DE25E26-4D9E-46EA-A42D-5B2FD683B484}"/>
-              </a:ext>
-            </a:extLst>
-          </p:cNvPr>
-          <p:cNvSpPr>
-            <a:spLocks noGrp="1"/>
-          </p:cNvSpPr>
-          <p:nvPr>
-            <p:ph idx="1"/>
-          </p:nvPr>
-        </p:nvSpPr>
-        <p:spPr/>
-        <p:txBody>
-          <a:bodyPr/>
-          <a:lstStyle/>
-          <a:p>
-            <a:r>
-              <a:rPr lang="nn-NO" altLang="ko-KR" dirty="0"/>
-              <a:t>for(; ; ) { ~ }</a:t>
-            </a:r>
-          </a:p>
-        </p:txBody>
-      </p:sp>
-      <p:sp>
-        <p:nvSpPr>
           <p:cNvPr id="3" name="내용 개체 틀 2">
             <a:extLst>
               <a:ext uri="{FF2B5EF4-FFF2-40B4-BE49-F238E27FC236}">
-                <a16:creationId xmlns:a16="http://schemas.microsoft.com/office/drawing/2014/main" id="{3388B577-7938-4657-936A-8651B058882B}"/>
+                <a16:creationId xmlns:a16="http://schemas.microsoft.com/office/drawing/2014/main" id="{23052C98-3129-49A5-9830-E895D5E349FF}"/>
               </a:ext>
             </a:extLst>
           </p:cNvPr>
@@ -21509,56 +21058,507 @@
             </a:r>
             <a:r>
               <a:rPr lang="en-US" altLang="ko-KR" dirty="0"/>
-              <a:t>- </a:t>
-            </a:r>
-            <a:r>
-              <a:rPr lang="ko-KR" altLang="en-US" dirty="0" err="1"/>
-              <a:t>반복문</a:t>
-            </a:r>
-            <a:endParaRPr lang="ko-KR" altLang="en-US" dirty="0"/>
+              <a:t>– Interface</a:t>
+            </a:r>
+            <a:r>
+              <a:rPr lang="ko-KR" altLang="en-US" dirty="0"/>
+              <a:t>의 선언</a:t>
+            </a:r>
           </a:p>
         </p:txBody>
       </p:sp>
-      <p:pic>
-        <p:nvPicPr>
-          <p:cNvPr id="4" name="그림 3">
-            <a:extLst>
-              <a:ext uri="{FF2B5EF4-FFF2-40B4-BE49-F238E27FC236}">
-                <a16:creationId xmlns:a16="http://schemas.microsoft.com/office/drawing/2014/main" id="{15B53A5E-4F01-4EF0-8965-69E13A74BB28}"/>
-              </a:ext>
-            </a:extLst>
-          </p:cNvPr>
-          <p:cNvPicPr>
-            <a:picLocks noChangeAspect="1"/>
-          </p:cNvPicPr>
+      <p:sp>
+        <p:nvSpPr>
+          <p:cNvPr id="4" name="TextBox 3">
+            <a:extLst>
+              <a:ext uri="{FF2B5EF4-FFF2-40B4-BE49-F238E27FC236}">
+                <a16:creationId xmlns:a16="http://schemas.microsoft.com/office/drawing/2014/main" id="{B1748130-8A02-4B20-8AC1-F043AB6D56BD}"/>
+              </a:ext>
+            </a:extLst>
+          </p:cNvPr>
+          <p:cNvSpPr txBox="1"/>
           <p:nvPr/>
-        </p:nvPicPr>
-        <p:blipFill>
-          <a:blip r:embed="rId2"/>
-          <a:stretch>
-            <a:fillRect/>
-          </a:stretch>
-        </p:blipFill>
+        </p:nvSpPr>
         <p:spPr>
           <a:xfrm>
-            <a:off x="1037372" y="2033888"/>
-            <a:ext cx="9945053" cy="3928099"/>
+            <a:off x="397171" y="1478292"/>
+            <a:ext cx="5472407" cy="1815882"/>
           </a:xfrm>
           <a:prstGeom prst="rect">
             <a:avLst/>
           </a:prstGeom>
+          <a:noFill/>
         </p:spPr>
-      </p:pic>
+        <p:txBody>
+          <a:bodyPr wrap="square" rtlCol="0">
+            <a:spAutoFit/>
+          </a:bodyPr>
+          <a:lstStyle/>
+          <a:p>
+            <a:r>
+              <a:rPr lang="en-US" altLang="ko-KR" sz="2800" dirty="0">
+                <a:solidFill>
+                  <a:schemeClr val="accent6"/>
+                </a:solidFill>
+              </a:rPr>
+              <a:t>interface </a:t>
+            </a:r>
+            <a:r>
+              <a:rPr lang="en-US" altLang="ko-KR" sz="2800" dirty="0" err="1">
+                <a:solidFill>
+                  <a:schemeClr val="accent6">
+                    <a:lumMod val="50000"/>
+                  </a:schemeClr>
+                </a:solidFill>
+              </a:rPr>
+              <a:t>iTwoLeggedWalker</a:t>
+            </a:r>
+            <a:endParaRPr lang="en-US" altLang="ko-KR" sz="2800" dirty="0">
+              <a:solidFill>
+                <a:schemeClr val="accent6">
+                  <a:lumMod val="50000"/>
+                </a:schemeClr>
+              </a:solidFill>
+            </a:endParaRPr>
+          </a:p>
+          <a:p>
+            <a:r>
+              <a:rPr lang="en-US" altLang="ko-KR" sz="2800" dirty="0"/>
+              <a:t>{</a:t>
+            </a:r>
+          </a:p>
+          <a:p>
+            <a:r>
+              <a:rPr lang="en-US" altLang="ko-KR" sz="2800" dirty="0"/>
+              <a:t>	void </a:t>
+            </a:r>
+            <a:r>
+              <a:rPr lang="ko-KR" altLang="en-US" sz="2800" dirty="0"/>
+              <a:t>이족보행</a:t>
+            </a:r>
+            <a:r>
+              <a:rPr lang="en-US" altLang="ko-KR" sz="2800" dirty="0"/>
+              <a:t>();</a:t>
+            </a:r>
+            <a:br>
+              <a:rPr lang="en-US" altLang="ko-KR" sz="2800" dirty="0"/>
+            </a:br>
+            <a:r>
+              <a:rPr lang="en-US" altLang="ko-KR" sz="2800" dirty="0"/>
+              <a:t>}</a:t>
+            </a:r>
+            <a:endParaRPr lang="ko-KR" altLang="en-US" sz="2800" dirty="0"/>
+          </a:p>
+        </p:txBody>
+      </p:sp>
+      <p:sp>
+        <p:nvSpPr>
+          <p:cNvPr id="9" name="TextBox 8">
+            <a:extLst>
+              <a:ext uri="{FF2B5EF4-FFF2-40B4-BE49-F238E27FC236}">
+                <a16:creationId xmlns:a16="http://schemas.microsoft.com/office/drawing/2014/main" id="{1E2510F3-2276-47A1-B7AF-D3B79BF98691}"/>
+              </a:ext>
+            </a:extLst>
+          </p:cNvPr>
+          <p:cNvSpPr txBox="1"/>
+          <p:nvPr/>
+        </p:nvSpPr>
+        <p:spPr>
+          <a:xfrm>
+            <a:off x="4615542" y="1993817"/>
+            <a:ext cx="7175863" cy="1384995"/>
+          </a:xfrm>
+          <a:prstGeom prst="rect">
+            <a:avLst/>
+          </a:prstGeom>
+          <a:noFill/>
+        </p:spPr>
+        <p:txBody>
+          <a:bodyPr wrap="square" rtlCol="0">
+            <a:spAutoFit/>
+          </a:bodyPr>
+          <a:lstStyle/>
+          <a:p>
+            <a:r>
+              <a:rPr lang="en-US" altLang="ko-KR" sz="2800" dirty="0">
+                <a:solidFill>
+                  <a:schemeClr val="accent6"/>
+                </a:solidFill>
+              </a:rPr>
+              <a:t>class </a:t>
+            </a:r>
+            <a:r>
+              <a:rPr lang="en-US" altLang="ko-KR" sz="2800" dirty="0">
+                <a:solidFill>
+                  <a:schemeClr val="accent1"/>
+                </a:solidFill>
+              </a:rPr>
+              <a:t>Human </a:t>
+            </a:r>
+            <a:r>
+              <a:rPr lang="en-US" altLang="ko-KR" sz="2800" dirty="0">
+                <a:solidFill>
+                  <a:srgbClr val="C00000"/>
+                </a:solidFill>
+              </a:rPr>
+              <a:t>:</a:t>
+            </a:r>
+            <a:r>
+              <a:rPr lang="en-US" altLang="ko-KR" sz="2800" dirty="0">
+                <a:solidFill>
+                  <a:schemeClr val="accent1"/>
+                </a:solidFill>
+              </a:rPr>
+              <a:t> Creature, </a:t>
+            </a:r>
+            <a:r>
+              <a:rPr lang="en-US" altLang="ko-KR" sz="2800" dirty="0" err="1">
+                <a:solidFill>
+                  <a:schemeClr val="accent6">
+                    <a:lumMod val="50000"/>
+                  </a:schemeClr>
+                </a:solidFill>
+              </a:rPr>
+              <a:t>iTwoLeggedWalker</a:t>
+            </a:r>
+            <a:endParaRPr lang="en-US" altLang="ko-KR" sz="2800" dirty="0">
+              <a:solidFill>
+                <a:schemeClr val="accent6">
+                  <a:lumMod val="50000"/>
+                </a:schemeClr>
+              </a:solidFill>
+            </a:endParaRPr>
+          </a:p>
+          <a:p>
+            <a:r>
+              <a:rPr lang="en-US" altLang="ko-KR" sz="2800" dirty="0"/>
+              <a:t>{</a:t>
+            </a:r>
+          </a:p>
+          <a:p>
+            <a:r>
+              <a:rPr lang="en-US" altLang="ko-KR" sz="2800" dirty="0"/>
+              <a:t>}</a:t>
+            </a:r>
+            <a:endParaRPr lang="ko-KR" altLang="en-US" sz="2800" dirty="0"/>
+          </a:p>
+        </p:txBody>
+      </p:sp>
+      <p:sp>
+        <p:nvSpPr>
+          <p:cNvPr id="10" name="TextBox 9">
+            <a:extLst>
+              <a:ext uri="{FF2B5EF4-FFF2-40B4-BE49-F238E27FC236}">
+                <a16:creationId xmlns:a16="http://schemas.microsoft.com/office/drawing/2014/main" id="{F8FE75E7-C3EA-45D4-B74A-68F9E35A89D3}"/>
+              </a:ext>
+            </a:extLst>
+          </p:cNvPr>
+          <p:cNvSpPr txBox="1"/>
+          <p:nvPr/>
+        </p:nvSpPr>
+        <p:spPr>
+          <a:xfrm>
+            <a:off x="4615542" y="4063613"/>
+            <a:ext cx="7266372" cy="1384995"/>
+          </a:xfrm>
+          <a:prstGeom prst="rect">
+            <a:avLst/>
+          </a:prstGeom>
+          <a:noFill/>
+        </p:spPr>
+        <p:txBody>
+          <a:bodyPr wrap="square" rtlCol="0">
+            <a:spAutoFit/>
+          </a:bodyPr>
+          <a:lstStyle/>
+          <a:p>
+            <a:r>
+              <a:rPr lang="en-US" altLang="ko-KR" sz="2800" dirty="0">
+                <a:solidFill>
+                  <a:schemeClr val="accent6"/>
+                </a:solidFill>
+              </a:rPr>
+              <a:t>class </a:t>
+            </a:r>
+            <a:r>
+              <a:rPr lang="ko-KR" altLang="en-US" sz="2800" dirty="0">
+                <a:solidFill>
+                  <a:schemeClr val="accent1"/>
+                </a:solidFill>
+              </a:rPr>
+              <a:t>타조</a:t>
+            </a:r>
+            <a:r>
+              <a:rPr lang="en-US" altLang="ko-KR" sz="2800" dirty="0">
+                <a:solidFill>
+                  <a:schemeClr val="accent1"/>
+                </a:solidFill>
+              </a:rPr>
+              <a:t> </a:t>
+            </a:r>
+            <a:r>
+              <a:rPr lang="en-US" altLang="ko-KR" sz="2800" dirty="0">
+                <a:solidFill>
+                  <a:srgbClr val="C00000"/>
+                </a:solidFill>
+              </a:rPr>
+              <a:t>:</a:t>
+            </a:r>
+            <a:r>
+              <a:rPr lang="en-US" altLang="ko-KR" sz="2800" dirty="0">
+                <a:solidFill>
+                  <a:schemeClr val="accent1"/>
+                </a:solidFill>
+              </a:rPr>
+              <a:t> Animal, </a:t>
+            </a:r>
+            <a:r>
+              <a:rPr lang="en-US" altLang="ko-KR" sz="2800" dirty="0" err="1">
+                <a:solidFill>
+                  <a:schemeClr val="accent6">
+                    <a:lumMod val="50000"/>
+                  </a:schemeClr>
+                </a:solidFill>
+              </a:rPr>
+              <a:t>iTwoLeggedWalker</a:t>
+            </a:r>
+            <a:endParaRPr lang="en-US" altLang="ko-KR" sz="2800" dirty="0">
+              <a:solidFill>
+                <a:schemeClr val="accent1"/>
+              </a:solidFill>
+            </a:endParaRPr>
+          </a:p>
+          <a:p>
+            <a:r>
+              <a:rPr lang="en-US" altLang="ko-KR" sz="2800" dirty="0"/>
+              <a:t>{</a:t>
+            </a:r>
+          </a:p>
+          <a:p>
+            <a:r>
+              <a:rPr lang="en-US" altLang="ko-KR" sz="2800" dirty="0"/>
+              <a:t>}</a:t>
+            </a:r>
+            <a:endParaRPr lang="ko-KR" altLang="en-US" sz="2800" dirty="0"/>
+          </a:p>
+        </p:txBody>
+      </p:sp>
+      <p:sp>
+        <p:nvSpPr>
+          <p:cNvPr id="6" name="TextBox 5">
+            <a:extLst>
+              <a:ext uri="{FF2B5EF4-FFF2-40B4-BE49-F238E27FC236}">
+                <a16:creationId xmlns:a16="http://schemas.microsoft.com/office/drawing/2014/main" id="{FEB36151-B0A5-4861-8411-DEBFEBF2FDE3}"/>
+              </a:ext>
+            </a:extLst>
+          </p:cNvPr>
+          <p:cNvSpPr txBox="1"/>
+          <p:nvPr/>
+        </p:nvSpPr>
+        <p:spPr>
+          <a:xfrm>
+            <a:off x="310086" y="3463450"/>
+            <a:ext cx="5472407" cy="1815882"/>
+          </a:xfrm>
+          <a:prstGeom prst="rect">
+            <a:avLst/>
+          </a:prstGeom>
+          <a:noFill/>
+        </p:spPr>
+        <p:txBody>
+          <a:bodyPr wrap="square" rtlCol="0">
+            <a:spAutoFit/>
+          </a:bodyPr>
+          <a:lstStyle/>
+          <a:p>
+            <a:r>
+              <a:rPr lang="en-US" altLang="ko-KR" sz="2800" dirty="0">
+                <a:solidFill>
+                  <a:schemeClr val="accent6"/>
+                </a:solidFill>
+              </a:rPr>
+              <a:t>interface </a:t>
+            </a:r>
+            <a:r>
+              <a:rPr lang="en-US" altLang="ko-KR" sz="2800" dirty="0" err="1">
+                <a:solidFill>
+                  <a:schemeClr val="accent6">
+                    <a:lumMod val="50000"/>
+                  </a:schemeClr>
+                </a:solidFill>
+              </a:rPr>
+              <a:t>iFourLeggedWalker</a:t>
+            </a:r>
+            <a:endParaRPr lang="en-US" altLang="ko-KR" sz="2800" dirty="0">
+              <a:solidFill>
+                <a:schemeClr val="accent6">
+                  <a:lumMod val="50000"/>
+                </a:schemeClr>
+              </a:solidFill>
+            </a:endParaRPr>
+          </a:p>
+          <a:p>
+            <a:r>
+              <a:rPr lang="en-US" altLang="ko-KR" sz="2800" dirty="0"/>
+              <a:t>{</a:t>
+            </a:r>
+          </a:p>
+          <a:p>
+            <a:r>
+              <a:rPr lang="en-US" altLang="ko-KR" sz="2800" dirty="0"/>
+              <a:t>	void </a:t>
+            </a:r>
+            <a:r>
+              <a:rPr lang="ko-KR" altLang="en-US" sz="2800" dirty="0"/>
+              <a:t>사족보행</a:t>
+            </a:r>
+            <a:r>
+              <a:rPr lang="en-US" altLang="ko-KR" sz="2800" dirty="0"/>
+              <a:t>();</a:t>
+            </a:r>
+            <a:br>
+              <a:rPr lang="en-US" altLang="ko-KR" sz="2800" dirty="0"/>
+            </a:br>
+            <a:r>
+              <a:rPr lang="en-US" altLang="ko-KR" sz="2800" dirty="0"/>
+              <a:t>}</a:t>
+            </a:r>
+            <a:endParaRPr lang="ko-KR" altLang="en-US" sz="2800" dirty="0"/>
+          </a:p>
+        </p:txBody>
+      </p:sp>
     </p:spTree>
     <p:extLst>
       <p:ext uri="{BB962C8B-B14F-4D97-AF65-F5344CB8AC3E}">
-        <p14:creationId xmlns:p14="http://schemas.microsoft.com/office/powerpoint/2010/main" val="1092329636"/>
+        <p14:creationId xmlns:p14="http://schemas.microsoft.com/office/powerpoint/2010/main" val="896361730"/>
       </p:ext>
     </p:extLst>
   </p:cSld>
   <p:clrMapOvr>
     <a:masterClrMapping/>
   </p:clrMapOvr>
+  <p:timing>
+    <p:tnLst>
+      <p:par>
+        <p:cTn id="1" dur="indefinite" restart="never" nodeType="tmRoot">
+          <p:childTnLst>
+            <p:seq concurrent="1" nextAc="seek">
+              <p:cTn id="2" dur="indefinite" nodeType="mainSeq">
+                <p:childTnLst>
+                  <p:par>
+                    <p:cTn id="3" fill="hold">
+                      <p:stCondLst>
+                        <p:cond delay="indefinite"/>
+                      </p:stCondLst>
+                      <p:childTnLst>
+                        <p:par>
+                          <p:cTn id="4" fill="hold">
+                            <p:stCondLst>
+                              <p:cond delay="0"/>
+                            </p:stCondLst>
+                            <p:childTnLst>
+                              <p:par>
+                                <p:cTn id="5" presetID="10" presetClass="entr" presetSubtype="0" fill="hold" grpId="0" nodeType="clickEffect">
+                                  <p:stCondLst>
+                                    <p:cond delay="0"/>
+                                  </p:stCondLst>
+                                  <p:childTnLst>
+                                    <p:set>
+                                      <p:cBhvr>
+                                        <p:cTn id="6" dur="1" fill="hold">
+                                          <p:stCondLst>
+                                            <p:cond delay="0"/>
+                                          </p:stCondLst>
+                                        </p:cTn>
+                                        <p:tgtEl>
+                                          <p:spTgt spid="9"/>
+                                        </p:tgtEl>
+                                        <p:attrNameLst>
+                                          <p:attrName>style.visibility</p:attrName>
+                                        </p:attrNameLst>
+                                      </p:cBhvr>
+                                      <p:to>
+                                        <p:strVal val="visible"/>
+                                      </p:to>
+                                    </p:set>
+                                    <p:animEffect transition="in" filter="fade">
+                                      <p:cBhvr>
+                                        <p:cTn id="7" dur="500"/>
+                                        <p:tgtEl>
+                                          <p:spTgt spid="9"/>
+                                        </p:tgtEl>
+                                      </p:cBhvr>
+                                    </p:animEffect>
+                                  </p:childTnLst>
+                                </p:cTn>
+                              </p:par>
+                              <p:par>
+                                <p:cTn id="8" presetID="10" presetClass="entr" presetSubtype="0" fill="hold" grpId="0" nodeType="withEffect">
+                                  <p:stCondLst>
+                                    <p:cond delay="0"/>
+                                  </p:stCondLst>
+                                  <p:childTnLst>
+                                    <p:set>
+                                      <p:cBhvr>
+                                        <p:cTn id="9" dur="1" fill="hold">
+                                          <p:stCondLst>
+                                            <p:cond delay="0"/>
+                                          </p:stCondLst>
+                                        </p:cTn>
+                                        <p:tgtEl>
+                                          <p:spTgt spid="10"/>
+                                        </p:tgtEl>
+                                        <p:attrNameLst>
+                                          <p:attrName>style.visibility</p:attrName>
+                                        </p:attrNameLst>
+                                      </p:cBhvr>
+                                      <p:to>
+                                        <p:strVal val="visible"/>
+                                      </p:to>
+                                    </p:set>
+                                    <p:animEffect transition="in" filter="fade">
+                                      <p:cBhvr>
+                                        <p:cTn id="10" dur="500"/>
+                                        <p:tgtEl>
+                                          <p:spTgt spid="10"/>
+                                        </p:tgtEl>
+                                      </p:cBhvr>
+                                    </p:animEffect>
+                                  </p:childTnLst>
+                                </p:cTn>
+                              </p:par>
+                            </p:childTnLst>
+                          </p:cTn>
+                        </p:par>
+                      </p:childTnLst>
+                    </p:cTn>
+                  </p:par>
+                </p:childTnLst>
+              </p:cTn>
+              <p:prevCondLst>
+                <p:cond evt="onPrev" delay="0">
+                  <p:tgtEl>
+                    <p:sldTgt/>
+                  </p:tgtEl>
+                </p:cond>
+              </p:prevCondLst>
+              <p:nextCondLst>
+                <p:cond evt="onNext" delay="0">
+                  <p:tgtEl>
+                    <p:sldTgt/>
+                  </p:tgtEl>
+                </p:cond>
+              </p:nextCondLst>
+            </p:seq>
+          </p:childTnLst>
+        </p:cTn>
+      </p:par>
+    </p:tnLst>
+    <p:bldLst>
+      <p:bldP spid="9" grpId="0"/>
+      <p:bldP spid="10" grpId="0"/>
+    </p:bldLst>
+  </p:timing>
 </p:sld>
 </file>
 
@@ -21648,7 +21648,7 @@
     </p:spTree>
     <p:extLst>
       <p:ext uri="{BB962C8B-B14F-4D97-AF65-F5344CB8AC3E}">
-        <p14:creationId xmlns:p14="http://schemas.microsoft.com/office/powerpoint/2010/main" val="3403073816"/>
+        <p14:creationId xmlns:p14="http://schemas.microsoft.com/office/powerpoint/2010/main" val="1018418997"/>
       </p:ext>
     </p:extLst>
   </p:cSld>
@@ -23169,6 +23169,10 @@
               <a:rPr lang="ko-KR" altLang="en-US" dirty="0" err="1"/>
               <a:t>콜렉션은</a:t>
             </a:r>
+            <a:r>
+              <a:rPr lang="en-US" altLang="ko-KR" dirty="0"/>
+              <a:t/>
+            </a:r>
             <a:br>
               <a:rPr lang="en-US" altLang="ko-KR" dirty="0"/>
             </a:br>
@@ -23580,6 +23584,10 @@
             <a:r>
               <a:rPr lang="ko-KR" altLang="en-US" dirty="0"/>
               <a:t>정의가 있는 것처럼</a:t>
+            </a:r>
+            <a:r>
+              <a:rPr lang="en-US" altLang="ko-KR" dirty="0"/>
+              <a:t/>
             </a:r>
             <a:br>
               <a:rPr lang="en-US" altLang="ko-KR" dirty="0"/>
@@ -25130,6 +25138,10 @@
               <a:rPr lang="ko-KR" altLang="en-US" dirty="0"/>
               <a:t>다른 외부 프로젝트에서 만들어진 기능들을 가져올 때 객체들끼리 이름이 중복이 될 수 있기 때문에</a:t>
             </a:r>
+            <a:r>
+              <a:rPr lang="en-US" altLang="ko-KR" dirty="0"/>
+              <a:t/>
+            </a:r>
             <a:br>
               <a:rPr lang="en-US" altLang="ko-KR" dirty="0"/>
             </a:br>
@@ -25310,6 +25322,10 @@
             <a:br>
               <a:rPr lang="en-US" altLang="ko-KR" sz="3200" dirty="0"/>
             </a:br>
+            <a:r>
+              <a:rPr lang="en-US" altLang="ko-KR" sz="3200" dirty="0"/>
+              <a:t/>
+            </a:r>
             <a:br>
               <a:rPr lang="en-US" altLang="ko-KR" sz="3200" dirty="0"/>
             </a:br>
